--- a/기획서/버스타그램_화면설계서_1차완성.pptx
+++ b/기획서/버스타그램_화면설계서_1차완성.pptx
@@ -23709,8 +23709,8 @@
         </p:nvSpPr>
         <p:spPr>
           <a:xfrm>
-            <a:off x="8066577" y="1872112"/>
-            <a:ext cx="4599185" cy="646331"/>
+            <a:off x="8026400" y="1969282"/>
+            <a:ext cx="4599185" cy="369332"/>
           </a:xfrm>
           <a:prstGeom prst="rect">
             <a:avLst/>
@@ -23724,27 +23724,8 @@
           <a:lstStyle/>
           <a:p>
             <a:r>
-              <a:rPr lang="ko-KR" altLang="en-US" dirty="0" smtClean="0"/>
-              <a:t>뮤직 스테이션 검색 </a:t>
-            </a:r>
-            <a:endParaRPr lang="en-US" altLang="ko-KR" dirty="0" smtClean="0"/>
-          </a:p>
-          <a:p>
-            <a:pPr marL="285750" indent="-285750">
-              <a:buFontTx/>
-              <a:buChar char="-"/>
-            </a:pPr>
-            <a:r>
-              <a:rPr lang="ko-KR" altLang="en-US" dirty="0" smtClean="0"/>
-              <a:t>원하는 </a:t>
-            </a:r>
-            <a:r>
-              <a:rPr lang="ko-KR" altLang="en-US" dirty="0" err="1" smtClean="0"/>
-              <a:t>버스커의</a:t>
-            </a:r>
-            <a:r>
-              <a:rPr lang="ko-KR" altLang="en-US" dirty="0" smtClean="0"/>
-              <a:t> 뮤직 스테이션으로</a:t>
+              <a:rPr lang="ko-KR" altLang="en-US" smtClean="0"/>
+              <a:t>자신의 즐겨 찾기 리스트로 이동</a:t>
             </a:r>
             <a:endParaRPr lang="en-US" altLang="ko-KR" dirty="0" smtClean="0"/>
           </a:p>

--- a/기획서/버스타그램_화면설계서_1차완성.pptx
+++ b/기획서/버스타그램_화면설계서_1차완성.pptx
@@ -16,17 +16,17 @@
     <p:sldId id="269" r:id="rId10"/>
     <p:sldId id="260" r:id="rId11"/>
     <p:sldId id="267" r:id="rId12"/>
-    <p:sldId id="262" r:id="rId13"/>
-    <p:sldId id="263" r:id="rId14"/>
-    <p:sldId id="270" r:id="rId15"/>
-    <p:sldId id="271" r:id="rId16"/>
-    <p:sldId id="272" r:id="rId17"/>
-    <p:sldId id="273" r:id="rId18"/>
-    <p:sldId id="274" r:id="rId19"/>
-    <p:sldId id="275" r:id="rId20"/>
-    <p:sldId id="276" r:id="rId21"/>
-    <p:sldId id="277" r:id="rId22"/>
-    <p:sldId id="278" r:id="rId23"/>
+    <p:sldId id="278" r:id="rId13"/>
+    <p:sldId id="262" r:id="rId14"/>
+    <p:sldId id="263" r:id="rId15"/>
+    <p:sldId id="270" r:id="rId16"/>
+    <p:sldId id="271" r:id="rId17"/>
+    <p:sldId id="272" r:id="rId18"/>
+    <p:sldId id="273" r:id="rId19"/>
+    <p:sldId id="274" r:id="rId20"/>
+    <p:sldId id="275" r:id="rId21"/>
+    <p:sldId id="276" r:id="rId22"/>
+    <p:sldId id="277" r:id="rId23"/>
     <p:sldId id="279" r:id="rId24"/>
   </p:sldIdLst>
   <p:sldSz cx="6858000" cy="12192000"/>
@@ -265,7 +265,7 @@
           <a:p>
             <a:fld id="{5162861C-221C-4D6D-ABE6-2C10C4CB8B12}" type="datetimeFigureOut">
               <a:rPr lang="ko-KR" altLang="en-US" smtClean="0"/>
-              <a:t>2020-09-28</a:t>
+              <a:t>2020-10-06</a:t>
             </a:fld>
             <a:endParaRPr lang="ko-KR" altLang="en-US"/>
           </a:p>
@@ -435,7 +435,7 @@
           <a:p>
             <a:fld id="{5162861C-221C-4D6D-ABE6-2C10C4CB8B12}" type="datetimeFigureOut">
               <a:rPr lang="ko-KR" altLang="en-US" smtClean="0"/>
-              <a:t>2020-09-28</a:t>
+              <a:t>2020-10-06</a:t>
             </a:fld>
             <a:endParaRPr lang="ko-KR" altLang="en-US"/>
           </a:p>
@@ -615,7 +615,7 @@
           <a:p>
             <a:fld id="{5162861C-221C-4D6D-ABE6-2C10C4CB8B12}" type="datetimeFigureOut">
               <a:rPr lang="ko-KR" altLang="en-US" smtClean="0"/>
-              <a:t>2020-09-28</a:t>
+              <a:t>2020-10-06</a:t>
             </a:fld>
             <a:endParaRPr lang="ko-KR" altLang="en-US"/>
           </a:p>
@@ -785,7 +785,7 @@
           <a:p>
             <a:fld id="{5162861C-221C-4D6D-ABE6-2C10C4CB8B12}" type="datetimeFigureOut">
               <a:rPr lang="ko-KR" altLang="en-US" smtClean="0"/>
-              <a:t>2020-09-28</a:t>
+              <a:t>2020-10-06</a:t>
             </a:fld>
             <a:endParaRPr lang="ko-KR" altLang="en-US"/>
           </a:p>
@@ -1029,7 +1029,7 @@
           <a:p>
             <a:fld id="{5162861C-221C-4D6D-ABE6-2C10C4CB8B12}" type="datetimeFigureOut">
               <a:rPr lang="ko-KR" altLang="en-US" smtClean="0"/>
-              <a:t>2020-09-28</a:t>
+              <a:t>2020-10-06</a:t>
             </a:fld>
             <a:endParaRPr lang="ko-KR" altLang="en-US"/>
           </a:p>
@@ -1261,7 +1261,7 @@
           <a:p>
             <a:fld id="{5162861C-221C-4D6D-ABE6-2C10C4CB8B12}" type="datetimeFigureOut">
               <a:rPr lang="ko-KR" altLang="en-US" smtClean="0"/>
-              <a:t>2020-09-28</a:t>
+              <a:t>2020-10-06</a:t>
             </a:fld>
             <a:endParaRPr lang="ko-KR" altLang="en-US"/>
           </a:p>
@@ -1628,7 +1628,7 @@
           <a:p>
             <a:fld id="{5162861C-221C-4D6D-ABE6-2C10C4CB8B12}" type="datetimeFigureOut">
               <a:rPr lang="ko-KR" altLang="en-US" smtClean="0"/>
-              <a:t>2020-09-28</a:t>
+              <a:t>2020-10-06</a:t>
             </a:fld>
             <a:endParaRPr lang="ko-KR" altLang="en-US"/>
           </a:p>
@@ -1746,7 +1746,7 @@
           <a:p>
             <a:fld id="{5162861C-221C-4D6D-ABE6-2C10C4CB8B12}" type="datetimeFigureOut">
               <a:rPr lang="ko-KR" altLang="en-US" smtClean="0"/>
-              <a:t>2020-09-28</a:t>
+              <a:t>2020-10-06</a:t>
             </a:fld>
             <a:endParaRPr lang="ko-KR" altLang="en-US"/>
           </a:p>
@@ -1841,7 +1841,7 @@
           <a:p>
             <a:fld id="{5162861C-221C-4D6D-ABE6-2C10C4CB8B12}" type="datetimeFigureOut">
               <a:rPr lang="ko-KR" altLang="en-US" smtClean="0"/>
-              <a:t>2020-09-28</a:t>
+              <a:t>2020-10-06</a:t>
             </a:fld>
             <a:endParaRPr lang="ko-KR" altLang="en-US"/>
           </a:p>
@@ -2118,7 +2118,7 @@
           <a:p>
             <a:fld id="{5162861C-221C-4D6D-ABE6-2C10C4CB8B12}" type="datetimeFigureOut">
               <a:rPr lang="ko-KR" altLang="en-US" smtClean="0"/>
-              <a:t>2020-09-28</a:t>
+              <a:t>2020-10-06</a:t>
             </a:fld>
             <a:endParaRPr lang="ko-KR" altLang="en-US"/>
           </a:p>
@@ -2375,7 +2375,7 @@
           <a:p>
             <a:fld id="{5162861C-221C-4D6D-ABE6-2C10C4CB8B12}" type="datetimeFigureOut">
               <a:rPr lang="ko-KR" altLang="en-US" smtClean="0"/>
-              <a:t>2020-09-28</a:t>
+              <a:t>2020-10-06</a:t>
             </a:fld>
             <a:endParaRPr lang="ko-KR" altLang="en-US"/>
           </a:p>
@@ -2588,7 +2588,7 @@
           <a:p>
             <a:fld id="{5162861C-221C-4D6D-ABE6-2C10C4CB8B12}" type="datetimeFigureOut">
               <a:rPr lang="ko-KR" altLang="en-US" smtClean="0"/>
-              <a:t>2020-09-28</a:t>
+              <a:t>2020-10-06</a:t>
             </a:fld>
             <a:endParaRPr lang="ko-KR" altLang="en-US"/>
           </a:p>
@@ -4441,6 +4441,806 @@
       </p:grpSpPr>
       <p:sp>
         <p:nvSpPr>
+          <p:cNvPr id="5" name="직사각형 4"/>
+          <p:cNvSpPr/>
+          <p:nvPr/>
+        </p:nvSpPr>
+        <p:spPr>
+          <a:xfrm>
+            <a:off x="0" y="11191609"/>
+            <a:ext cx="6858000" cy="1000391"/>
+          </a:xfrm>
+          <a:prstGeom prst="rect">
+            <a:avLst/>
+          </a:prstGeom>
+          <a:solidFill>
+            <a:schemeClr val="tx1"/>
+          </a:solidFill>
+          <a:ln>
+            <a:noFill/>
+          </a:ln>
+        </p:spPr>
+        <p:style>
+          <a:lnRef idx="2">
+            <a:schemeClr val="accent1">
+              <a:shade val="50000"/>
+            </a:schemeClr>
+          </a:lnRef>
+          <a:fillRef idx="1">
+            <a:schemeClr val="accent1"/>
+          </a:fillRef>
+          <a:effectRef idx="0">
+            <a:schemeClr val="accent1"/>
+          </a:effectRef>
+          <a:fontRef idx="minor">
+            <a:schemeClr val="lt1"/>
+          </a:fontRef>
+        </p:style>
+        <p:txBody>
+          <a:bodyPr rot="0" spcFirstLastPara="0" vertOverflow="overflow" horzOverflow="overflow" vert="horz" wrap="square" lIns="91440" tIns="45720" rIns="91440" bIns="45720" numCol="1" spcCol="0" rtlCol="0" fromWordArt="0" anchor="ctr" anchorCtr="0" forceAA="0" compatLnSpc="1">
+            <a:prstTxWarp prst="textNoShape">
+              <a:avLst/>
+            </a:prstTxWarp>
+            <a:noAutofit/>
+          </a:bodyPr>
+          <a:lstStyle/>
+          <a:p>
+            <a:pPr algn="ctr"/>
+            <a:r>
+              <a:rPr lang="en-US" altLang="ko-KR" dirty="0"/>
+              <a:t>footer</a:t>
+            </a:r>
+            <a:endParaRPr lang="ko-KR" altLang="en-US" dirty="0"/>
+          </a:p>
+        </p:txBody>
+      </p:sp>
+      <p:sp>
+        <p:nvSpPr>
+          <p:cNvPr id="6" name="직사각형 5"/>
+          <p:cNvSpPr/>
+          <p:nvPr/>
+        </p:nvSpPr>
+        <p:spPr>
+          <a:xfrm>
+            <a:off x="0" y="1498605"/>
+            <a:ext cx="6858000" cy="481262"/>
+          </a:xfrm>
+          <a:prstGeom prst="rect">
+            <a:avLst/>
+          </a:prstGeom>
+          <a:solidFill>
+            <a:schemeClr val="tx1"/>
+          </a:solidFill>
+          <a:ln>
+            <a:noFill/>
+          </a:ln>
+        </p:spPr>
+        <p:style>
+          <a:lnRef idx="2">
+            <a:schemeClr val="accent1">
+              <a:shade val="50000"/>
+            </a:schemeClr>
+          </a:lnRef>
+          <a:fillRef idx="1">
+            <a:schemeClr val="accent1"/>
+          </a:fillRef>
+          <a:effectRef idx="0">
+            <a:schemeClr val="accent1"/>
+          </a:effectRef>
+          <a:fontRef idx="minor">
+            <a:schemeClr val="lt1"/>
+          </a:fontRef>
+        </p:style>
+        <p:txBody>
+          <a:bodyPr rot="0" spcFirstLastPara="0" vertOverflow="overflow" horzOverflow="overflow" vert="horz" wrap="square" lIns="91440" tIns="45720" rIns="91440" bIns="45720" numCol="1" spcCol="0" rtlCol="0" fromWordArt="0" anchor="ctr" anchorCtr="0" forceAA="0" compatLnSpc="1">
+            <a:prstTxWarp prst="textNoShape">
+              <a:avLst/>
+            </a:prstTxWarp>
+            <a:noAutofit/>
+          </a:bodyPr>
+          <a:lstStyle/>
+          <a:p>
+            <a:pPr algn="ctr"/>
+            <a:endParaRPr lang="ko-KR" altLang="en-US" sz="1500" dirty="0"/>
+          </a:p>
+        </p:txBody>
+      </p:sp>
+      <p:sp>
+        <p:nvSpPr>
+          <p:cNvPr id="8" name="TextBox 7"/>
+          <p:cNvSpPr txBox="1"/>
+          <p:nvPr/>
+        </p:nvSpPr>
+        <p:spPr>
+          <a:xfrm>
+            <a:off x="1255622" y="6615067"/>
+            <a:ext cx="2351314" cy="369332"/>
+          </a:xfrm>
+          <a:prstGeom prst="rect">
+            <a:avLst/>
+          </a:prstGeom>
+          <a:noFill/>
+        </p:spPr>
+        <p:txBody>
+          <a:bodyPr wrap="square" rtlCol="0">
+            <a:spAutoFit/>
+          </a:bodyPr>
+          <a:lstStyle/>
+          <a:p>
+            <a:r>
+              <a:rPr lang="ko-KR" altLang="en-US" dirty="0" smtClean="0"/>
+              <a:t>이메일</a:t>
+            </a:r>
+            <a:endParaRPr lang="en-US" altLang="ko-KR" dirty="0" smtClean="0"/>
+          </a:p>
+        </p:txBody>
+      </p:sp>
+      <p:sp>
+        <p:nvSpPr>
+          <p:cNvPr id="10" name="직사각형 9"/>
+          <p:cNvSpPr/>
+          <p:nvPr/>
+        </p:nvSpPr>
+        <p:spPr>
+          <a:xfrm>
+            <a:off x="3773715" y="9703982"/>
+            <a:ext cx="2394858" cy="482731"/>
+          </a:xfrm>
+          <a:prstGeom prst="rect">
+            <a:avLst/>
+          </a:prstGeom>
+        </p:spPr>
+        <p:style>
+          <a:lnRef idx="2">
+            <a:schemeClr val="accent1">
+              <a:shade val="50000"/>
+            </a:schemeClr>
+          </a:lnRef>
+          <a:fillRef idx="1">
+            <a:schemeClr val="accent1"/>
+          </a:fillRef>
+          <a:effectRef idx="0">
+            <a:schemeClr val="accent1"/>
+          </a:effectRef>
+          <a:fontRef idx="minor">
+            <a:schemeClr val="lt1"/>
+          </a:fontRef>
+        </p:style>
+        <p:txBody>
+          <a:bodyPr rtlCol="0" anchor="ctr"/>
+          <a:lstStyle/>
+          <a:p>
+            <a:pPr algn="ctr"/>
+            <a:r>
+              <a:rPr lang="ko-KR" altLang="en-US" dirty="0" smtClean="0"/>
+              <a:t>취소</a:t>
+            </a:r>
+            <a:endParaRPr lang="ko-KR" altLang="en-US" dirty="0"/>
+          </a:p>
+        </p:txBody>
+      </p:sp>
+      <p:cxnSp>
+        <p:nvCxnSpPr>
+          <p:cNvPr id="13" name="직선 화살표 연결선 12"/>
+          <p:cNvCxnSpPr/>
+          <p:nvPr/>
+        </p:nvCxnSpPr>
+        <p:spPr>
+          <a:xfrm flipH="1">
+            <a:off x="-108857" y="4813745"/>
+            <a:ext cx="1233715" cy="150134"/>
+          </a:xfrm>
+          <a:prstGeom prst="straightConnector1">
+            <a:avLst/>
+          </a:prstGeom>
+          <a:ln>
+            <a:tailEnd type="triangle"/>
+          </a:ln>
+        </p:spPr>
+        <p:style>
+          <a:lnRef idx="1">
+            <a:schemeClr val="accent1"/>
+          </a:lnRef>
+          <a:fillRef idx="0">
+            <a:schemeClr val="accent1"/>
+          </a:fillRef>
+          <a:effectRef idx="0">
+            <a:schemeClr val="accent1"/>
+          </a:effectRef>
+          <a:fontRef idx="minor">
+            <a:schemeClr val="tx1"/>
+          </a:fontRef>
+        </p:style>
+      </p:cxnSp>
+      <p:sp>
+        <p:nvSpPr>
+          <p:cNvPr id="15" name="TextBox 14"/>
+          <p:cNvSpPr txBox="1"/>
+          <p:nvPr/>
+        </p:nvSpPr>
+        <p:spPr>
+          <a:xfrm>
+            <a:off x="-2169885" y="4594547"/>
+            <a:ext cx="2590799" cy="923330"/>
+          </a:xfrm>
+          <a:prstGeom prst="rect">
+            <a:avLst/>
+          </a:prstGeom>
+          <a:noFill/>
+        </p:spPr>
+        <p:txBody>
+          <a:bodyPr wrap="square" rtlCol="0">
+            <a:spAutoFit/>
+          </a:bodyPr>
+          <a:lstStyle/>
+          <a:p>
+            <a:r>
+              <a:rPr lang="en-US" altLang="ko-KR" dirty="0" smtClean="0"/>
+              <a:t>Select box </a:t>
+            </a:r>
+          </a:p>
+          <a:p>
+            <a:r>
+              <a:rPr lang="ko-KR" altLang="en-US" dirty="0" err="1" smtClean="0"/>
+              <a:t>버스커</a:t>
+            </a:r>
+            <a:r>
+              <a:rPr lang="ko-KR" altLang="en-US" dirty="0" smtClean="0"/>
+              <a:t> </a:t>
+            </a:r>
+            <a:r>
+              <a:rPr lang="en-US" altLang="ko-KR" dirty="0" smtClean="0"/>
+              <a:t>or </a:t>
+            </a:r>
+            <a:r>
+              <a:rPr lang="ko-KR" altLang="en-US" dirty="0" smtClean="0"/>
+              <a:t>가게 </a:t>
+            </a:r>
+            <a:r>
+              <a:rPr lang="ko-KR" altLang="en-US" dirty="0" err="1" smtClean="0"/>
+              <a:t>선택시</a:t>
+            </a:r>
+            <a:endParaRPr lang="en-US" altLang="ko-KR" dirty="0" smtClean="0"/>
+          </a:p>
+          <a:p>
+            <a:r>
+              <a:rPr lang="ko-KR" altLang="en-US" dirty="0" smtClean="0"/>
+              <a:t>필수입력항목 나타내기</a:t>
+            </a:r>
+            <a:endParaRPr lang="ko-KR" altLang="en-US" dirty="0"/>
+          </a:p>
+        </p:txBody>
+      </p:sp>
+      <p:sp>
+        <p:nvSpPr>
+          <p:cNvPr id="21" name="TextBox 20"/>
+          <p:cNvSpPr txBox="1"/>
+          <p:nvPr/>
+        </p:nvSpPr>
+        <p:spPr>
+          <a:xfrm>
+            <a:off x="-2278742" y="1979867"/>
+            <a:ext cx="2169885" cy="400110"/>
+          </a:xfrm>
+          <a:prstGeom prst="rect">
+            <a:avLst/>
+          </a:prstGeom>
+          <a:noFill/>
+        </p:spPr>
+        <p:txBody>
+          <a:bodyPr wrap="square" rtlCol="0">
+            <a:spAutoFit/>
+          </a:bodyPr>
+          <a:lstStyle/>
+          <a:p>
+            <a:r>
+              <a:rPr lang="ko-KR" altLang="en-US" sz="2000" b="1" dirty="0" smtClean="0"/>
+              <a:t>마이 페이지</a:t>
+            </a:r>
+            <a:endParaRPr lang="ko-KR" altLang="en-US" sz="2000" b="1" dirty="0"/>
+          </a:p>
+        </p:txBody>
+      </p:sp>
+      <p:sp>
+        <p:nvSpPr>
+          <p:cNvPr id="16" name="직사각형 15"/>
+          <p:cNvSpPr/>
+          <p:nvPr/>
+        </p:nvSpPr>
+        <p:spPr>
+          <a:xfrm>
+            <a:off x="1034142" y="9687428"/>
+            <a:ext cx="2394858" cy="482731"/>
+          </a:xfrm>
+          <a:prstGeom prst="rect">
+            <a:avLst/>
+          </a:prstGeom>
+        </p:spPr>
+        <p:style>
+          <a:lnRef idx="2">
+            <a:schemeClr val="accent1">
+              <a:shade val="50000"/>
+            </a:schemeClr>
+          </a:lnRef>
+          <a:fillRef idx="1">
+            <a:schemeClr val="accent1"/>
+          </a:fillRef>
+          <a:effectRef idx="0">
+            <a:schemeClr val="accent1"/>
+          </a:effectRef>
+          <a:fontRef idx="minor">
+            <a:schemeClr val="lt1"/>
+          </a:fontRef>
+        </p:style>
+        <p:txBody>
+          <a:bodyPr rtlCol="0" anchor="ctr"/>
+          <a:lstStyle/>
+          <a:p>
+            <a:pPr algn="ctr"/>
+            <a:r>
+              <a:rPr lang="ko-KR" altLang="en-US" dirty="0" smtClean="0"/>
+              <a:t>수정</a:t>
+            </a:r>
+            <a:endParaRPr lang="ko-KR" altLang="en-US" dirty="0"/>
+          </a:p>
+        </p:txBody>
+      </p:sp>
+      <p:sp>
+        <p:nvSpPr>
+          <p:cNvPr id="19" name="TextBox 18"/>
+          <p:cNvSpPr txBox="1"/>
+          <p:nvPr/>
+        </p:nvSpPr>
+        <p:spPr>
+          <a:xfrm>
+            <a:off x="1124858" y="3102541"/>
+            <a:ext cx="2351314" cy="369332"/>
+          </a:xfrm>
+          <a:prstGeom prst="rect">
+            <a:avLst/>
+          </a:prstGeom>
+          <a:noFill/>
+        </p:spPr>
+        <p:txBody>
+          <a:bodyPr wrap="square" rtlCol="0">
+            <a:spAutoFit/>
+          </a:bodyPr>
+          <a:lstStyle/>
+          <a:p>
+            <a:r>
+              <a:rPr lang="ko-KR" altLang="en-US" dirty="0" smtClean="0"/>
+              <a:t>프로필사진</a:t>
+            </a:r>
+            <a:endParaRPr lang="en-US" altLang="ko-KR" dirty="0" smtClean="0"/>
+          </a:p>
+        </p:txBody>
+      </p:sp>
+      <p:sp>
+        <p:nvSpPr>
+          <p:cNvPr id="23" name="TextBox 22"/>
+          <p:cNvSpPr txBox="1"/>
+          <p:nvPr/>
+        </p:nvSpPr>
+        <p:spPr>
+          <a:xfrm>
+            <a:off x="1230085" y="4385938"/>
+            <a:ext cx="3919133" cy="646331"/>
+          </a:xfrm>
+          <a:prstGeom prst="rect">
+            <a:avLst/>
+          </a:prstGeom>
+          <a:noFill/>
+        </p:spPr>
+        <p:txBody>
+          <a:bodyPr wrap="square" rtlCol="0">
+            <a:spAutoFit/>
+          </a:bodyPr>
+          <a:lstStyle/>
+          <a:p>
+            <a:r>
+              <a:rPr lang="ko-KR" altLang="en-US" dirty="0" smtClean="0"/>
+              <a:t>분류 </a:t>
+            </a:r>
+            <a:r>
+              <a:rPr lang="en-US" altLang="ko-KR" dirty="0" smtClean="0"/>
+              <a:t>:</a:t>
+            </a:r>
+          </a:p>
+          <a:p>
+            <a:r>
+              <a:rPr lang="en-US" altLang="ko-KR" dirty="0" smtClean="0"/>
+              <a:t>(</a:t>
+            </a:r>
+            <a:r>
+              <a:rPr lang="ko-KR" altLang="en-US" dirty="0" smtClean="0"/>
+              <a:t>일반회원  </a:t>
+            </a:r>
+            <a:r>
+              <a:rPr lang="en-US" altLang="ko-KR" dirty="0" smtClean="0"/>
+              <a:t>,</a:t>
+            </a:r>
+            <a:r>
+              <a:rPr lang="ko-KR" altLang="en-US" dirty="0" err="1" smtClean="0"/>
+              <a:t>버스커</a:t>
+            </a:r>
+            <a:r>
+              <a:rPr lang="ko-KR" altLang="en-US" dirty="0" smtClean="0"/>
+              <a:t> </a:t>
+            </a:r>
+            <a:r>
+              <a:rPr lang="en-US" altLang="ko-KR" dirty="0" smtClean="0"/>
+              <a:t>, </a:t>
+            </a:r>
+            <a:r>
+              <a:rPr lang="ko-KR" altLang="en-US" dirty="0" smtClean="0"/>
+              <a:t>가게</a:t>
+            </a:r>
+            <a:r>
+              <a:rPr lang="en-US" altLang="ko-KR" dirty="0" smtClean="0"/>
+              <a:t>)</a:t>
+            </a:r>
+          </a:p>
+        </p:txBody>
+      </p:sp>
+      <p:sp>
+        <p:nvSpPr>
+          <p:cNvPr id="24" name="TextBox 23"/>
+          <p:cNvSpPr txBox="1"/>
+          <p:nvPr/>
+        </p:nvSpPr>
+        <p:spPr>
+          <a:xfrm>
+            <a:off x="1230085" y="7365966"/>
+            <a:ext cx="2351314" cy="369332"/>
+          </a:xfrm>
+          <a:prstGeom prst="rect">
+            <a:avLst/>
+          </a:prstGeom>
+          <a:noFill/>
+        </p:spPr>
+        <p:txBody>
+          <a:bodyPr wrap="square" rtlCol="0">
+            <a:spAutoFit/>
+          </a:bodyPr>
+          <a:lstStyle/>
+          <a:p>
+            <a:r>
+              <a:rPr lang="ko-KR" altLang="en-US" dirty="0" smtClean="0"/>
+              <a:t>연락처</a:t>
+            </a:r>
+            <a:endParaRPr lang="en-US" altLang="ko-KR" dirty="0" smtClean="0"/>
+          </a:p>
+        </p:txBody>
+      </p:sp>
+      <p:sp>
+        <p:nvSpPr>
+          <p:cNvPr id="25" name="TextBox 24"/>
+          <p:cNvSpPr txBox="1"/>
+          <p:nvPr/>
+        </p:nvSpPr>
+        <p:spPr>
+          <a:xfrm>
+            <a:off x="1230085" y="8103089"/>
+            <a:ext cx="2351314" cy="369332"/>
+          </a:xfrm>
+          <a:prstGeom prst="rect">
+            <a:avLst/>
+          </a:prstGeom>
+          <a:noFill/>
+        </p:spPr>
+        <p:txBody>
+          <a:bodyPr wrap="square" rtlCol="0">
+            <a:spAutoFit/>
+          </a:bodyPr>
+          <a:lstStyle/>
+          <a:p>
+            <a:r>
+              <a:rPr lang="ko-KR" altLang="en-US" dirty="0" smtClean="0"/>
+              <a:t>주소</a:t>
+            </a:r>
+            <a:endParaRPr lang="en-US" altLang="ko-KR" dirty="0" smtClean="0"/>
+          </a:p>
+        </p:txBody>
+      </p:sp>
+      <p:sp>
+        <p:nvSpPr>
+          <p:cNvPr id="26" name="TextBox 25"/>
+          <p:cNvSpPr txBox="1"/>
+          <p:nvPr/>
+        </p:nvSpPr>
+        <p:spPr>
+          <a:xfrm>
+            <a:off x="1255622" y="5131930"/>
+            <a:ext cx="1719807" cy="1200329"/>
+          </a:xfrm>
+          <a:prstGeom prst="rect">
+            <a:avLst/>
+          </a:prstGeom>
+          <a:noFill/>
+        </p:spPr>
+        <p:txBody>
+          <a:bodyPr wrap="square" rtlCol="0">
+            <a:spAutoFit/>
+          </a:bodyPr>
+          <a:lstStyle/>
+          <a:p>
+            <a:r>
+              <a:rPr lang="en-US" altLang="ko-KR" smtClean="0"/>
+              <a:t>(</a:t>
+            </a:r>
+            <a:r>
+              <a:rPr lang="ko-KR" altLang="en-US" dirty="0" err="1" smtClean="0"/>
+              <a:t>버스커</a:t>
+            </a:r>
+            <a:r>
+              <a:rPr lang="en-US" altLang="ko-KR" dirty="0" smtClean="0"/>
+              <a:t>)</a:t>
+            </a:r>
+          </a:p>
+          <a:p>
+            <a:r>
+              <a:rPr lang="ko-KR" altLang="en-US" dirty="0" err="1" smtClean="0"/>
+              <a:t>팀명</a:t>
+            </a:r>
+            <a:endParaRPr lang="en-US" altLang="ko-KR" dirty="0" smtClean="0"/>
+          </a:p>
+          <a:p>
+            <a:r>
+              <a:rPr lang="ko-KR" altLang="en-US" dirty="0" err="1" smtClean="0"/>
+              <a:t>구성인원</a:t>
+            </a:r>
+            <a:endParaRPr lang="en-US" altLang="ko-KR" dirty="0" smtClean="0"/>
+          </a:p>
+          <a:p>
+            <a:r>
+              <a:rPr lang="ko-KR" altLang="en-US" dirty="0" smtClean="0"/>
+              <a:t>장르</a:t>
+            </a:r>
+            <a:endParaRPr lang="en-US" altLang="ko-KR" dirty="0" smtClean="0"/>
+          </a:p>
+        </p:txBody>
+      </p:sp>
+      <p:sp>
+        <p:nvSpPr>
+          <p:cNvPr id="28" name="TextBox 27"/>
+          <p:cNvSpPr txBox="1"/>
+          <p:nvPr/>
+        </p:nvSpPr>
+        <p:spPr>
+          <a:xfrm>
+            <a:off x="3476172" y="5140816"/>
+            <a:ext cx="1719807" cy="1200329"/>
+          </a:xfrm>
+          <a:prstGeom prst="rect">
+            <a:avLst/>
+          </a:prstGeom>
+          <a:noFill/>
+        </p:spPr>
+        <p:txBody>
+          <a:bodyPr wrap="square" rtlCol="0">
+            <a:spAutoFit/>
+          </a:bodyPr>
+          <a:lstStyle/>
+          <a:p>
+            <a:r>
+              <a:rPr lang="en-US" altLang="ko-KR" dirty="0" smtClean="0"/>
+              <a:t>(</a:t>
+            </a:r>
+            <a:r>
+              <a:rPr lang="ko-KR" altLang="en-US" dirty="0" smtClean="0"/>
+              <a:t>가게</a:t>
+            </a:r>
+            <a:r>
+              <a:rPr lang="en-US" altLang="ko-KR" dirty="0" smtClean="0"/>
+              <a:t>)</a:t>
+            </a:r>
+          </a:p>
+          <a:p>
+            <a:r>
+              <a:rPr lang="ko-KR" altLang="en-US" dirty="0" smtClean="0"/>
+              <a:t>상호명</a:t>
+            </a:r>
+            <a:endParaRPr lang="en-US" altLang="ko-KR" dirty="0" smtClean="0"/>
+          </a:p>
+          <a:p>
+            <a:r>
+              <a:rPr lang="ko-KR" altLang="en-US" dirty="0" err="1" smtClean="0"/>
+              <a:t>사업자번호</a:t>
+            </a:r>
+            <a:endParaRPr lang="en-US" altLang="ko-KR" dirty="0" smtClean="0"/>
+          </a:p>
+          <a:p>
+            <a:r>
+              <a:rPr lang="ko-KR" altLang="en-US" dirty="0" err="1" smtClean="0"/>
+              <a:t>가게주소</a:t>
+            </a:r>
+            <a:endParaRPr lang="en-US" altLang="ko-KR" dirty="0" smtClean="0"/>
+          </a:p>
+        </p:txBody>
+      </p:sp>
+      <p:sp>
+        <p:nvSpPr>
+          <p:cNvPr id="29" name="직사각형 28"/>
+          <p:cNvSpPr/>
+          <p:nvPr/>
+        </p:nvSpPr>
+        <p:spPr>
+          <a:xfrm>
+            <a:off x="1237343" y="3828160"/>
+            <a:ext cx="1193936" cy="435111"/>
+          </a:xfrm>
+          <a:prstGeom prst="rect">
+            <a:avLst/>
+          </a:prstGeom>
+        </p:spPr>
+        <p:style>
+          <a:lnRef idx="2">
+            <a:schemeClr val="accent1">
+              <a:shade val="50000"/>
+            </a:schemeClr>
+          </a:lnRef>
+          <a:fillRef idx="1">
+            <a:schemeClr val="accent1"/>
+          </a:fillRef>
+          <a:effectRef idx="0">
+            <a:schemeClr val="accent1"/>
+          </a:effectRef>
+          <a:fontRef idx="minor">
+            <a:schemeClr val="lt1"/>
+          </a:fontRef>
+        </p:style>
+        <p:txBody>
+          <a:bodyPr rtlCol="0" anchor="ctr"/>
+          <a:lstStyle/>
+          <a:p>
+            <a:pPr algn="ctr"/>
+            <a:endParaRPr lang="en-US" altLang="ko-KR" dirty="0" smtClean="0"/>
+          </a:p>
+          <a:p>
+            <a:pPr algn="ctr"/>
+            <a:r>
+              <a:rPr lang="ko-KR" altLang="en-US" dirty="0" err="1" smtClean="0"/>
+              <a:t>사진변경</a:t>
+            </a:r>
+            <a:endParaRPr lang="en-US" altLang="ko-KR" dirty="0" smtClean="0"/>
+          </a:p>
+          <a:p>
+            <a:pPr algn="ctr"/>
+            <a:endParaRPr lang="ko-KR" altLang="en-US" dirty="0"/>
+          </a:p>
+        </p:txBody>
+      </p:sp>
+      <p:sp>
+        <p:nvSpPr>
+          <p:cNvPr id="31" name="직사각형 30"/>
+          <p:cNvSpPr/>
+          <p:nvPr/>
+        </p:nvSpPr>
+        <p:spPr>
+          <a:xfrm>
+            <a:off x="2558143" y="3804479"/>
+            <a:ext cx="870857" cy="435111"/>
+          </a:xfrm>
+          <a:prstGeom prst="rect">
+            <a:avLst/>
+          </a:prstGeom>
+        </p:spPr>
+        <p:style>
+          <a:lnRef idx="2">
+            <a:schemeClr val="accent1">
+              <a:shade val="50000"/>
+            </a:schemeClr>
+          </a:lnRef>
+          <a:fillRef idx="1">
+            <a:schemeClr val="accent1"/>
+          </a:fillRef>
+          <a:effectRef idx="0">
+            <a:schemeClr val="accent1"/>
+          </a:effectRef>
+          <a:fontRef idx="minor">
+            <a:schemeClr val="lt1"/>
+          </a:fontRef>
+        </p:style>
+        <p:txBody>
+          <a:bodyPr rtlCol="0" anchor="ctr"/>
+          <a:lstStyle/>
+          <a:p>
+            <a:pPr algn="ctr"/>
+            <a:r>
+              <a:rPr lang="ko-KR" altLang="en-US" dirty="0" smtClean="0"/>
+              <a:t>삭제</a:t>
+            </a:r>
+            <a:endParaRPr lang="ko-KR" altLang="en-US" dirty="0"/>
+          </a:p>
+        </p:txBody>
+      </p:sp>
+      <p:pic>
+        <p:nvPicPr>
+          <p:cNvPr id="20" name="그림 19"/>
+          <p:cNvPicPr>
+            <a:picLocks noChangeAspect="1"/>
+          </p:cNvPicPr>
+          <p:nvPr/>
+        </p:nvPicPr>
+        <p:blipFill>
+          <a:blip r:embed="rId2"/>
+          <a:stretch>
+            <a:fillRect/>
+          </a:stretch>
+        </p:blipFill>
+        <p:spPr>
+          <a:xfrm>
+            <a:off x="4660255" y="757421"/>
+            <a:ext cx="2009775" cy="695325"/>
+          </a:xfrm>
+          <a:prstGeom prst="rect">
+            <a:avLst/>
+          </a:prstGeom>
+        </p:spPr>
+      </p:pic>
+      <p:pic>
+        <p:nvPicPr>
+          <p:cNvPr id="22" name="그림 21"/>
+          <p:cNvPicPr>
+            <a:picLocks noChangeAspect="1"/>
+          </p:cNvPicPr>
+          <p:nvPr/>
+        </p:nvPicPr>
+        <p:blipFill>
+          <a:blip r:embed="rId3"/>
+          <a:stretch>
+            <a:fillRect/>
+          </a:stretch>
+        </p:blipFill>
+        <p:spPr>
+          <a:xfrm>
+            <a:off x="210404" y="386217"/>
+            <a:ext cx="2589586" cy="742348"/>
+          </a:xfrm>
+          <a:prstGeom prst="rect">
+            <a:avLst/>
+          </a:prstGeom>
+        </p:spPr>
+      </p:pic>
+    </p:spTree>
+    <p:extLst>
+      <p:ext uri="{BB962C8B-B14F-4D97-AF65-F5344CB8AC3E}">
+        <p14:creationId xmlns:p14="http://schemas.microsoft.com/office/powerpoint/2010/main" val="477282505"/>
+      </p:ext>
+    </p:extLst>
+  </p:cSld>
+  <p:clrMapOvr>
+    <a:masterClrMapping/>
+  </p:clrMapOvr>
+  <p:timing>
+    <p:tnLst>
+      <p:par>
+        <p:cTn id="1" dur="indefinite" restart="never" nodeType="tmRoot"/>
+      </p:par>
+    </p:tnLst>
+  </p:timing>
+</p:sld>
+</file>
+
+<file path=ppt/slides/slide13.xml><?xml version="1.0" encoding="utf-8"?>
+<p:sld xmlns:a="http://schemas.openxmlformats.org/drawingml/2006/main" xmlns:r="http://schemas.openxmlformats.org/officeDocument/2006/relationships" xmlns:p="http://schemas.openxmlformats.org/presentationml/2006/main">
+  <p:cSld>
+    <p:spTree>
+      <p:nvGrpSpPr>
+        <p:cNvPr id="1" name=""/>
+        <p:cNvGrpSpPr/>
+        <p:nvPr/>
+      </p:nvGrpSpPr>
+      <p:grpSpPr>
+        <a:xfrm>
+          <a:off x="0" y="0"/>
+          <a:ext cx="0" cy="0"/>
+          <a:chOff x="0" y="0"/>
+          <a:chExt cx="0" cy="0"/>
+        </a:xfrm>
+      </p:grpSpPr>
+      <p:sp>
+        <p:nvSpPr>
           <p:cNvPr id="4" name="직사각형 3"/>
           <p:cNvSpPr/>
           <p:nvPr/>
@@ -4839,7 +5639,7 @@
                     <a:lstStyle/>
                     <a:p>
                       <a:pPr algn="ctr" latinLnBrk="1"/>
-                      <a:endParaRPr lang="ko-KR" altLang="en-US" b="0">
+                      <a:endParaRPr lang="ko-KR" altLang="en-US" b="0" dirty="0">
                         <a:solidFill>
                           <a:sysClr val="windowText" lastClr="000000"/>
                         </a:solidFill>
@@ -4964,7 +5764,7 @@
                     <a:lstStyle/>
                     <a:p>
                       <a:pPr algn="ctr" latinLnBrk="1"/>
-                      <a:endParaRPr lang="ko-KR" altLang="en-US" b="0">
+                      <a:endParaRPr lang="ko-KR" altLang="en-US" b="0" dirty="0">
                         <a:solidFill>
                           <a:sysClr val="windowText" lastClr="000000"/>
                         </a:solidFill>
@@ -5677,7 +6477,7 @@
 </p:sld>
 </file>
 
-<file path=ppt/slides/slide13.xml><?xml version="1.0" encoding="utf-8"?>
+<file path=ppt/slides/slide14.xml><?xml version="1.0" encoding="utf-8"?>
 <p:sld xmlns:a="http://schemas.openxmlformats.org/drawingml/2006/main" xmlns:r="http://schemas.openxmlformats.org/officeDocument/2006/relationships" xmlns:p="http://schemas.openxmlformats.org/presentationml/2006/main">
   <p:cSld>
     <p:spTree>
@@ -6557,530 +7357,6 @@
 </p:sld>
 </file>
 
-<file path=ppt/slides/slide14.xml><?xml version="1.0" encoding="utf-8"?>
-<p:sld xmlns:a="http://schemas.openxmlformats.org/drawingml/2006/main" xmlns:r="http://schemas.openxmlformats.org/officeDocument/2006/relationships" xmlns:p="http://schemas.openxmlformats.org/presentationml/2006/main">
-  <p:cSld>
-    <p:spTree>
-      <p:nvGrpSpPr>
-        <p:cNvPr id="1" name=""/>
-        <p:cNvGrpSpPr/>
-        <p:nvPr/>
-      </p:nvGrpSpPr>
-      <p:grpSpPr>
-        <a:xfrm>
-          <a:off x="0" y="0"/>
-          <a:ext cx="0" cy="0"/>
-          <a:chOff x="0" y="0"/>
-          <a:chExt cx="0" cy="0"/>
-        </a:xfrm>
-      </p:grpSpPr>
-      <p:sp>
-        <p:nvSpPr>
-          <p:cNvPr id="5" name="직사각형 4"/>
-          <p:cNvSpPr/>
-          <p:nvPr/>
-        </p:nvSpPr>
-        <p:spPr>
-          <a:xfrm>
-            <a:off x="0" y="11191609"/>
-            <a:ext cx="6858000" cy="1000391"/>
-          </a:xfrm>
-          <a:prstGeom prst="rect">
-            <a:avLst/>
-          </a:prstGeom>
-          <a:solidFill>
-            <a:schemeClr val="tx1"/>
-          </a:solidFill>
-          <a:ln>
-            <a:noFill/>
-          </a:ln>
-        </p:spPr>
-        <p:style>
-          <a:lnRef idx="2">
-            <a:schemeClr val="accent1">
-              <a:shade val="50000"/>
-            </a:schemeClr>
-          </a:lnRef>
-          <a:fillRef idx="1">
-            <a:schemeClr val="accent1"/>
-          </a:fillRef>
-          <a:effectRef idx="0">
-            <a:schemeClr val="accent1"/>
-          </a:effectRef>
-          <a:fontRef idx="minor">
-            <a:schemeClr val="lt1"/>
-          </a:fontRef>
-        </p:style>
-        <p:txBody>
-          <a:bodyPr rot="0" spcFirstLastPara="0" vertOverflow="overflow" horzOverflow="overflow" vert="horz" wrap="square" lIns="91440" tIns="45720" rIns="91440" bIns="45720" numCol="1" spcCol="0" rtlCol="0" fromWordArt="0" anchor="ctr" anchorCtr="0" forceAA="0" compatLnSpc="1">
-            <a:prstTxWarp prst="textNoShape">
-              <a:avLst/>
-            </a:prstTxWarp>
-            <a:noAutofit/>
-          </a:bodyPr>
-          <a:lstStyle/>
-          <a:p>
-            <a:pPr algn="ctr"/>
-            <a:r>
-              <a:rPr lang="en-US" altLang="ko-KR" dirty="0"/>
-              <a:t>footer</a:t>
-            </a:r>
-            <a:endParaRPr lang="ko-KR" altLang="en-US" dirty="0"/>
-          </a:p>
-        </p:txBody>
-      </p:sp>
-      <p:sp>
-        <p:nvSpPr>
-          <p:cNvPr id="6" name="직사각형 5"/>
-          <p:cNvSpPr/>
-          <p:nvPr/>
-        </p:nvSpPr>
-        <p:spPr>
-          <a:xfrm>
-            <a:off x="0" y="1498605"/>
-            <a:ext cx="6858000" cy="481262"/>
-          </a:xfrm>
-          <a:prstGeom prst="rect">
-            <a:avLst/>
-          </a:prstGeom>
-          <a:solidFill>
-            <a:schemeClr val="tx1"/>
-          </a:solidFill>
-          <a:ln>
-            <a:noFill/>
-          </a:ln>
-        </p:spPr>
-        <p:style>
-          <a:lnRef idx="2">
-            <a:schemeClr val="accent1">
-              <a:shade val="50000"/>
-            </a:schemeClr>
-          </a:lnRef>
-          <a:fillRef idx="1">
-            <a:schemeClr val="accent1"/>
-          </a:fillRef>
-          <a:effectRef idx="0">
-            <a:schemeClr val="accent1"/>
-          </a:effectRef>
-          <a:fontRef idx="minor">
-            <a:schemeClr val="lt1"/>
-          </a:fontRef>
-        </p:style>
-        <p:txBody>
-          <a:bodyPr rot="0" spcFirstLastPara="0" vertOverflow="overflow" horzOverflow="overflow" vert="horz" wrap="square" lIns="91440" tIns="45720" rIns="91440" bIns="45720" numCol="1" spcCol="0" rtlCol="0" fromWordArt="0" anchor="ctr" anchorCtr="0" forceAA="0" compatLnSpc="1">
-            <a:prstTxWarp prst="textNoShape">
-              <a:avLst/>
-            </a:prstTxWarp>
-            <a:noAutofit/>
-          </a:bodyPr>
-          <a:lstStyle/>
-          <a:p>
-            <a:pPr algn="ctr"/>
-            <a:endParaRPr lang="ko-KR" altLang="en-US" sz="1500" dirty="0"/>
-          </a:p>
-        </p:txBody>
-      </p:sp>
-      <p:sp>
-        <p:nvSpPr>
-          <p:cNvPr id="7" name="TextBox 6"/>
-          <p:cNvSpPr txBox="1"/>
-          <p:nvPr/>
-        </p:nvSpPr>
-        <p:spPr>
-          <a:xfrm>
-            <a:off x="1930400" y="4049486"/>
-            <a:ext cx="2351314" cy="369332"/>
-          </a:xfrm>
-          <a:prstGeom prst="rect">
-            <a:avLst/>
-          </a:prstGeom>
-          <a:noFill/>
-        </p:spPr>
-        <p:txBody>
-          <a:bodyPr wrap="square" rtlCol="0">
-            <a:spAutoFit/>
-          </a:bodyPr>
-          <a:lstStyle/>
-          <a:p>
-            <a:r>
-              <a:rPr lang="ko-KR" altLang="en-US" dirty="0" smtClean="0"/>
-              <a:t>아이디</a:t>
-            </a:r>
-            <a:endParaRPr lang="ko-KR" altLang="en-US" dirty="0"/>
-          </a:p>
-        </p:txBody>
-      </p:sp>
-      <p:sp>
-        <p:nvSpPr>
-          <p:cNvPr id="8" name="TextBox 7"/>
-          <p:cNvSpPr txBox="1"/>
-          <p:nvPr/>
-        </p:nvSpPr>
-        <p:spPr>
-          <a:xfrm>
-            <a:off x="1915886" y="4866302"/>
-            <a:ext cx="2351314" cy="369332"/>
-          </a:xfrm>
-          <a:prstGeom prst="rect">
-            <a:avLst/>
-          </a:prstGeom>
-          <a:noFill/>
-        </p:spPr>
-        <p:txBody>
-          <a:bodyPr wrap="square" rtlCol="0">
-            <a:spAutoFit/>
-          </a:bodyPr>
-          <a:lstStyle/>
-          <a:p>
-            <a:r>
-              <a:rPr lang="ko-KR" altLang="en-US" dirty="0" smtClean="0"/>
-              <a:t>비밀번호</a:t>
-            </a:r>
-            <a:endParaRPr lang="en-US" altLang="ko-KR" dirty="0" smtClean="0"/>
-          </a:p>
-        </p:txBody>
-      </p:sp>
-      <p:sp>
-        <p:nvSpPr>
-          <p:cNvPr id="10" name="직사각형 9"/>
-          <p:cNvSpPr/>
-          <p:nvPr/>
-        </p:nvSpPr>
-        <p:spPr>
-          <a:xfrm>
-            <a:off x="2144485" y="5681320"/>
-            <a:ext cx="2569029" cy="602945"/>
-          </a:xfrm>
-          <a:prstGeom prst="rect">
-            <a:avLst/>
-          </a:prstGeom>
-        </p:spPr>
-        <p:style>
-          <a:lnRef idx="2">
-            <a:schemeClr val="accent1">
-              <a:shade val="50000"/>
-            </a:schemeClr>
-          </a:lnRef>
-          <a:fillRef idx="1">
-            <a:schemeClr val="accent1"/>
-          </a:fillRef>
-          <a:effectRef idx="0">
-            <a:schemeClr val="accent1"/>
-          </a:effectRef>
-          <a:fontRef idx="minor">
-            <a:schemeClr val="lt1"/>
-          </a:fontRef>
-        </p:style>
-        <p:txBody>
-          <a:bodyPr rtlCol="0" anchor="ctr"/>
-          <a:lstStyle/>
-          <a:p>
-            <a:pPr algn="ctr"/>
-            <a:r>
-              <a:rPr lang="ko-KR" altLang="en-US" dirty="0" smtClean="0"/>
-              <a:t>로그인</a:t>
-            </a:r>
-            <a:endParaRPr lang="ko-KR" altLang="en-US" dirty="0"/>
-          </a:p>
-        </p:txBody>
-      </p:sp>
-      <p:sp>
-        <p:nvSpPr>
-          <p:cNvPr id="12" name="TextBox 11"/>
-          <p:cNvSpPr txBox="1"/>
-          <p:nvPr/>
-        </p:nvSpPr>
-        <p:spPr>
-          <a:xfrm>
-            <a:off x="1117601" y="6935921"/>
-            <a:ext cx="5007428" cy="369332"/>
-          </a:xfrm>
-          <a:prstGeom prst="rect">
-            <a:avLst/>
-          </a:prstGeom>
-          <a:noFill/>
-        </p:spPr>
-        <p:txBody>
-          <a:bodyPr wrap="square" rtlCol="0">
-            <a:spAutoFit/>
-          </a:bodyPr>
-          <a:lstStyle/>
-          <a:p>
-            <a:r>
-              <a:rPr lang="ko-KR" altLang="en-US" dirty="0" err="1" smtClean="0"/>
-              <a:t>아이디찾기</a:t>
-            </a:r>
-            <a:r>
-              <a:rPr lang="ko-KR" altLang="en-US" dirty="0" smtClean="0"/>
-              <a:t>  </a:t>
-            </a:r>
-            <a:r>
-              <a:rPr lang="en-US" altLang="ko-KR" dirty="0" smtClean="0"/>
-              <a:t>| </a:t>
-            </a:r>
-            <a:r>
-              <a:rPr lang="ko-KR" altLang="en-US" dirty="0" smtClean="0"/>
-              <a:t>비밀번호찾기 </a:t>
-            </a:r>
-            <a:r>
-              <a:rPr lang="en-US" altLang="ko-KR" dirty="0" smtClean="0"/>
-              <a:t>| </a:t>
-            </a:r>
-            <a:r>
-              <a:rPr lang="ko-KR" altLang="en-US" dirty="0" smtClean="0"/>
-              <a:t>회원가입</a:t>
-            </a:r>
-            <a:endParaRPr lang="en-US" altLang="ko-KR" dirty="0" smtClean="0"/>
-          </a:p>
-        </p:txBody>
-      </p:sp>
-      <p:cxnSp>
-        <p:nvCxnSpPr>
-          <p:cNvPr id="13" name="직선 화살표 연결선 12"/>
-          <p:cNvCxnSpPr/>
-          <p:nvPr/>
-        </p:nvCxnSpPr>
-        <p:spPr>
-          <a:xfrm flipH="1">
-            <a:off x="-333829" y="4648461"/>
-            <a:ext cx="2249715" cy="130752"/>
-          </a:xfrm>
-          <a:prstGeom prst="straightConnector1">
-            <a:avLst/>
-          </a:prstGeom>
-          <a:ln>
-            <a:tailEnd type="triangle"/>
-          </a:ln>
-        </p:spPr>
-        <p:style>
-          <a:lnRef idx="1">
-            <a:schemeClr val="accent1"/>
-          </a:lnRef>
-          <a:fillRef idx="0">
-            <a:schemeClr val="accent1"/>
-          </a:fillRef>
-          <a:effectRef idx="0">
-            <a:schemeClr val="accent1"/>
-          </a:effectRef>
-          <a:fontRef idx="minor">
-            <a:schemeClr val="tx1"/>
-          </a:fontRef>
-        </p:style>
-      </p:cxnSp>
-      <p:sp>
-        <p:nvSpPr>
-          <p:cNvPr id="15" name="TextBox 14"/>
-          <p:cNvSpPr txBox="1"/>
-          <p:nvPr/>
-        </p:nvSpPr>
-        <p:spPr>
-          <a:xfrm>
-            <a:off x="-2169885" y="4594547"/>
-            <a:ext cx="2169885" cy="369332"/>
-          </a:xfrm>
-          <a:prstGeom prst="rect">
-            <a:avLst/>
-          </a:prstGeom>
-          <a:noFill/>
-        </p:spPr>
-        <p:txBody>
-          <a:bodyPr wrap="square" rtlCol="0">
-            <a:spAutoFit/>
-          </a:bodyPr>
-          <a:lstStyle/>
-          <a:p>
-            <a:r>
-              <a:rPr lang="en-US" altLang="ko-KR" dirty="0" smtClean="0"/>
-              <a:t>Place holder </a:t>
-            </a:r>
-            <a:r>
-              <a:rPr lang="ko-KR" altLang="en-US" dirty="0" smtClean="0"/>
-              <a:t>처리</a:t>
-            </a:r>
-            <a:endParaRPr lang="ko-KR" altLang="en-US" dirty="0"/>
-          </a:p>
-        </p:txBody>
-      </p:sp>
-      <p:cxnSp>
-        <p:nvCxnSpPr>
-          <p:cNvPr id="16" name="직선 화살표 연결선 15"/>
-          <p:cNvCxnSpPr/>
-          <p:nvPr/>
-        </p:nvCxnSpPr>
-        <p:spPr>
-          <a:xfrm flipH="1">
-            <a:off x="-943429" y="7108014"/>
-            <a:ext cx="2068287" cy="12573"/>
-          </a:xfrm>
-          <a:prstGeom prst="straightConnector1">
-            <a:avLst/>
-          </a:prstGeom>
-          <a:ln>
-            <a:tailEnd type="triangle"/>
-          </a:ln>
-        </p:spPr>
-        <p:style>
-          <a:lnRef idx="1">
-            <a:schemeClr val="accent1"/>
-          </a:lnRef>
-          <a:fillRef idx="0">
-            <a:schemeClr val="accent1"/>
-          </a:fillRef>
-          <a:effectRef idx="0">
-            <a:schemeClr val="accent1"/>
-          </a:effectRef>
-          <a:fontRef idx="minor">
-            <a:schemeClr val="tx1"/>
-          </a:fontRef>
-        </p:style>
-      </p:cxnSp>
-      <p:sp>
-        <p:nvSpPr>
-          <p:cNvPr id="19" name="TextBox 18"/>
-          <p:cNvSpPr txBox="1"/>
-          <p:nvPr/>
-        </p:nvSpPr>
-        <p:spPr>
-          <a:xfrm>
-            <a:off x="-1774371" y="6923348"/>
-            <a:ext cx="990600" cy="369332"/>
-          </a:xfrm>
-          <a:prstGeom prst="rect">
-            <a:avLst/>
-          </a:prstGeom>
-          <a:noFill/>
-        </p:spPr>
-        <p:txBody>
-          <a:bodyPr wrap="square" rtlCol="0">
-            <a:spAutoFit/>
-          </a:bodyPr>
-          <a:lstStyle/>
-          <a:p>
-            <a:r>
-              <a:rPr lang="ko-KR" altLang="en-US" dirty="0" err="1" smtClean="0"/>
-              <a:t>새창</a:t>
-            </a:r>
-            <a:endParaRPr lang="en-US" altLang="ko-KR" dirty="0" smtClean="0"/>
-          </a:p>
-        </p:txBody>
-      </p:sp>
-      <p:sp>
-        <p:nvSpPr>
-          <p:cNvPr id="21" name="TextBox 20"/>
-          <p:cNvSpPr txBox="1"/>
-          <p:nvPr/>
-        </p:nvSpPr>
-        <p:spPr>
-          <a:xfrm>
-            <a:off x="-3468914" y="1799771"/>
-            <a:ext cx="2902857" cy="646331"/>
-          </a:xfrm>
-          <a:prstGeom prst="rect">
-            <a:avLst/>
-          </a:prstGeom>
-          <a:noFill/>
-        </p:spPr>
-        <p:txBody>
-          <a:bodyPr wrap="square" rtlCol="0">
-            <a:spAutoFit/>
-          </a:bodyPr>
-          <a:lstStyle/>
-          <a:p>
-            <a:r>
-              <a:rPr lang="ko-KR" altLang="en-US" dirty="0" smtClean="0"/>
-              <a:t>아이디 비번 </a:t>
-            </a:r>
-            <a:r>
-              <a:rPr lang="ko-KR" altLang="en-US" dirty="0" err="1" smtClean="0"/>
-              <a:t>미입력시</a:t>
-            </a:r>
-            <a:r>
-              <a:rPr lang="ko-KR" altLang="en-US" dirty="0" smtClean="0"/>
-              <a:t> </a:t>
-            </a:r>
-            <a:endParaRPr lang="en-US" altLang="ko-KR" dirty="0" smtClean="0"/>
-          </a:p>
-          <a:p>
-            <a:r>
-              <a:rPr lang="en-US" altLang="ko-KR" dirty="0" smtClean="0"/>
-              <a:t>span</a:t>
-            </a:r>
-            <a:r>
-              <a:rPr lang="ko-KR" altLang="en-US" dirty="0" smtClean="0"/>
-              <a:t>을 활용해서 오류 처리</a:t>
-            </a:r>
-            <a:endParaRPr lang="ko-KR" altLang="en-US" dirty="0"/>
-          </a:p>
-        </p:txBody>
-      </p:sp>
-      <p:pic>
-        <p:nvPicPr>
-          <p:cNvPr id="14" name="그림 13"/>
-          <p:cNvPicPr>
-            <a:picLocks noChangeAspect="1"/>
-          </p:cNvPicPr>
-          <p:nvPr/>
-        </p:nvPicPr>
-        <p:blipFill>
-          <a:blip r:embed="rId2"/>
-          <a:stretch>
-            <a:fillRect/>
-          </a:stretch>
-        </p:blipFill>
-        <p:spPr>
-          <a:xfrm>
-            <a:off x="4660255" y="757421"/>
-            <a:ext cx="2009775" cy="695325"/>
-          </a:xfrm>
-          <a:prstGeom prst="rect">
-            <a:avLst/>
-          </a:prstGeom>
-        </p:spPr>
-      </p:pic>
-      <p:pic>
-        <p:nvPicPr>
-          <p:cNvPr id="17" name="그림 16"/>
-          <p:cNvPicPr>
-            <a:picLocks noChangeAspect="1"/>
-          </p:cNvPicPr>
-          <p:nvPr/>
-        </p:nvPicPr>
-        <p:blipFill>
-          <a:blip r:embed="rId3"/>
-          <a:stretch>
-            <a:fillRect/>
-          </a:stretch>
-        </p:blipFill>
-        <p:spPr>
-          <a:xfrm>
-            <a:off x="210404" y="386217"/>
-            <a:ext cx="2589586" cy="742348"/>
-          </a:xfrm>
-          <a:prstGeom prst="rect">
-            <a:avLst/>
-          </a:prstGeom>
-        </p:spPr>
-      </p:pic>
-    </p:spTree>
-    <p:extLst>
-      <p:ext uri="{BB962C8B-B14F-4D97-AF65-F5344CB8AC3E}">
-        <p14:creationId xmlns:p14="http://schemas.microsoft.com/office/powerpoint/2010/main" val="235679311"/>
-      </p:ext>
-    </p:extLst>
-  </p:cSld>
-  <p:clrMapOvr>
-    <a:masterClrMapping/>
-  </p:clrMapOvr>
-  <p:timing>
-    <p:tnLst>
-      <p:par>
-        <p:cTn id="1" dur="indefinite" restart="never" nodeType="tmRoot"/>
-      </p:par>
-    </p:tnLst>
-  </p:timing>
-</p:sld>
-</file>
-
 <file path=ppt/slides/slide15.xml><?xml version="1.0" encoding="utf-8"?>
 <p:sld xmlns:a="http://schemas.openxmlformats.org/drawingml/2006/main" xmlns:r="http://schemas.openxmlformats.org/officeDocument/2006/relationships" xmlns:p="http://schemas.openxmlformats.org/presentationml/2006/main">
   <p:cSld>
@@ -7144,54 +7420,12 @@
           </a:bodyPr>
           <a:lstStyle/>
           <a:p>
-            <a:pPr marL="0" marR="0" lvl="0" indent="0" algn="ctr" defTabSz="914400" rtl="0" eaLnBrk="1" fontAlgn="auto" latinLnBrk="1" hangingPunct="1">
-              <a:lnSpc>
-                <a:spcPct val="100000"/>
-              </a:lnSpc>
-              <a:spcBef>
-                <a:spcPts val="0"/>
-              </a:spcBef>
-              <a:spcAft>
-                <a:spcPts val="0"/>
-              </a:spcAft>
-              <a:buClrTx/>
-              <a:buSzTx/>
-              <a:buFontTx/>
-              <a:buNone/>
-              <a:tabLst/>
-              <a:defRPr/>
-            </a:pPr>
-            <a:r>
-              <a:rPr kumimoji="0" lang="en-US" altLang="ko-KR" sz="1800" b="0" i="0" u="none" strike="noStrike" kern="1200" cap="none" spc="0" normalizeH="0" baseline="0" noProof="0" dirty="0">
-                <a:ln>
-                  <a:noFill/>
-                </a:ln>
-                <a:solidFill>
-                  <a:prstClr val="white"/>
-                </a:solidFill>
-                <a:effectLst/>
-                <a:uLnTx/>
-                <a:uFillTx/>
-                <a:latin typeface="Calibri" panose="020F0502020204030204"/>
-                <a:ea typeface="맑은 고딕" panose="020B0503020000020004" pitchFamily="50" charset="-127"/>
-                <a:cs typeface="+mn-cs"/>
-              </a:rPr>
+            <a:pPr algn="ctr"/>
+            <a:r>
+              <a:rPr lang="en-US" altLang="ko-KR" dirty="0"/>
               <a:t>footer</a:t>
             </a:r>
-            <a:endParaRPr kumimoji="0" lang="ko-KR" altLang="en-US" sz="1800" b="0" i="0" u="none" strike="noStrike" kern="1200" cap="none" spc="0" normalizeH="0" baseline="0" noProof="0" dirty="0">
-              <a:ln>
-                <a:noFill/>
-              </a:ln>
-              <a:solidFill>
-                <a:prstClr val="white"/>
-              </a:solidFill>
-              <a:effectLst/>
-              <a:uLnTx/>
-              <a:uFillTx/>
-              <a:latin typeface="Calibri" panose="020F0502020204030204"/>
-              <a:ea typeface="맑은 고딕" panose="020B0503020000020004" pitchFamily="50" charset="-127"/>
-              <a:cs typeface="+mn-cs"/>
-            </a:endParaRPr>
+            <a:endParaRPr lang="ko-KR" altLang="en-US" dirty="0"/>
           </a:p>
         </p:txBody>
       </p:sp>
@@ -7241,37 +7475,8 @@
           </a:bodyPr>
           <a:lstStyle/>
           <a:p>
-            <a:pPr marL="0" marR="0" lvl="0" indent="0" algn="ctr" defTabSz="914400" rtl="0" eaLnBrk="1" fontAlgn="auto" latinLnBrk="1" hangingPunct="1">
-              <a:lnSpc>
-                <a:spcPct val="100000"/>
-              </a:lnSpc>
-              <a:spcBef>
-                <a:spcPts val="0"/>
-              </a:spcBef>
-              <a:spcAft>
-                <a:spcPts val="0"/>
-              </a:spcAft>
-              <a:buClrTx/>
-              <a:buSzTx/>
-              <a:buFontTx/>
-              <a:buNone/>
-              <a:tabLst/>
-              <a:defRPr/>
-            </a:pPr>
-            <a:endParaRPr kumimoji="0" lang="ko-KR" altLang="en-US" sz="1500" b="0" i="0" u="none" strike="noStrike" kern="1200" cap="none" spc="0" normalizeH="0" baseline="0" noProof="0" dirty="0">
-              <a:ln>
-                <a:noFill/>
-              </a:ln>
-              <a:solidFill>
-                <a:prstClr val="white"/>
-              </a:solidFill>
-              <a:effectLst/>
-              <a:uLnTx/>
-              <a:uFillTx/>
-              <a:latin typeface="Calibri" panose="020F0502020204030204"/>
-              <a:ea typeface="맑은 고딕" panose="020B0503020000020004" pitchFamily="50" charset="-127"/>
-              <a:cs typeface="+mn-cs"/>
-            </a:endParaRPr>
+            <a:pPr algn="ctr"/>
+            <a:endParaRPr lang="ko-KR" altLang="en-US" sz="1500" dirty="0"/>
           </a:p>
         </p:txBody>
       </p:sp>
@@ -7283,7 +7488,7 @@
         </p:nvSpPr>
         <p:spPr>
           <a:xfrm>
-            <a:off x="740229" y="2748329"/>
+            <a:off x="1930400" y="4049486"/>
             <a:ext cx="2351314" cy="369332"/>
           </a:xfrm>
           <a:prstGeom prst="rect">
@@ -7297,40 +7502,11 @@
           </a:bodyPr>
           <a:lstStyle/>
           <a:p>
-            <a:pPr marL="0" marR="0" lvl="0" indent="0" algn="l" defTabSz="914400" rtl="0" eaLnBrk="1" fontAlgn="auto" latinLnBrk="1" hangingPunct="1">
-              <a:lnSpc>
-                <a:spcPct val="100000"/>
-              </a:lnSpc>
-              <a:spcBef>
-                <a:spcPts val="0"/>
-              </a:spcBef>
-              <a:spcAft>
-                <a:spcPts val="0"/>
-              </a:spcAft>
-              <a:buClrTx/>
-              <a:buSzTx/>
-              <a:buFontTx/>
-              <a:buNone/>
-              <a:tabLst/>
-              <a:defRPr/>
-            </a:pPr>
-            <a:r>
-              <a:rPr kumimoji="0" lang="ko-KR" altLang="en-US" sz="1800" b="0" i="0" u="none" strike="noStrike" kern="1200" cap="none" spc="0" normalizeH="0" baseline="0" noProof="0" dirty="0" smtClean="0">
-                <a:ln>
-                  <a:noFill/>
-                </a:ln>
-                <a:solidFill>
-                  <a:prstClr val="black"/>
-                </a:solidFill>
-                <a:effectLst/>
-                <a:uLnTx/>
-                <a:uFillTx/>
-                <a:latin typeface="Calibri" panose="020F0502020204030204"/>
-                <a:ea typeface="맑은 고딕" panose="020B0503020000020004" pitchFamily="50" charset="-127"/>
-                <a:cs typeface="+mn-cs"/>
-              </a:rPr>
+            <a:r>
+              <a:rPr lang="ko-KR" altLang="en-US" dirty="0" smtClean="0"/>
               <a:t>아이디</a:t>
             </a:r>
+            <a:endParaRPr lang="ko-KR" altLang="en-US" dirty="0"/>
           </a:p>
         </p:txBody>
       </p:sp>
@@ -7342,7 +7518,7 @@
         </p:nvSpPr>
         <p:spPr>
           <a:xfrm>
-            <a:off x="740229" y="3671250"/>
+            <a:off x="1915886" y="4866302"/>
             <a:ext cx="2351314" cy="369332"/>
           </a:xfrm>
           <a:prstGeom prst="rect">
@@ -7356,54 +7532,11 @@
           </a:bodyPr>
           <a:lstStyle/>
           <a:p>
-            <a:pPr marL="0" marR="0" lvl="0" indent="0" algn="l" defTabSz="914400" rtl="0" eaLnBrk="1" fontAlgn="auto" latinLnBrk="1" hangingPunct="1">
-              <a:lnSpc>
-                <a:spcPct val="100000"/>
-              </a:lnSpc>
-              <a:spcBef>
-                <a:spcPts val="0"/>
-              </a:spcBef>
-              <a:spcAft>
-                <a:spcPts val="0"/>
-              </a:spcAft>
-              <a:buClrTx/>
-              <a:buSzTx/>
-              <a:buFontTx/>
-              <a:buNone/>
-              <a:tabLst/>
-              <a:defRPr/>
-            </a:pPr>
-            <a:r>
-              <a:rPr kumimoji="0" lang="ko-KR" altLang="en-US" sz="1800" b="0" i="0" u="none" strike="noStrike" kern="1200" cap="none" spc="0" normalizeH="0" baseline="0" noProof="0" dirty="0" smtClean="0">
-                <a:ln>
-                  <a:noFill/>
-                </a:ln>
-                <a:solidFill>
-                  <a:prstClr val="black"/>
-                </a:solidFill>
-                <a:effectLst/>
-                <a:uLnTx/>
-                <a:uFillTx/>
-                <a:latin typeface="Calibri" panose="020F0502020204030204"/>
-                <a:ea typeface="맑은 고딕" panose="020B0503020000020004" pitchFamily="50" charset="-127"/>
-                <a:cs typeface="+mn-cs"/>
-              </a:rPr>
+            <a:r>
+              <a:rPr lang="ko-KR" altLang="en-US" dirty="0" smtClean="0"/>
               <a:t>비밀번호</a:t>
             </a:r>
-            <a:endParaRPr kumimoji="0" lang="en-US" altLang="ko-KR" sz="1800" b="0" i="0" u="none" strike="noStrike" kern="1200" cap="none" spc="0" normalizeH="0" baseline="0" noProof="0" dirty="0" smtClean="0">
-              <a:ln>
-                <a:noFill/>
-              </a:ln>
-              <a:solidFill>
-                <a:prstClr val="black"/>
-              </a:solidFill>
-              <a:effectLst/>
-              <a:uLnTx/>
-              <a:uFillTx/>
-              <a:latin typeface="Calibri" panose="020F0502020204030204"/>
-              <a:ea typeface="맑은 고딕" panose="020B0503020000020004" pitchFamily="50" charset="-127"/>
-              <a:cs typeface="+mn-cs"/>
-            </a:endParaRPr>
+            <a:endParaRPr lang="en-US" altLang="ko-KR" dirty="0" smtClean="0"/>
           </a:p>
         </p:txBody>
       </p:sp>
@@ -7415,7 +7548,7 @@
         </p:nvSpPr>
         <p:spPr>
           <a:xfrm>
-            <a:off x="2144485" y="9899119"/>
+            <a:off x="2144485" y="5681320"/>
             <a:ext cx="2569029" cy="602945"/>
           </a:xfrm>
           <a:prstGeom prst="rect">
@@ -7442,67 +7575,25 @@
           <a:bodyPr rtlCol="0" anchor="ctr"/>
           <a:lstStyle/>
           <a:p>
-            <a:pPr marL="0" marR="0" lvl="0" indent="0" algn="ctr" defTabSz="914400" rtl="0" eaLnBrk="1" fontAlgn="auto" latinLnBrk="1" hangingPunct="1">
-              <a:lnSpc>
-                <a:spcPct val="100000"/>
-              </a:lnSpc>
-              <a:spcBef>
-                <a:spcPts val="0"/>
-              </a:spcBef>
-              <a:spcAft>
-                <a:spcPts val="0"/>
-              </a:spcAft>
-              <a:buClrTx/>
-              <a:buSzTx/>
-              <a:buFontTx/>
-              <a:buNone/>
-              <a:tabLst/>
-              <a:defRPr/>
-            </a:pPr>
-            <a:r>
-              <a:rPr kumimoji="0" lang="ko-KR" altLang="en-US" sz="1800" b="0" i="0" u="none" strike="noStrike" kern="1200" cap="none" spc="0" normalizeH="0" baseline="0" noProof="0" dirty="0" smtClean="0">
-                <a:ln>
-                  <a:noFill/>
-                </a:ln>
-                <a:solidFill>
-                  <a:prstClr val="white"/>
-                </a:solidFill>
-                <a:effectLst/>
-                <a:uLnTx/>
-                <a:uFillTx/>
-                <a:latin typeface="Calibri" panose="020F0502020204030204"/>
-                <a:ea typeface="맑은 고딕" panose="020B0503020000020004" pitchFamily="50" charset="-127"/>
-                <a:cs typeface="+mn-cs"/>
-              </a:rPr>
-              <a:t>가입하기</a:t>
-            </a:r>
-            <a:endParaRPr kumimoji="0" lang="en-US" altLang="ko-KR" sz="1800" b="0" i="0" u="none" strike="noStrike" kern="1200" cap="none" spc="0" normalizeH="0" baseline="0" noProof="0" dirty="0" smtClean="0">
-              <a:ln>
-                <a:noFill/>
-              </a:ln>
-              <a:solidFill>
-                <a:prstClr val="white"/>
-              </a:solidFill>
-              <a:effectLst/>
-              <a:uLnTx/>
-              <a:uFillTx/>
-              <a:latin typeface="Calibri" panose="020F0502020204030204"/>
-              <a:ea typeface="맑은 고딕" panose="020B0503020000020004" pitchFamily="50" charset="-127"/>
-              <a:cs typeface="+mn-cs"/>
-            </a:endParaRPr>
+            <a:pPr algn="ctr"/>
+            <a:r>
+              <a:rPr lang="ko-KR" altLang="en-US" dirty="0" smtClean="0"/>
+              <a:t>로그인</a:t>
+            </a:r>
+            <a:endParaRPr lang="ko-KR" altLang="en-US" dirty="0"/>
           </a:p>
         </p:txBody>
       </p:sp>
       <p:sp>
         <p:nvSpPr>
-          <p:cNvPr id="14" name="TextBox 13"/>
+          <p:cNvPr id="12" name="TextBox 11"/>
           <p:cNvSpPr txBox="1"/>
           <p:nvPr/>
         </p:nvSpPr>
         <p:spPr>
           <a:xfrm>
-            <a:off x="740229" y="8014403"/>
-            <a:ext cx="2351314" cy="369332"/>
+            <a:off x="1117601" y="6935921"/>
+            <a:ext cx="5007428" cy="369332"/>
           </a:xfrm>
           <a:prstGeom prst="rect">
             <a:avLst/>
@@ -7515,1134 +7606,44 @@
           </a:bodyPr>
           <a:lstStyle/>
           <a:p>
-            <a:pPr marL="0" marR="0" lvl="0" indent="0" algn="l" defTabSz="914400" rtl="0" eaLnBrk="1" fontAlgn="auto" latinLnBrk="1" hangingPunct="1">
-              <a:lnSpc>
-                <a:spcPct val="100000"/>
-              </a:lnSpc>
-              <a:spcBef>
-                <a:spcPts val="0"/>
-              </a:spcBef>
-              <a:spcAft>
-                <a:spcPts val="0"/>
-              </a:spcAft>
-              <a:buClrTx/>
-              <a:buSzTx/>
-              <a:buFontTx/>
-              <a:buNone/>
-              <a:tabLst/>
-              <a:defRPr/>
-            </a:pPr>
-            <a:r>
-              <a:rPr kumimoji="0" lang="ko-KR" altLang="en-US" sz="1800" b="0" i="0" u="none" strike="noStrike" kern="1200" cap="none" spc="0" normalizeH="0" baseline="0" noProof="0" dirty="0" smtClean="0">
-                <a:ln>
-                  <a:noFill/>
-                </a:ln>
-                <a:solidFill>
-                  <a:prstClr val="black"/>
-                </a:solidFill>
-                <a:effectLst/>
-                <a:uLnTx/>
-                <a:uFillTx/>
-                <a:latin typeface="Calibri" panose="020F0502020204030204"/>
-                <a:ea typeface="맑은 고딕" panose="020B0503020000020004" pitchFamily="50" charset="-127"/>
-                <a:cs typeface="+mn-cs"/>
-              </a:rPr>
-              <a:t>이메일</a:t>
-            </a:r>
-            <a:endParaRPr kumimoji="0" lang="en-US" altLang="ko-KR" sz="1800" b="0" i="0" u="none" strike="noStrike" kern="1200" cap="none" spc="0" normalizeH="0" baseline="0" noProof="0" dirty="0" smtClean="0">
-              <a:ln>
-                <a:noFill/>
-              </a:ln>
-              <a:solidFill>
-                <a:prstClr val="black"/>
-              </a:solidFill>
-              <a:effectLst/>
-              <a:uLnTx/>
-              <a:uFillTx/>
-              <a:latin typeface="Calibri" panose="020F0502020204030204"/>
-              <a:ea typeface="맑은 고딕" panose="020B0503020000020004" pitchFamily="50" charset="-127"/>
-              <a:cs typeface="+mn-cs"/>
-            </a:endParaRPr>
-          </a:p>
-        </p:txBody>
-      </p:sp>
-      <p:sp>
-        <p:nvSpPr>
-          <p:cNvPr id="17" name="TextBox 16"/>
-          <p:cNvSpPr txBox="1"/>
-          <p:nvPr/>
-        </p:nvSpPr>
-        <p:spPr>
-          <a:xfrm>
-            <a:off x="740229" y="4690866"/>
-            <a:ext cx="2351314" cy="369332"/>
-          </a:xfrm>
-          <a:prstGeom prst="rect">
-            <a:avLst/>
-          </a:prstGeom>
-          <a:noFill/>
-        </p:spPr>
-        <p:txBody>
-          <a:bodyPr wrap="square" rtlCol="0">
-            <a:spAutoFit/>
-          </a:bodyPr>
-          <a:lstStyle/>
-          <a:p>
-            <a:pPr marL="0" marR="0" lvl="0" indent="0" algn="l" defTabSz="914400" rtl="0" eaLnBrk="1" fontAlgn="auto" latinLnBrk="1" hangingPunct="1">
-              <a:lnSpc>
-                <a:spcPct val="100000"/>
-              </a:lnSpc>
-              <a:spcBef>
-                <a:spcPts val="0"/>
-              </a:spcBef>
-              <a:spcAft>
-                <a:spcPts val="0"/>
-              </a:spcAft>
-              <a:buClrTx/>
-              <a:buSzTx/>
-              <a:buFontTx/>
-              <a:buNone/>
-              <a:tabLst/>
-              <a:defRPr/>
-            </a:pPr>
-            <a:r>
-              <a:rPr kumimoji="0" lang="ko-KR" altLang="en-US" sz="1800" b="0" i="0" u="none" strike="noStrike" kern="1200" cap="none" spc="0" normalizeH="0" baseline="0" noProof="0" dirty="0" smtClean="0">
-                <a:ln>
-                  <a:noFill/>
-                </a:ln>
-                <a:solidFill>
-                  <a:prstClr val="black"/>
-                </a:solidFill>
-                <a:effectLst/>
-                <a:uLnTx/>
-                <a:uFillTx/>
-                <a:latin typeface="Calibri" panose="020F0502020204030204"/>
-                <a:ea typeface="맑은 고딕" panose="020B0503020000020004" pitchFamily="50" charset="-127"/>
-                <a:cs typeface="+mn-cs"/>
-              </a:rPr>
-              <a:t>비밀번호 재확인</a:t>
-            </a:r>
-            <a:endParaRPr kumimoji="0" lang="en-US" altLang="ko-KR" sz="1800" b="0" i="0" u="none" strike="noStrike" kern="1200" cap="none" spc="0" normalizeH="0" baseline="0" noProof="0" dirty="0" smtClean="0">
-              <a:ln>
-                <a:noFill/>
-              </a:ln>
-              <a:solidFill>
-                <a:prstClr val="black"/>
-              </a:solidFill>
-              <a:effectLst/>
-              <a:uLnTx/>
-              <a:uFillTx/>
-              <a:latin typeface="Calibri" panose="020F0502020204030204"/>
-              <a:ea typeface="맑은 고딕" panose="020B0503020000020004" pitchFamily="50" charset="-127"/>
-              <a:cs typeface="+mn-cs"/>
-            </a:endParaRPr>
-          </a:p>
-        </p:txBody>
-      </p:sp>
-      <p:sp>
-        <p:nvSpPr>
-          <p:cNvPr id="18" name="TextBox 17"/>
-          <p:cNvSpPr txBox="1"/>
-          <p:nvPr/>
-        </p:nvSpPr>
-        <p:spPr>
-          <a:xfrm>
-            <a:off x="740229" y="5555966"/>
-            <a:ext cx="2351314" cy="369332"/>
-          </a:xfrm>
-          <a:prstGeom prst="rect">
-            <a:avLst/>
-          </a:prstGeom>
-          <a:noFill/>
-        </p:spPr>
-        <p:txBody>
-          <a:bodyPr wrap="square" rtlCol="0">
-            <a:spAutoFit/>
-          </a:bodyPr>
-          <a:lstStyle/>
-          <a:p>
-            <a:pPr marL="0" marR="0" lvl="0" indent="0" algn="l" defTabSz="914400" rtl="0" eaLnBrk="1" fontAlgn="auto" latinLnBrk="1" hangingPunct="1">
-              <a:lnSpc>
-                <a:spcPct val="100000"/>
-              </a:lnSpc>
-              <a:spcBef>
-                <a:spcPts val="0"/>
-              </a:spcBef>
-              <a:spcAft>
-                <a:spcPts val="0"/>
-              </a:spcAft>
-              <a:buClrTx/>
-              <a:buSzTx/>
-              <a:buFontTx/>
-              <a:buNone/>
-              <a:tabLst/>
-              <a:defRPr/>
-            </a:pPr>
-            <a:r>
-              <a:rPr kumimoji="0" lang="ko-KR" altLang="en-US" sz="1800" b="0" i="0" u="none" strike="noStrike" kern="1200" cap="none" spc="0" normalizeH="0" baseline="0" noProof="0" dirty="0" smtClean="0">
-                <a:ln>
-                  <a:noFill/>
-                </a:ln>
-                <a:solidFill>
-                  <a:prstClr val="black"/>
-                </a:solidFill>
-                <a:effectLst/>
-                <a:uLnTx/>
-                <a:uFillTx/>
-                <a:latin typeface="Calibri" panose="020F0502020204030204"/>
-                <a:ea typeface="맑은 고딕" panose="020B0503020000020004" pitchFamily="50" charset="-127"/>
-                <a:cs typeface="+mn-cs"/>
-              </a:rPr>
-              <a:t>이름</a:t>
-            </a:r>
-            <a:endParaRPr kumimoji="0" lang="en-US" altLang="ko-KR" sz="1800" b="0" i="0" u="none" strike="noStrike" kern="1200" cap="none" spc="0" normalizeH="0" baseline="0" noProof="0" dirty="0" smtClean="0">
-              <a:ln>
-                <a:noFill/>
-              </a:ln>
-              <a:solidFill>
-                <a:prstClr val="black"/>
-              </a:solidFill>
-              <a:effectLst/>
-              <a:uLnTx/>
-              <a:uFillTx/>
-              <a:latin typeface="Calibri" panose="020F0502020204030204"/>
-              <a:ea typeface="맑은 고딕" panose="020B0503020000020004" pitchFamily="50" charset="-127"/>
-              <a:cs typeface="+mn-cs"/>
-            </a:endParaRPr>
-          </a:p>
-        </p:txBody>
-      </p:sp>
-      <p:sp>
-        <p:nvSpPr>
-          <p:cNvPr id="20" name="TextBox 19"/>
-          <p:cNvSpPr txBox="1"/>
-          <p:nvPr/>
-        </p:nvSpPr>
-        <p:spPr>
-          <a:xfrm>
-            <a:off x="740229" y="6395837"/>
-            <a:ext cx="2351314" cy="369332"/>
-          </a:xfrm>
-          <a:prstGeom prst="rect">
-            <a:avLst/>
-          </a:prstGeom>
-          <a:noFill/>
-        </p:spPr>
-        <p:txBody>
-          <a:bodyPr wrap="square" rtlCol="0">
-            <a:spAutoFit/>
-          </a:bodyPr>
-          <a:lstStyle/>
-          <a:p>
-            <a:pPr marL="0" marR="0" lvl="0" indent="0" algn="l" defTabSz="914400" rtl="0" eaLnBrk="1" fontAlgn="auto" latinLnBrk="1" hangingPunct="1">
-              <a:lnSpc>
-                <a:spcPct val="100000"/>
-              </a:lnSpc>
-              <a:spcBef>
-                <a:spcPts val="0"/>
-              </a:spcBef>
-              <a:spcAft>
-                <a:spcPts val="0"/>
-              </a:spcAft>
-              <a:buClrTx/>
-              <a:buSzTx/>
-              <a:buFontTx/>
-              <a:buNone/>
-              <a:tabLst/>
-              <a:defRPr/>
-            </a:pPr>
-            <a:r>
-              <a:rPr kumimoji="0" lang="ko-KR" altLang="en-US" sz="1800" b="0" i="0" u="none" strike="noStrike" kern="1200" cap="none" spc="0" normalizeH="0" baseline="0" noProof="0" dirty="0" smtClean="0">
-                <a:ln>
-                  <a:noFill/>
-                </a:ln>
-                <a:solidFill>
-                  <a:prstClr val="black"/>
-                </a:solidFill>
-                <a:effectLst/>
-                <a:uLnTx/>
-                <a:uFillTx/>
-                <a:latin typeface="Calibri" panose="020F0502020204030204"/>
-                <a:ea typeface="맑은 고딕" panose="020B0503020000020004" pitchFamily="50" charset="-127"/>
-                <a:cs typeface="+mn-cs"/>
-              </a:rPr>
-              <a:t>생년월일</a:t>
-            </a:r>
-            <a:endParaRPr kumimoji="0" lang="en-US" altLang="ko-KR" sz="1800" b="0" i="0" u="none" strike="noStrike" kern="1200" cap="none" spc="0" normalizeH="0" baseline="0" noProof="0" dirty="0" smtClean="0">
-              <a:ln>
-                <a:noFill/>
-              </a:ln>
-              <a:solidFill>
-                <a:prstClr val="black"/>
-              </a:solidFill>
-              <a:effectLst/>
-              <a:uLnTx/>
-              <a:uFillTx/>
-              <a:latin typeface="Calibri" panose="020F0502020204030204"/>
-              <a:ea typeface="맑은 고딕" panose="020B0503020000020004" pitchFamily="50" charset="-127"/>
-              <a:cs typeface="+mn-cs"/>
-            </a:endParaRPr>
-          </a:p>
-        </p:txBody>
-      </p:sp>
-      <p:sp>
-        <p:nvSpPr>
-          <p:cNvPr id="21" name="TextBox 20"/>
-          <p:cNvSpPr txBox="1"/>
-          <p:nvPr/>
-        </p:nvSpPr>
-        <p:spPr>
-          <a:xfrm>
-            <a:off x="740229" y="7205120"/>
-            <a:ext cx="2351314" cy="369332"/>
-          </a:xfrm>
-          <a:prstGeom prst="rect">
-            <a:avLst/>
-          </a:prstGeom>
-          <a:noFill/>
-        </p:spPr>
-        <p:txBody>
-          <a:bodyPr wrap="square" rtlCol="0">
-            <a:spAutoFit/>
-          </a:bodyPr>
-          <a:lstStyle/>
-          <a:p>
-            <a:pPr marL="0" marR="0" lvl="0" indent="0" algn="l" defTabSz="914400" rtl="0" eaLnBrk="1" fontAlgn="auto" latinLnBrk="1" hangingPunct="1">
-              <a:lnSpc>
-                <a:spcPct val="100000"/>
-              </a:lnSpc>
-              <a:spcBef>
-                <a:spcPts val="0"/>
-              </a:spcBef>
-              <a:spcAft>
-                <a:spcPts val="0"/>
-              </a:spcAft>
-              <a:buClrTx/>
-              <a:buSzTx/>
-              <a:buFontTx/>
-              <a:buNone/>
-              <a:tabLst/>
-              <a:defRPr/>
-            </a:pPr>
-            <a:r>
-              <a:rPr kumimoji="0" lang="ko-KR" altLang="en-US" sz="1800" b="0" i="0" u="none" strike="noStrike" kern="1200" cap="none" spc="0" normalizeH="0" baseline="0" noProof="0" dirty="0" smtClean="0">
-                <a:ln>
-                  <a:noFill/>
-                </a:ln>
-                <a:solidFill>
-                  <a:prstClr val="black"/>
-                </a:solidFill>
-                <a:effectLst/>
-                <a:uLnTx/>
-                <a:uFillTx/>
-                <a:latin typeface="Calibri" panose="020F0502020204030204"/>
-                <a:ea typeface="맑은 고딕" panose="020B0503020000020004" pitchFamily="50" charset="-127"/>
-                <a:cs typeface="+mn-cs"/>
-              </a:rPr>
-              <a:t>성별</a:t>
-            </a:r>
-            <a:endParaRPr kumimoji="0" lang="en-US" altLang="ko-KR" sz="1800" b="0" i="0" u="none" strike="noStrike" kern="1200" cap="none" spc="0" normalizeH="0" baseline="0" noProof="0" dirty="0" smtClean="0">
-              <a:ln>
-                <a:noFill/>
-              </a:ln>
-              <a:solidFill>
-                <a:prstClr val="black"/>
-              </a:solidFill>
-              <a:effectLst/>
-              <a:uLnTx/>
-              <a:uFillTx/>
-              <a:latin typeface="Calibri" panose="020F0502020204030204"/>
-              <a:ea typeface="맑은 고딕" panose="020B0503020000020004" pitchFamily="50" charset="-127"/>
-              <a:cs typeface="+mn-cs"/>
-            </a:endParaRPr>
-          </a:p>
-        </p:txBody>
-      </p:sp>
-      <p:sp>
-        <p:nvSpPr>
-          <p:cNvPr id="23" name="직사각형 22"/>
-          <p:cNvSpPr/>
-          <p:nvPr/>
-        </p:nvSpPr>
-        <p:spPr>
-          <a:xfrm>
-            <a:off x="1035952" y="3213596"/>
-            <a:ext cx="3427189" cy="398383"/>
-          </a:xfrm>
-          <a:prstGeom prst="rect">
-            <a:avLst/>
-          </a:prstGeom>
-        </p:spPr>
-        <p:style>
-          <a:lnRef idx="2">
-            <a:schemeClr val="accent1">
-              <a:shade val="50000"/>
-            </a:schemeClr>
-          </a:lnRef>
-          <a:fillRef idx="1">
-            <a:schemeClr val="accent1"/>
-          </a:fillRef>
-          <a:effectRef idx="0">
-            <a:schemeClr val="accent1"/>
-          </a:effectRef>
-          <a:fontRef idx="minor">
-            <a:schemeClr val="lt1"/>
-          </a:fontRef>
-        </p:style>
-        <p:txBody>
-          <a:bodyPr rtlCol="0" anchor="ctr"/>
-          <a:lstStyle/>
-          <a:p>
-            <a:pPr marL="0" marR="0" lvl="0" indent="0" algn="ctr" defTabSz="914400" rtl="0" eaLnBrk="1" fontAlgn="auto" latinLnBrk="1" hangingPunct="1">
-              <a:lnSpc>
-                <a:spcPct val="100000"/>
-              </a:lnSpc>
-              <a:spcBef>
-                <a:spcPts val="0"/>
-              </a:spcBef>
-              <a:spcAft>
-                <a:spcPts val="0"/>
-              </a:spcAft>
-              <a:buClrTx/>
-              <a:buSzTx/>
-              <a:buFontTx/>
-              <a:buNone/>
-              <a:tabLst/>
-              <a:defRPr/>
-            </a:pPr>
-            <a:r>
-              <a:rPr lang="ko-KR" altLang="en-US" dirty="0" smtClean="0">
-                <a:solidFill>
-                  <a:prstClr val="white"/>
-                </a:solidFill>
-                <a:latin typeface="Calibri" panose="020F0502020204030204"/>
-                <a:ea typeface="맑은 고딕" panose="020B0503020000020004" pitchFamily="50" charset="-127"/>
-              </a:rPr>
-              <a:t>입력</a:t>
-            </a:r>
-            <a:endParaRPr kumimoji="0" lang="en-US" altLang="ko-KR" sz="1800" b="0" i="0" u="none" strike="noStrike" kern="1200" cap="none" spc="0" normalizeH="0" baseline="0" noProof="0" dirty="0" smtClean="0">
-              <a:ln>
-                <a:noFill/>
-              </a:ln>
-              <a:solidFill>
-                <a:prstClr val="white"/>
-              </a:solidFill>
-              <a:effectLst/>
-              <a:uLnTx/>
-              <a:uFillTx/>
-              <a:latin typeface="Calibri" panose="020F0502020204030204"/>
-              <a:ea typeface="맑은 고딕" panose="020B0503020000020004" pitchFamily="50" charset="-127"/>
-              <a:cs typeface="+mn-cs"/>
-            </a:endParaRPr>
-          </a:p>
-        </p:txBody>
-      </p:sp>
-      <p:sp>
-        <p:nvSpPr>
-          <p:cNvPr id="24" name="직사각형 23"/>
-          <p:cNvSpPr/>
-          <p:nvPr/>
-        </p:nvSpPr>
-        <p:spPr>
-          <a:xfrm>
-            <a:off x="1035952" y="4137967"/>
-            <a:ext cx="4902201" cy="398383"/>
-          </a:xfrm>
-          <a:prstGeom prst="rect">
-            <a:avLst/>
-          </a:prstGeom>
-        </p:spPr>
-        <p:style>
-          <a:lnRef idx="2">
-            <a:schemeClr val="accent1">
-              <a:shade val="50000"/>
-            </a:schemeClr>
-          </a:lnRef>
-          <a:fillRef idx="1">
-            <a:schemeClr val="accent1"/>
-          </a:fillRef>
-          <a:effectRef idx="0">
-            <a:schemeClr val="accent1"/>
-          </a:effectRef>
-          <a:fontRef idx="minor">
-            <a:schemeClr val="lt1"/>
-          </a:fontRef>
-        </p:style>
-        <p:txBody>
-          <a:bodyPr rtlCol="0" anchor="ctr"/>
-          <a:lstStyle/>
-          <a:p>
-            <a:pPr algn="ctr"/>
-            <a:endParaRPr lang="en-US" altLang="ko-KR" dirty="0" smtClean="0">
-              <a:solidFill>
-                <a:prstClr val="white"/>
-              </a:solidFill>
-            </a:endParaRPr>
-          </a:p>
-          <a:p>
-            <a:pPr algn="ctr"/>
-            <a:r>
-              <a:rPr lang="en-US" altLang="ko-KR" dirty="0" smtClean="0">
-                <a:solidFill>
-                  <a:prstClr val="white"/>
-                </a:solidFill>
-              </a:rPr>
-              <a:t>Input </a:t>
-            </a:r>
-            <a:r>
-              <a:rPr lang="en-US" altLang="ko-KR" dirty="0">
-                <a:solidFill>
-                  <a:prstClr val="white"/>
-                </a:solidFill>
-              </a:rPr>
-              <a:t>type : password</a:t>
-            </a:r>
-          </a:p>
-          <a:p>
-            <a:pPr marL="0" marR="0" lvl="0" indent="0" algn="ctr" defTabSz="914400" rtl="0" eaLnBrk="1" fontAlgn="auto" latinLnBrk="1" hangingPunct="1">
-              <a:lnSpc>
-                <a:spcPct val="100000"/>
-              </a:lnSpc>
-              <a:spcBef>
-                <a:spcPts val="0"/>
-              </a:spcBef>
-              <a:spcAft>
-                <a:spcPts val="0"/>
-              </a:spcAft>
-              <a:buClrTx/>
-              <a:buSzTx/>
-              <a:buFontTx/>
-              <a:buNone/>
-              <a:tabLst/>
-              <a:defRPr/>
-            </a:pPr>
-            <a:endParaRPr kumimoji="0" lang="en-US" altLang="ko-KR" sz="1800" b="0" i="0" u="none" strike="noStrike" kern="1200" cap="none" spc="0" normalizeH="0" baseline="0" noProof="0" dirty="0" smtClean="0">
-              <a:ln>
-                <a:noFill/>
-              </a:ln>
-              <a:solidFill>
-                <a:prstClr val="white"/>
-              </a:solidFill>
-              <a:effectLst/>
-              <a:uLnTx/>
-              <a:uFillTx/>
-              <a:latin typeface="Calibri" panose="020F0502020204030204"/>
-              <a:ea typeface="맑은 고딕" panose="020B0503020000020004" pitchFamily="50" charset="-127"/>
-              <a:cs typeface="+mn-cs"/>
-            </a:endParaRPr>
-          </a:p>
-        </p:txBody>
-      </p:sp>
-      <p:sp>
-        <p:nvSpPr>
-          <p:cNvPr id="25" name="직사각형 24"/>
-          <p:cNvSpPr/>
-          <p:nvPr/>
-        </p:nvSpPr>
-        <p:spPr>
-          <a:xfrm>
-            <a:off x="1035953" y="5061648"/>
-            <a:ext cx="4902201" cy="398383"/>
-          </a:xfrm>
-          <a:prstGeom prst="rect">
-            <a:avLst/>
-          </a:prstGeom>
-        </p:spPr>
-        <p:style>
-          <a:lnRef idx="2">
-            <a:schemeClr val="accent1">
-              <a:shade val="50000"/>
-            </a:schemeClr>
-          </a:lnRef>
-          <a:fillRef idx="1">
-            <a:schemeClr val="accent1"/>
-          </a:fillRef>
-          <a:effectRef idx="0">
-            <a:schemeClr val="accent1"/>
-          </a:effectRef>
-          <a:fontRef idx="minor">
-            <a:schemeClr val="lt1"/>
-          </a:fontRef>
-        </p:style>
-        <p:txBody>
-          <a:bodyPr rtlCol="0" anchor="ctr"/>
-          <a:lstStyle/>
-          <a:p>
-            <a:pPr marL="0" marR="0" lvl="0" indent="0" algn="ctr" defTabSz="914400" rtl="0" eaLnBrk="1" fontAlgn="auto" latinLnBrk="1" hangingPunct="1">
-              <a:lnSpc>
-                <a:spcPct val="100000"/>
-              </a:lnSpc>
-              <a:spcBef>
-                <a:spcPts val="0"/>
-              </a:spcBef>
-              <a:spcAft>
-                <a:spcPts val="0"/>
-              </a:spcAft>
-              <a:buClrTx/>
-              <a:buSzTx/>
-              <a:buFontTx/>
-              <a:buNone/>
-              <a:tabLst/>
-              <a:defRPr/>
-            </a:pPr>
-            <a:r>
-              <a:rPr lang="en-US" altLang="ko-KR" dirty="0" smtClean="0">
-                <a:solidFill>
-                  <a:prstClr val="white"/>
-                </a:solidFill>
-                <a:latin typeface="Calibri" panose="020F0502020204030204"/>
-                <a:ea typeface="맑은 고딕" panose="020B0503020000020004" pitchFamily="50" charset="-127"/>
-              </a:rPr>
-              <a:t>Input type : password</a:t>
-            </a:r>
-            <a:endParaRPr kumimoji="0" lang="en-US" altLang="ko-KR" sz="1800" b="0" i="0" u="none" strike="noStrike" kern="1200" cap="none" spc="0" normalizeH="0" baseline="0" noProof="0" dirty="0" smtClean="0">
-              <a:ln>
-                <a:noFill/>
-              </a:ln>
-              <a:solidFill>
-                <a:prstClr val="white"/>
-              </a:solidFill>
-              <a:effectLst/>
-              <a:uLnTx/>
-              <a:uFillTx/>
-              <a:latin typeface="Calibri" panose="020F0502020204030204"/>
-              <a:ea typeface="맑은 고딕" panose="020B0503020000020004" pitchFamily="50" charset="-127"/>
-              <a:cs typeface="+mn-cs"/>
-            </a:endParaRPr>
-          </a:p>
-        </p:txBody>
-      </p:sp>
-      <p:sp>
-        <p:nvSpPr>
-          <p:cNvPr id="26" name="직사각형 25"/>
-          <p:cNvSpPr/>
-          <p:nvPr/>
-        </p:nvSpPr>
-        <p:spPr>
-          <a:xfrm>
-            <a:off x="977897" y="5864771"/>
-            <a:ext cx="4902201" cy="398383"/>
-          </a:xfrm>
-          <a:prstGeom prst="rect">
-            <a:avLst/>
-          </a:prstGeom>
-        </p:spPr>
-        <p:style>
-          <a:lnRef idx="2">
-            <a:schemeClr val="accent1">
-              <a:shade val="50000"/>
-            </a:schemeClr>
-          </a:lnRef>
-          <a:fillRef idx="1">
-            <a:schemeClr val="accent1"/>
-          </a:fillRef>
-          <a:effectRef idx="0">
-            <a:schemeClr val="accent1"/>
-          </a:effectRef>
-          <a:fontRef idx="minor">
-            <a:schemeClr val="lt1"/>
-          </a:fontRef>
-        </p:style>
-        <p:txBody>
-          <a:bodyPr rtlCol="0" anchor="ctr"/>
-          <a:lstStyle/>
-          <a:p>
-            <a:pPr marL="0" marR="0" lvl="0" indent="0" algn="ctr" defTabSz="914400" rtl="0" eaLnBrk="1" fontAlgn="auto" latinLnBrk="1" hangingPunct="1">
-              <a:lnSpc>
-                <a:spcPct val="100000"/>
-              </a:lnSpc>
-              <a:spcBef>
-                <a:spcPts val="0"/>
-              </a:spcBef>
-              <a:spcAft>
-                <a:spcPts val="0"/>
-              </a:spcAft>
-              <a:buClrTx/>
-              <a:buSzTx/>
-              <a:buFontTx/>
-              <a:buNone/>
-              <a:tabLst/>
-              <a:defRPr/>
-            </a:pPr>
-            <a:r>
-              <a:rPr lang="ko-KR" altLang="en-US" dirty="0" smtClean="0">
-                <a:solidFill>
-                  <a:prstClr val="white"/>
-                </a:solidFill>
-                <a:latin typeface="Calibri" panose="020F0502020204030204"/>
-                <a:ea typeface="맑은 고딕" panose="020B0503020000020004" pitchFamily="50" charset="-127"/>
-              </a:rPr>
-              <a:t>입력</a:t>
-            </a:r>
-            <a:endParaRPr kumimoji="0" lang="en-US" altLang="ko-KR" sz="1800" b="0" i="0" u="none" strike="noStrike" kern="1200" cap="none" spc="0" normalizeH="0" baseline="0" noProof="0" dirty="0" smtClean="0">
-              <a:ln>
-                <a:noFill/>
-              </a:ln>
-              <a:solidFill>
-                <a:prstClr val="white"/>
-              </a:solidFill>
-              <a:effectLst/>
-              <a:uLnTx/>
-              <a:uFillTx/>
-              <a:latin typeface="Calibri" panose="020F0502020204030204"/>
-              <a:ea typeface="맑은 고딕" panose="020B0503020000020004" pitchFamily="50" charset="-127"/>
-              <a:cs typeface="+mn-cs"/>
-            </a:endParaRPr>
-          </a:p>
-        </p:txBody>
-      </p:sp>
-      <p:sp>
-        <p:nvSpPr>
-          <p:cNvPr id="27" name="직사각형 26"/>
-          <p:cNvSpPr/>
-          <p:nvPr/>
-        </p:nvSpPr>
-        <p:spPr>
-          <a:xfrm>
-            <a:off x="977898" y="6671685"/>
-            <a:ext cx="1315360" cy="398383"/>
-          </a:xfrm>
-          <a:prstGeom prst="rect">
-            <a:avLst/>
-          </a:prstGeom>
-        </p:spPr>
-        <p:style>
-          <a:lnRef idx="2">
-            <a:schemeClr val="accent1">
-              <a:shade val="50000"/>
-            </a:schemeClr>
-          </a:lnRef>
-          <a:fillRef idx="1">
-            <a:schemeClr val="accent1"/>
-          </a:fillRef>
-          <a:effectRef idx="0">
-            <a:schemeClr val="accent1"/>
-          </a:effectRef>
-          <a:fontRef idx="minor">
-            <a:schemeClr val="lt1"/>
-          </a:fontRef>
-        </p:style>
-        <p:txBody>
-          <a:bodyPr rtlCol="0" anchor="ctr"/>
-          <a:lstStyle/>
-          <a:p>
-            <a:pPr marL="0" marR="0" lvl="0" indent="0" algn="ctr" defTabSz="914400" rtl="0" eaLnBrk="1" fontAlgn="auto" latinLnBrk="1" hangingPunct="1">
-              <a:lnSpc>
-                <a:spcPct val="100000"/>
-              </a:lnSpc>
-              <a:spcBef>
-                <a:spcPts val="0"/>
-              </a:spcBef>
-              <a:spcAft>
-                <a:spcPts val="0"/>
-              </a:spcAft>
-              <a:buClrTx/>
-              <a:buSzTx/>
-              <a:buFontTx/>
-              <a:buNone/>
-              <a:tabLst/>
-              <a:defRPr/>
-            </a:pPr>
-            <a:r>
-              <a:rPr lang="ko-KR" altLang="en-US" dirty="0" smtClean="0">
-                <a:solidFill>
-                  <a:prstClr val="white"/>
-                </a:solidFill>
-                <a:latin typeface="Calibri" panose="020F0502020204030204"/>
-                <a:ea typeface="맑은 고딕" panose="020B0503020000020004" pitchFamily="50" charset="-127"/>
-              </a:rPr>
-              <a:t>년</a:t>
-            </a:r>
-            <a:endParaRPr kumimoji="0" lang="en-US" altLang="ko-KR" sz="1800" b="0" i="0" u="none" strike="noStrike" kern="1200" cap="none" spc="0" normalizeH="0" baseline="0" noProof="0" dirty="0" smtClean="0">
-              <a:ln>
-                <a:noFill/>
-              </a:ln>
-              <a:solidFill>
-                <a:prstClr val="white"/>
-              </a:solidFill>
-              <a:effectLst/>
-              <a:uLnTx/>
-              <a:uFillTx/>
-              <a:latin typeface="Calibri" panose="020F0502020204030204"/>
-              <a:ea typeface="맑은 고딕" panose="020B0503020000020004" pitchFamily="50" charset="-127"/>
-              <a:cs typeface="+mn-cs"/>
-            </a:endParaRPr>
-          </a:p>
-        </p:txBody>
-      </p:sp>
-      <p:sp>
-        <p:nvSpPr>
-          <p:cNvPr id="28" name="직사각형 27"/>
-          <p:cNvSpPr/>
-          <p:nvPr/>
-        </p:nvSpPr>
-        <p:spPr>
-          <a:xfrm>
-            <a:off x="977897" y="7574452"/>
-            <a:ext cx="4902201" cy="398383"/>
-          </a:xfrm>
-          <a:prstGeom prst="rect">
-            <a:avLst/>
-          </a:prstGeom>
-        </p:spPr>
-        <p:style>
-          <a:lnRef idx="2">
-            <a:schemeClr val="accent1">
-              <a:shade val="50000"/>
-            </a:schemeClr>
-          </a:lnRef>
-          <a:fillRef idx="1">
-            <a:schemeClr val="accent1"/>
-          </a:fillRef>
-          <a:effectRef idx="0">
-            <a:schemeClr val="accent1"/>
-          </a:effectRef>
-          <a:fontRef idx="minor">
-            <a:schemeClr val="lt1"/>
-          </a:fontRef>
-        </p:style>
-        <p:txBody>
-          <a:bodyPr rtlCol="0" anchor="ctr"/>
-          <a:lstStyle/>
-          <a:p>
-            <a:pPr marL="0" marR="0" lvl="0" indent="0" algn="ctr" defTabSz="914400" rtl="0" eaLnBrk="1" fontAlgn="auto" latinLnBrk="1" hangingPunct="1">
-              <a:lnSpc>
-                <a:spcPct val="100000"/>
-              </a:lnSpc>
-              <a:spcBef>
-                <a:spcPts val="0"/>
-              </a:spcBef>
-              <a:spcAft>
-                <a:spcPts val="0"/>
-              </a:spcAft>
-              <a:buClrTx/>
-              <a:buSzTx/>
-              <a:buFontTx/>
-              <a:buNone/>
-              <a:tabLst/>
-              <a:defRPr/>
-            </a:pPr>
-            <a:r>
-              <a:rPr lang="ko-KR" altLang="en-US" dirty="0" smtClean="0">
-                <a:solidFill>
-                  <a:prstClr val="white"/>
-                </a:solidFill>
-                <a:latin typeface="Calibri" panose="020F0502020204030204"/>
-                <a:ea typeface="맑은 고딕" panose="020B0503020000020004" pitchFamily="50" charset="-127"/>
-              </a:rPr>
-              <a:t>입력</a:t>
-            </a:r>
-            <a:endParaRPr kumimoji="0" lang="en-US" altLang="ko-KR" sz="1800" b="0" i="0" u="none" strike="noStrike" kern="1200" cap="none" spc="0" normalizeH="0" baseline="0" noProof="0" dirty="0" smtClean="0">
-              <a:ln>
-                <a:noFill/>
-              </a:ln>
-              <a:solidFill>
-                <a:prstClr val="white"/>
-              </a:solidFill>
-              <a:effectLst/>
-              <a:uLnTx/>
-              <a:uFillTx/>
-              <a:latin typeface="Calibri" panose="020F0502020204030204"/>
-              <a:ea typeface="맑은 고딕" panose="020B0503020000020004" pitchFamily="50" charset="-127"/>
-              <a:cs typeface="+mn-cs"/>
-            </a:endParaRPr>
-          </a:p>
-        </p:txBody>
-      </p:sp>
-      <p:sp>
-        <p:nvSpPr>
-          <p:cNvPr id="29" name="직사각형 28"/>
-          <p:cNvSpPr/>
-          <p:nvPr/>
-        </p:nvSpPr>
-        <p:spPr>
-          <a:xfrm>
-            <a:off x="977896" y="8415161"/>
-            <a:ext cx="3216733" cy="398383"/>
-          </a:xfrm>
-          <a:prstGeom prst="rect">
-            <a:avLst/>
-          </a:prstGeom>
-        </p:spPr>
-        <p:style>
-          <a:lnRef idx="2">
-            <a:schemeClr val="accent1">
-              <a:shade val="50000"/>
-            </a:schemeClr>
-          </a:lnRef>
-          <a:fillRef idx="1">
-            <a:schemeClr val="accent1"/>
-          </a:fillRef>
-          <a:effectRef idx="0">
-            <a:schemeClr val="accent1"/>
-          </a:effectRef>
-          <a:fontRef idx="minor">
-            <a:schemeClr val="lt1"/>
-          </a:fontRef>
-        </p:style>
-        <p:txBody>
-          <a:bodyPr rtlCol="0" anchor="ctr"/>
-          <a:lstStyle/>
-          <a:p>
-            <a:pPr marL="0" marR="0" lvl="0" indent="0" algn="ctr" defTabSz="914400" rtl="0" eaLnBrk="1" fontAlgn="auto" latinLnBrk="1" hangingPunct="1">
-              <a:lnSpc>
-                <a:spcPct val="100000"/>
-              </a:lnSpc>
-              <a:spcBef>
-                <a:spcPts val="0"/>
-              </a:spcBef>
-              <a:spcAft>
-                <a:spcPts val="0"/>
-              </a:spcAft>
-              <a:buClrTx/>
-              <a:buSzTx/>
-              <a:buFontTx/>
-              <a:buNone/>
-              <a:tabLst/>
-              <a:defRPr/>
-            </a:pPr>
-            <a:r>
-              <a:rPr lang="ko-KR" altLang="en-US" dirty="0" smtClean="0">
-                <a:solidFill>
-                  <a:prstClr val="white"/>
-                </a:solidFill>
-                <a:latin typeface="Calibri" panose="020F0502020204030204"/>
-                <a:ea typeface="맑은 고딕" panose="020B0503020000020004" pitchFamily="50" charset="-127"/>
-              </a:rPr>
-              <a:t>입력</a:t>
-            </a:r>
-            <a:endParaRPr kumimoji="0" lang="en-US" altLang="ko-KR" sz="1800" b="0" i="0" u="none" strike="noStrike" kern="1200" cap="none" spc="0" normalizeH="0" baseline="0" noProof="0" dirty="0" smtClean="0">
-              <a:ln>
-                <a:noFill/>
-              </a:ln>
-              <a:solidFill>
-                <a:prstClr val="white"/>
-              </a:solidFill>
-              <a:effectLst/>
-              <a:uLnTx/>
-              <a:uFillTx/>
-              <a:latin typeface="Calibri" panose="020F0502020204030204"/>
-              <a:ea typeface="맑은 고딕" panose="020B0503020000020004" pitchFamily="50" charset="-127"/>
-              <a:cs typeface="+mn-cs"/>
-            </a:endParaRPr>
-          </a:p>
-        </p:txBody>
-      </p:sp>
-      <p:sp>
-        <p:nvSpPr>
-          <p:cNvPr id="30" name="직사각형 29"/>
-          <p:cNvSpPr/>
-          <p:nvPr/>
-        </p:nvSpPr>
-        <p:spPr>
-          <a:xfrm>
-            <a:off x="2654294" y="6663830"/>
-            <a:ext cx="1315360" cy="398383"/>
-          </a:xfrm>
-          <a:prstGeom prst="rect">
-            <a:avLst/>
-          </a:prstGeom>
-        </p:spPr>
-        <p:style>
-          <a:lnRef idx="2">
-            <a:schemeClr val="accent1">
-              <a:shade val="50000"/>
-            </a:schemeClr>
-          </a:lnRef>
-          <a:fillRef idx="1">
-            <a:schemeClr val="accent1"/>
-          </a:fillRef>
-          <a:effectRef idx="0">
-            <a:schemeClr val="accent1"/>
-          </a:effectRef>
-          <a:fontRef idx="minor">
-            <a:schemeClr val="lt1"/>
-          </a:fontRef>
-        </p:style>
-        <p:txBody>
-          <a:bodyPr rtlCol="0" anchor="ctr"/>
-          <a:lstStyle/>
-          <a:p>
-            <a:pPr marL="0" marR="0" lvl="0" indent="0" algn="ctr" defTabSz="914400" rtl="0" eaLnBrk="1" fontAlgn="auto" latinLnBrk="1" hangingPunct="1">
-              <a:lnSpc>
-                <a:spcPct val="100000"/>
-              </a:lnSpc>
-              <a:spcBef>
-                <a:spcPts val="0"/>
-              </a:spcBef>
-              <a:spcAft>
-                <a:spcPts val="0"/>
-              </a:spcAft>
-              <a:buClrTx/>
-              <a:buSzTx/>
-              <a:buFontTx/>
-              <a:buNone/>
-              <a:tabLst/>
-              <a:defRPr/>
-            </a:pPr>
-            <a:r>
-              <a:rPr kumimoji="0" lang="ko-KR" altLang="en-US" sz="1800" b="0" i="0" u="none" strike="noStrike" kern="1200" cap="none" spc="0" normalizeH="0" baseline="0" noProof="0" dirty="0" smtClean="0">
-                <a:ln>
-                  <a:noFill/>
-                </a:ln>
-                <a:solidFill>
-                  <a:prstClr val="white"/>
-                </a:solidFill>
-                <a:effectLst/>
-                <a:uLnTx/>
-                <a:uFillTx/>
-                <a:latin typeface="Calibri" panose="020F0502020204030204"/>
-                <a:ea typeface="맑은 고딕" panose="020B0503020000020004" pitchFamily="50" charset="-127"/>
-                <a:cs typeface="+mn-cs"/>
-              </a:rPr>
-              <a:t>월</a:t>
-            </a:r>
-            <a:endParaRPr kumimoji="0" lang="en-US" altLang="ko-KR" sz="1800" b="0" i="0" u="none" strike="noStrike" kern="1200" cap="none" spc="0" normalizeH="0" baseline="0" noProof="0" dirty="0" smtClean="0">
-              <a:ln>
-                <a:noFill/>
-              </a:ln>
-              <a:solidFill>
-                <a:prstClr val="white"/>
-              </a:solidFill>
-              <a:effectLst/>
-              <a:uLnTx/>
-              <a:uFillTx/>
-              <a:latin typeface="Calibri" panose="020F0502020204030204"/>
-              <a:ea typeface="맑은 고딕" panose="020B0503020000020004" pitchFamily="50" charset="-127"/>
-              <a:cs typeface="+mn-cs"/>
-            </a:endParaRPr>
-          </a:p>
-        </p:txBody>
-      </p:sp>
-      <p:sp>
-        <p:nvSpPr>
-          <p:cNvPr id="31" name="직사각형 30"/>
-          <p:cNvSpPr/>
-          <p:nvPr/>
-        </p:nvSpPr>
-        <p:spPr>
-          <a:xfrm>
-            <a:off x="4463141" y="6685715"/>
-            <a:ext cx="1315360" cy="398383"/>
-          </a:xfrm>
-          <a:prstGeom prst="rect">
-            <a:avLst/>
-          </a:prstGeom>
-        </p:spPr>
-        <p:style>
-          <a:lnRef idx="2">
-            <a:schemeClr val="accent1">
-              <a:shade val="50000"/>
-            </a:schemeClr>
-          </a:lnRef>
-          <a:fillRef idx="1">
-            <a:schemeClr val="accent1"/>
-          </a:fillRef>
-          <a:effectRef idx="0">
-            <a:schemeClr val="accent1"/>
-          </a:effectRef>
-          <a:fontRef idx="minor">
-            <a:schemeClr val="lt1"/>
-          </a:fontRef>
-        </p:style>
-        <p:txBody>
-          <a:bodyPr rtlCol="0" anchor="ctr"/>
-          <a:lstStyle/>
-          <a:p>
-            <a:pPr marL="0" marR="0" lvl="0" indent="0" algn="ctr" defTabSz="914400" rtl="0" eaLnBrk="1" fontAlgn="auto" latinLnBrk="1" hangingPunct="1">
-              <a:lnSpc>
-                <a:spcPct val="100000"/>
-              </a:lnSpc>
-              <a:spcBef>
-                <a:spcPts val="0"/>
-              </a:spcBef>
-              <a:spcAft>
-                <a:spcPts val="0"/>
-              </a:spcAft>
-              <a:buClrTx/>
-              <a:buSzTx/>
-              <a:buFontTx/>
-              <a:buNone/>
-              <a:tabLst/>
-              <a:defRPr/>
-            </a:pPr>
-            <a:r>
-              <a:rPr kumimoji="0" lang="ko-KR" altLang="en-US" sz="1800" b="0" i="0" u="none" strike="noStrike" kern="1200" cap="none" spc="0" normalizeH="0" baseline="0" noProof="0" dirty="0" smtClean="0">
-                <a:ln>
-                  <a:noFill/>
-                </a:ln>
-                <a:solidFill>
-                  <a:prstClr val="white"/>
-                </a:solidFill>
-                <a:effectLst/>
-                <a:uLnTx/>
-                <a:uFillTx/>
-                <a:latin typeface="Calibri" panose="020F0502020204030204"/>
-                <a:ea typeface="맑은 고딕" panose="020B0503020000020004" pitchFamily="50" charset="-127"/>
-                <a:cs typeface="+mn-cs"/>
-              </a:rPr>
-              <a:t>일</a:t>
-            </a:r>
-            <a:endParaRPr kumimoji="0" lang="en-US" altLang="ko-KR" sz="1800" b="0" i="0" u="none" strike="noStrike" kern="1200" cap="none" spc="0" normalizeH="0" baseline="0" noProof="0" dirty="0" smtClean="0">
-              <a:ln>
-                <a:noFill/>
-              </a:ln>
-              <a:solidFill>
-                <a:prstClr val="white"/>
-              </a:solidFill>
-              <a:effectLst/>
-              <a:uLnTx/>
-              <a:uFillTx/>
-              <a:latin typeface="Calibri" panose="020F0502020204030204"/>
-              <a:ea typeface="맑은 고딕" panose="020B0503020000020004" pitchFamily="50" charset="-127"/>
-              <a:cs typeface="+mn-cs"/>
-            </a:endParaRPr>
+            <a:r>
+              <a:rPr lang="ko-KR" altLang="en-US" dirty="0" err="1" smtClean="0"/>
+              <a:t>아이디찾기</a:t>
+            </a:r>
+            <a:r>
+              <a:rPr lang="ko-KR" altLang="en-US" dirty="0" smtClean="0"/>
+              <a:t>  </a:t>
+            </a:r>
+            <a:r>
+              <a:rPr lang="en-US" altLang="ko-KR" dirty="0" smtClean="0"/>
+              <a:t>| </a:t>
+            </a:r>
+            <a:r>
+              <a:rPr lang="ko-KR" altLang="en-US" dirty="0" smtClean="0"/>
+              <a:t>비밀번호찾기 </a:t>
+            </a:r>
+            <a:r>
+              <a:rPr lang="en-US" altLang="ko-KR" dirty="0" smtClean="0"/>
+              <a:t>| </a:t>
+            </a:r>
+            <a:r>
+              <a:rPr lang="ko-KR" altLang="en-US" dirty="0" smtClean="0"/>
+              <a:t>회원가입</a:t>
+            </a:r>
+            <a:endParaRPr lang="en-US" altLang="ko-KR" dirty="0" smtClean="0"/>
           </a:p>
         </p:txBody>
       </p:sp>
       <p:cxnSp>
         <p:nvCxnSpPr>
-          <p:cNvPr id="32" name="직선 화살표 연결선 31"/>
+          <p:cNvPr id="13" name="직선 화살표 연결선 12"/>
           <p:cNvCxnSpPr/>
           <p:nvPr/>
         </p:nvCxnSpPr>
         <p:spPr>
-          <a:xfrm flipH="1" flipV="1">
-            <a:off x="-992074" y="6731906"/>
-            <a:ext cx="1878695" cy="138970"/>
-          </a:xfrm>
-          <a:prstGeom prst="straightConnector1">
-            <a:avLst/>
-          </a:prstGeom>
-          <a:ln>
-            <a:tailEnd type="triangle"/>
-          </a:ln>
-        </p:spPr>
-        <p:style>
-          <a:lnRef idx="1">
-            <a:schemeClr val="accent1"/>
-          </a:lnRef>
-          <a:fillRef idx="0">
-            <a:schemeClr val="accent1"/>
-          </a:fillRef>
-          <a:effectRef idx="0">
-            <a:schemeClr val="accent1"/>
-          </a:effectRef>
-          <a:fontRef idx="minor">
-            <a:schemeClr val="tx1"/>
-          </a:fontRef>
-        </p:style>
-      </p:cxnSp>
-      <p:cxnSp>
-        <p:nvCxnSpPr>
-          <p:cNvPr id="33" name="직선 화살표 연결선 32"/>
-          <p:cNvCxnSpPr/>
-          <p:nvPr/>
-        </p:nvCxnSpPr>
-        <p:spPr>
           <a:xfrm flipH="1">
-            <a:off x="-1103086" y="7906458"/>
-            <a:ext cx="1962150" cy="2238"/>
+            <a:off x="-333829" y="4648461"/>
+            <a:ext cx="2249715" cy="130752"/>
           </a:xfrm>
           <a:prstGeom prst="straightConnector1">
             <a:avLst/>
@@ -8668,14 +7669,14 @@
       </p:cxnSp>
       <p:sp>
         <p:nvSpPr>
-          <p:cNvPr id="34" name="TextBox 33"/>
+          <p:cNvPr id="15" name="TextBox 14"/>
           <p:cNvSpPr txBox="1"/>
           <p:nvPr/>
         </p:nvSpPr>
         <p:spPr>
           <a:xfrm>
-            <a:off x="-2278743" y="1881290"/>
-            <a:ext cx="2351314" cy="461665"/>
+            <a:off x="-2169885" y="4594547"/>
+            <a:ext cx="2169885" cy="369332"/>
           </a:xfrm>
           <a:prstGeom prst="rect">
             <a:avLst/>
@@ -8688,451 +7689,28 @@
           </a:bodyPr>
           <a:lstStyle/>
           <a:p>
-            <a:pPr marL="0" marR="0" lvl="0" indent="0" algn="l" defTabSz="914400" rtl="0" eaLnBrk="1" fontAlgn="auto" latinLnBrk="1" hangingPunct="1">
-              <a:lnSpc>
-                <a:spcPct val="100000"/>
-              </a:lnSpc>
-              <a:spcBef>
-                <a:spcPts val="0"/>
-              </a:spcBef>
-              <a:spcAft>
-                <a:spcPts val="0"/>
-              </a:spcAft>
-              <a:buClrTx/>
-              <a:buSzTx/>
-              <a:buFontTx/>
-              <a:buNone/>
-              <a:tabLst/>
-              <a:defRPr/>
-            </a:pPr>
-            <a:r>
-              <a:rPr lang="ko-KR" altLang="en-US" sz="2400" b="1" dirty="0" smtClean="0">
-                <a:solidFill>
-                  <a:prstClr val="black"/>
-                </a:solidFill>
-                <a:latin typeface="Calibri" panose="020F0502020204030204"/>
-                <a:ea typeface="맑은 고딕" panose="020B0503020000020004" pitchFamily="50" charset="-127"/>
-              </a:rPr>
-              <a:t>새 창 띄우기</a:t>
-            </a:r>
-            <a:endParaRPr lang="en-US" altLang="ko-KR" sz="2400" b="1" dirty="0" smtClean="0">
-              <a:solidFill>
-                <a:prstClr val="black"/>
-              </a:solidFill>
-              <a:latin typeface="Calibri" panose="020F0502020204030204"/>
-              <a:ea typeface="맑은 고딕" panose="020B0503020000020004" pitchFamily="50" charset="-127"/>
-            </a:endParaRPr>
-          </a:p>
-        </p:txBody>
-      </p:sp>
-      <p:sp>
-        <p:nvSpPr>
-          <p:cNvPr id="35" name="TextBox 34"/>
-          <p:cNvSpPr txBox="1"/>
-          <p:nvPr/>
-        </p:nvSpPr>
-        <p:spPr>
-          <a:xfrm>
-            <a:off x="-2285149" y="7728711"/>
-            <a:ext cx="1715864" cy="646331"/>
-          </a:xfrm>
-          <a:prstGeom prst="rect">
-            <a:avLst/>
-          </a:prstGeom>
-          <a:noFill/>
-        </p:spPr>
-        <p:txBody>
-          <a:bodyPr wrap="square" rtlCol="0">
-            <a:spAutoFit/>
-          </a:bodyPr>
-          <a:lstStyle/>
-          <a:p>
-            <a:pPr marL="0" marR="0" lvl="0" indent="0" algn="l" defTabSz="914400" rtl="0" eaLnBrk="1" fontAlgn="auto" latinLnBrk="1" hangingPunct="1">
-              <a:lnSpc>
-                <a:spcPct val="100000"/>
-              </a:lnSpc>
-              <a:spcBef>
-                <a:spcPts val="0"/>
-              </a:spcBef>
-              <a:spcAft>
-                <a:spcPts val="0"/>
-              </a:spcAft>
-              <a:buClrTx/>
-              <a:buSzTx/>
-              <a:buFontTx/>
-              <a:buNone/>
-              <a:tabLst/>
-              <a:defRPr/>
-            </a:pPr>
-            <a:r>
-              <a:rPr lang="en-US" altLang="ko-KR" dirty="0" smtClean="0">
-                <a:solidFill>
-                  <a:prstClr val="black"/>
-                </a:solidFill>
-                <a:latin typeface="Calibri" panose="020F0502020204030204"/>
-                <a:ea typeface="맑은 고딕" panose="020B0503020000020004" pitchFamily="50" charset="-127"/>
-              </a:rPr>
-              <a:t>Radio </a:t>
-            </a:r>
-            <a:r>
-              <a:rPr lang="ko-KR" altLang="en-US" dirty="0" smtClean="0">
-                <a:solidFill>
-                  <a:prstClr val="black"/>
-                </a:solidFill>
-                <a:latin typeface="Calibri" panose="020F0502020204030204"/>
-                <a:ea typeface="맑은 고딕" panose="020B0503020000020004" pitchFamily="50" charset="-127"/>
-              </a:rPr>
-              <a:t>박스</a:t>
-            </a:r>
-            <a:endParaRPr lang="en-US" altLang="ko-KR" dirty="0" smtClean="0">
-              <a:solidFill>
-                <a:prstClr val="black"/>
-              </a:solidFill>
-              <a:latin typeface="Calibri" panose="020F0502020204030204"/>
-              <a:ea typeface="맑은 고딕" panose="020B0503020000020004" pitchFamily="50" charset="-127"/>
-            </a:endParaRPr>
-          </a:p>
-          <a:p>
-            <a:pPr marL="0" marR="0" lvl="0" indent="0" algn="l" defTabSz="914400" rtl="0" eaLnBrk="1" fontAlgn="auto" latinLnBrk="1" hangingPunct="1">
-              <a:lnSpc>
-                <a:spcPct val="100000"/>
-              </a:lnSpc>
-              <a:spcBef>
-                <a:spcPts val="0"/>
-              </a:spcBef>
-              <a:spcAft>
-                <a:spcPts val="0"/>
-              </a:spcAft>
-              <a:buClrTx/>
-              <a:buSzTx/>
-              <a:buFontTx/>
-              <a:buNone/>
-              <a:tabLst/>
-              <a:defRPr/>
-            </a:pPr>
-            <a:endParaRPr kumimoji="0" lang="ko-KR" altLang="en-US" sz="1800" b="0" i="0" u="none" strike="noStrike" kern="1200" cap="none" spc="0" normalizeH="0" baseline="0" noProof="0" dirty="0" smtClean="0">
-              <a:ln>
-                <a:noFill/>
-              </a:ln>
-              <a:solidFill>
-                <a:prstClr val="black"/>
-              </a:solidFill>
-              <a:effectLst/>
-              <a:uLnTx/>
-              <a:uFillTx/>
-              <a:latin typeface="Calibri" panose="020F0502020204030204"/>
-              <a:ea typeface="맑은 고딕" panose="020B0503020000020004" pitchFamily="50" charset="-127"/>
-              <a:cs typeface="+mn-cs"/>
-            </a:endParaRPr>
-          </a:p>
-        </p:txBody>
-      </p:sp>
-      <p:sp>
-        <p:nvSpPr>
-          <p:cNvPr id="36" name="직사각형 35"/>
-          <p:cNvSpPr/>
-          <p:nvPr/>
-        </p:nvSpPr>
-        <p:spPr>
-          <a:xfrm>
-            <a:off x="4345210" y="8415160"/>
-            <a:ext cx="1961247" cy="398383"/>
-          </a:xfrm>
-          <a:prstGeom prst="rect">
-            <a:avLst/>
-          </a:prstGeom>
-        </p:spPr>
-        <p:style>
-          <a:lnRef idx="2">
-            <a:schemeClr val="accent1">
-              <a:shade val="50000"/>
-            </a:schemeClr>
-          </a:lnRef>
-          <a:fillRef idx="1">
-            <a:schemeClr val="accent1"/>
-          </a:fillRef>
-          <a:effectRef idx="0">
-            <a:schemeClr val="accent1"/>
-          </a:effectRef>
-          <a:fontRef idx="minor">
-            <a:schemeClr val="lt1"/>
-          </a:fontRef>
-        </p:style>
-        <p:txBody>
-          <a:bodyPr rtlCol="0" anchor="ctr"/>
-          <a:lstStyle/>
-          <a:p>
-            <a:pPr marL="0" marR="0" lvl="0" indent="0" algn="ctr" defTabSz="914400" rtl="0" eaLnBrk="1" fontAlgn="auto" latinLnBrk="1" hangingPunct="1">
-              <a:lnSpc>
-                <a:spcPct val="100000"/>
-              </a:lnSpc>
-              <a:spcBef>
-                <a:spcPts val="0"/>
-              </a:spcBef>
-              <a:spcAft>
-                <a:spcPts val="0"/>
-              </a:spcAft>
-              <a:buClrTx/>
-              <a:buSzTx/>
-              <a:buFontTx/>
-              <a:buNone/>
-              <a:tabLst/>
-              <a:defRPr/>
-            </a:pPr>
-            <a:r>
-              <a:rPr lang="ko-KR" altLang="en-US" dirty="0" smtClean="0">
-                <a:solidFill>
-                  <a:prstClr val="white"/>
-                </a:solidFill>
-                <a:latin typeface="Calibri" panose="020F0502020204030204"/>
-                <a:ea typeface="맑은 고딕" panose="020B0503020000020004" pitchFamily="50" charset="-127"/>
-              </a:rPr>
-              <a:t>인증번호받기</a:t>
-            </a:r>
-            <a:endParaRPr kumimoji="0" lang="en-US" altLang="ko-KR" sz="1800" b="0" i="0" u="none" strike="noStrike" kern="1200" cap="none" spc="0" normalizeH="0" baseline="0" noProof="0" dirty="0" smtClean="0">
-              <a:ln>
-                <a:noFill/>
-              </a:ln>
-              <a:solidFill>
-                <a:prstClr val="white"/>
-              </a:solidFill>
-              <a:effectLst/>
-              <a:uLnTx/>
-              <a:uFillTx/>
-              <a:latin typeface="Calibri" panose="020F0502020204030204"/>
-              <a:ea typeface="맑은 고딕" panose="020B0503020000020004" pitchFamily="50" charset="-127"/>
-              <a:cs typeface="+mn-cs"/>
-            </a:endParaRPr>
-          </a:p>
-        </p:txBody>
-      </p:sp>
-      <p:sp>
-        <p:nvSpPr>
-          <p:cNvPr id="37" name="직사각형 36"/>
-          <p:cNvSpPr/>
-          <p:nvPr/>
-        </p:nvSpPr>
-        <p:spPr>
-          <a:xfrm>
-            <a:off x="4577438" y="3226915"/>
-            <a:ext cx="1729019" cy="398383"/>
-          </a:xfrm>
-          <a:prstGeom prst="rect">
-            <a:avLst/>
-          </a:prstGeom>
-        </p:spPr>
-        <p:style>
-          <a:lnRef idx="2">
-            <a:schemeClr val="accent1">
-              <a:shade val="50000"/>
-            </a:schemeClr>
-          </a:lnRef>
-          <a:fillRef idx="1">
-            <a:schemeClr val="accent1"/>
-          </a:fillRef>
-          <a:effectRef idx="0">
-            <a:schemeClr val="accent1"/>
-          </a:effectRef>
-          <a:fontRef idx="minor">
-            <a:schemeClr val="lt1"/>
-          </a:fontRef>
-        </p:style>
-        <p:txBody>
-          <a:bodyPr rtlCol="0" anchor="ctr"/>
-          <a:lstStyle/>
-          <a:p>
-            <a:pPr marL="0" marR="0" lvl="0" indent="0" algn="ctr" defTabSz="914400" rtl="0" eaLnBrk="1" fontAlgn="auto" latinLnBrk="1" hangingPunct="1">
-              <a:lnSpc>
-                <a:spcPct val="100000"/>
-              </a:lnSpc>
-              <a:spcBef>
-                <a:spcPts val="0"/>
-              </a:spcBef>
-              <a:spcAft>
-                <a:spcPts val="0"/>
-              </a:spcAft>
-              <a:buClrTx/>
-              <a:buSzTx/>
-              <a:buFontTx/>
-              <a:buNone/>
-              <a:tabLst/>
-              <a:defRPr/>
-            </a:pPr>
-            <a:r>
-              <a:rPr lang="ko-KR" altLang="en-US" noProof="0" dirty="0" err="1" smtClean="0">
-                <a:solidFill>
-                  <a:prstClr val="white"/>
-                </a:solidFill>
-                <a:latin typeface="Calibri" panose="020F0502020204030204"/>
-                <a:ea typeface="맑은 고딕" panose="020B0503020000020004" pitchFamily="50" charset="-127"/>
-              </a:rPr>
-              <a:t>중복확인</a:t>
-            </a:r>
-            <a:endParaRPr kumimoji="0" lang="en-US" altLang="ko-KR" sz="1800" b="0" i="0" u="none" strike="noStrike" kern="1200" cap="none" spc="0" normalizeH="0" baseline="0" noProof="0" dirty="0" smtClean="0">
-              <a:ln>
-                <a:noFill/>
-              </a:ln>
-              <a:solidFill>
-                <a:prstClr val="white"/>
-              </a:solidFill>
-              <a:effectLst/>
-              <a:uLnTx/>
-              <a:uFillTx/>
-              <a:latin typeface="Calibri" panose="020F0502020204030204"/>
-              <a:ea typeface="맑은 고딕" panose="020B0503020000020004" pitchFamily="50" charset="-127"/>
-              <a:cs typeface="+mn-cs"/>
-            </a:endParaRPr>
-          </a:p>
-        </p:txBody>
-      </p:sp>
-      <p:sp>
-        <p:nvSpPr>
-          <p:cNvPr id="38" name="직사각형 37"/>
-          <p:cNvSpPr/>
-          <p:nvPr/>
-        </p:nvSpPr>
-        <p:spPr>
-          <a:xfrm>
-            <a:off x="1026877" y="9049750"/>
-            <a:ext cx="4902201" cy="398383"/>
-          </a:xfrm>
-          <a:prstGeom prst="rect">
-            <a:avLst/>
-          </a:prstGeom>
-        </p:spPr>
-        <p:style>
-          <a:lnRef idx="2">
-            <a:schemeClr val="accent1">
-              <a:shade val="50000"/>
-            </a:schemeClr>
-          </a:lnRef>
-          <a:fillRef idx="1">
-            <a:schemeClr val="accent1"/>
-          </a:fillRef>
-          <a:effectRef idx="0">
-            <a:schemeClr val="accent1"/>
-          </a:effectRef>
-          <a:fontRef idx="minor">
-            <a:schemeClr val="lt1"/>
-          </a:fontRef>
-        </p:style>
-        <p:txBody>
-          <a:bodyPr rtlCol="0" anchor="ctr"/>
-          <a:lstStyle/>
-          <a:p>
-            <a:pPr marL="0" marR="0" lvl="0" indent="0" algn="ctr" defTabSz="914400" rtl="0" eaLnBrk="1" fontAlgn="auto" latinLnBrk="1" hangingPunct="1">
-              <a:lnSpc>
-                <a:spcPct val="100000"/>
-              </a:lnSpc>
-              <a:spcBef>
-                <a:spcPts val="0"/>
-              </a:spcBef>
-              <a:spcAft>
-                <a:spcPts val="0"/>
-              </a:spcAft>
-              <a:buClrTx/>
-              <a:buSzTx/>
-              <a:buFontTx/>
-              <a:buNone/>
-              <a:tabLst/>
-              <a:defRPr/>
-            </a:pPr>
-            <a:r>
-              <a:rPr lang="ko-KR" altLang="en-US" dirty="0" smtClean="0">
-                <a:solidFill>
-                  <a:prstClr val="white"/>
-                </a:solidFill>
-                <a:latin typeface="Calibri" panose="020F0502020204030204"/>
-                <a:ea typeface="맑은 고딕" panose="020B0503020000020004" pitchFamily="50" charset="-127"/>
-              </a:rPr>
-              <a:t>인증번호 입력</a:t>
-            </a:r>
-            <a:endParaRPr kumimoji="0" lang="en-US" altLang="ko-KR" sz="1800" b="0" i="0" u="none" strike="noStrike" kern="1200" cap="none" spc="0" normalizeH="0" baseline="0" noProof="0" dirty="0" smtClean="0">
-              <a:ln>
-                <a:noFill/>
-              </a:ln>
-              <a:solidFill>
-                <a:prstClr val="white"/>
-              </a:solidFill>
-              <a:effectLst/>
-              <a:uLnTx/>
-              <a:uFillTx/>
-              <a:latin typeface="Calibri" panose="020F0502020204030204"/>
-              <a:ea typeface="맑은 고딕" panose="020B0503020000020004" pitchFamily="50" charset="-127"/>
-              <a:cs typeface="+mn-cs"/>
-            </a:endParaRPr>
-          </a:p>
-        </p:txBody>
-      </p:sp>
-      <p:sp>
-        <p:nvSpPr>
-          <p:cNvPr id="40" name="TextBox 39"/>
-          <p:cNvSpPr txBox="1"/>
-          <p:nvPr/>
-        </p:nvSpPr>
-        <p:spPr>
-          <a:xfrm>
-            <a:off x="-2252092" y="6666376"/>
-            <a:ext cx="2351314" cy="369332"/>
-          </a:xfrm>
-          <a:prstGeom prst="rect">
-            <a:avLst/>
-          </a:prstGeom>
-          <a:noFill/>
-        </p:spPr>
-        <p:txBody>
-          <a:bodyPr wrap="square" rtlCol="0">
-            <a:spAutoFit/>
-          </a:bodyPr>
-          <a:lstStyle/>
-          <a:p>
-            <a:pPr marL="0" marR="0" lvl="0" indent="0" algn="l" defTabSz="914400" rtl="0" eaLnBrk="1" fontAlgn="auto" latinLnBrk="1" hangingPunct="1">
-              <a:lnSpc>
-                <a:spcPct val="100000"/>
-              </a:lnSpc>
-              <a:spcBef>
-                <a:spcPts val="0"/>
-              </a:spcBef>
-              <a:spcAft>
-                <a:spcPts val="0"/>
-              </a:spcAft>
-              <a:buClrTx/>
-              <a:buSzTx/>
-              <a:buFontTx/>
-              <a:buNone/>
-              <a:tabLst/>
-              <a:defRPr/>
-            </a:pPr>
-            <a:r>
-              <a:rPr lang="ko-KR" altLang="en-US" dirty="0" err="1" smtClean="0">
-                <a:solidFill>
-                  <a:prstClr val="black"/>
-                </a:solidFill>
-                <a:latin typeface="Calibri" panose="020F0502020204030204"/>
-                <a:ea typeface="맑은 고딕" panose="020B0503020000020004" pitchFamily="50" charset="-127"/>
-              </a:rPr>
-              <a:t>셀렉트박스</a:t>
-            </a:r>
-            <a:endParaRPr lang="en-US" altLang="ko-KR" dirty="0" smtClean="0">
-              <a:solidFill>
-                <a:prstClr val="black"/>
-              </a:solidFill>
-              <a:latin typeface="Calibri" panose="020F0502020204030204"/>
-              <a:ea typeface="맑은 고딕" panose="020B0503020000020004" pitchFamily="50" charset="-127"/>
-            </a:endParaRPr>
+            <a:r>
+              <a:rPr lang="en-US" altLang="ko-KR" dirty="0" smtClean="0"/>
+              <a:t>Place holder </a:t>
+            </a:r>
+            <a:r>
+              <a:rPr lang="ko-KR" altLang="en-US" dirty="0" smtClean="0"/>
+              <a:t>처리</a:t>
+            </a:r>
+            <a:endParaRPr lang="ko-KR" altLang="en-US" dirty="0"/>
           </a:p>
         </p:txBody>
       </p:sp>
       <p:cxnSp>
         <p:nvCxnSpPr>
-          <p:cNvPr id="41" name="직선 화살표 연결선 40"/>
+          <p:cNvPr id="16" name="직선 화살표 연결선 15"/>
           <p:cNvCxnSpPr/>
           <p:nvPr/>
         </p:nvCxnSpPr>
         <p:spPr>
           <a:xfrm flipH="1">
-            <a:off x="-992074" y="9312633"/>
-            <a:ext cx="1895024" cy="168034"/>
+            <a:off x="-943429" y="7108014"/>
+            <a:ext cx="2068287" cy="12573"/>
           </a:xfrm>
           <a:prstGeom prst="straightConnector1">
             <a:avLst/>
@@ -9158,14 +7736,14 @@
       </p:cxnSp>
       <p:sp>
         <p:nvSpPr>
-          <p:cNvPr id="43" name="TextBox 42"/>
+          <p:cNvPr id="19" name="TextBox 18"/>
           <p:cNvSpPr txBox="1"/>
           <p:nvPr/>
         </p:nvSpPr>
         <p:spPr>
           <a:xfrm>
-            <a:off x="-2920599" y="9296001"/>
-            <a:ext cx="2351314" cy="1200329"/>
+            <a:off x="-1774371" y="6923348"/>
+            <a:ext cx="990600" cy="369332"/>
           </a:xfrm>
           <a:prstGeom prst="rect">
             <a:avLst/>
@@ -9178,171 +7756,24 @@
           </a:bodyPr>
           <a:lstStyle/>
           <a:p>
-            <a:pPr marL="0" marR="0" lvl="0" indent="0" algn="l" defTabSz="914400" rtl="0" eaLnBrk="1" fontAlgn="auto" latinLnBrk="1" hangingPunct="1">
-              <a:lnSpc>
-                <a:spcPct val="100000"/>
-              </a:lnSpc>
-              <a:spcBef>
-                <a:spcPts val="0"/>
-              </a:spcBef>
-              <a:spcAft>
-                <a:spcPts val="0"/>
-              </a:spcAft>
-              <a:buClrTx/>
-              <a:buSzTx/>
-              <a:buFontTx/>
-              <a:buNone/>
-              <a:tabLst/>
-              <a:defRPr/>
-            </a:pPr>
-            <a:r>
-              <a:rPr lang="ko-KR" altLang="en-US" dirty="0" smtClean="0">
-                <a:solidFill>
-                  <a:prstClr val="black"/>
-                </a:solidFill>
-                <a:latin typeface="Calibri" panose="020F0502020204030204"/>
-                <a:ea typeface="맑은 고딕" panose="020B0503020000020004" pitchFamily="50" charset="-127"/>
-              </a:rPr>
-              <a:t>일반회원은 </a:t>
-            </a:r>
-            <a:r>
-              <a:rPr lang="ko-KR" altLang="en-US" dirty="0" err="1" smtClean="0">
-                <a:solidFill>
-                  <a:prstClr val="black"/>
-                </a:solidFill>
-                <a:latin typeface="Calibri" panose="020F0502020204030204"/>
-                <a:ea typeface="맑은 고딕" panose="020B0503020000020004" pitchFamily="50" charset="-127"/>
-              </a:rPr>
-              <a:t>난수</a:t>
-            </a:r>
-            <a:endParaRPr lang="en-US" altLang="ko-KR" dirty="0" smtClean="0">
-              <a:solidFill>
-                <a:prstClr val="black"/>
-              </a:solidFill>
-              <a:latin typeface="Calibri" panose="020F0502020204030204"/>
-              <a:ea typeface="맑은 고딕" panose="020B0503020000020004" pitchFamily="50" charset="-127"/>
-            </a:endParaRPr>
-          </a:p>
-          <a:p>
-            <a:pPr marL="0" marR="0" lvl="0" indent="0" algn="l" defTabSz="914400" rtl="0" eaLnBrk="1" fontAlgn="auto" latinLnBrk="1" hangingPunct="1">
-              <a:lnSpc>
-                <a:spcPct val="100000"/>
-              </a:lnSpc>
-              <a:spcBef>
-                <a:spcPts val="0"/>
-              </a:spcBef>
-              <a:spcAft>
-                <a:spcPts val="0"/>
-              </a:spcAft>
-              <a:buClrTx/>
-              <a:buSzTx/>
-              <a:buFontTx/>
-              <a:buNone/>
-              <a:tabLst/>
-              <a:defRPr/>
-            </a:pPr>
-            <a:r>
-              <a:rPr lang="ko-KR" altLang="en-US" dirty="0" smtClean="0">
-                <a:solidFill>
-                  <a:prstClr val="black"/>
-                </a:solidFill>
-                <a:latin typeface="Calibri" panose="020F0502020204030204"/>
-                <a:ea typeface="맑은 고딕" panose="020B0503020000020004" pitchFamily="50" charset="-127"/>
-              </a:rPr>
-              <a:t>지정한 문장 입력 시</a:t>
-            </a:r>
-            <a:endParaRPr lang="en-US" altLang="ko-KR" dirty="0" smtClean="0">
-              <a:solidFill>
-                <a:prstClr val="black"/>
-              </a:solidFill>
-              <a:latin typeface="Calibri" panose="020F0502020204030204"/>
-              <a:ea typeface="맑은 고딕" panose="020B0503020000020004" pitchFamily="50" charset="-127"/>
-            </a:endParaRPr>
-          </a:p>
-          <a:p>
-            <a:pPr marL="0" marR="0" lvl="0" indent="0" algn="l" defTabSz="914400" rtl="0" eaLnBrk="1" fontAlgn="auto" latinLnBrk="1" hangingPunct="1">
-              <a:lnSpc>
-                <a:spcPct val="100000"/>
-              </a:lnSpc>
-              <a:spcBef>
-                <a:spcPts val="0"/>
-              </a:spcBef>
-              <a:spcAft>
-                <a:spcPts val="0"/>
-              </a:spcAft>
-              <a:buClrTx/>
-              <a:buSzTx/>
-              <a:buFontTx/>
-              <a:buNone/>
-              <a:tabLst/>
-              <a:defRPr/>
-            </a:pPr>
-            <a:r>
-              <a:rPr lang="ko-KR" altLang="en-US" dirty="0" smtClean="0">
-                <a:solidFill>
-                  <a:prstClr val="black"/>
-                </a:solidFill>
-                <a:latin typeface="Calibri" panose="020F0502020204030204"/>
-                <a:ea typeface="맑은 고딕" panose="020B0503020000020004" pitchFamily="50" charset="-127"/>
-              </a:rPr>
-              <a:t>관리자 계정으로 </a:t>
-            </a:r>
-            <a:endParaRPr lang="en-US" altLang="ko-KR" dirty="0" smtClean="0">
-              <a:solidFill>
-                <a:prstClr val="black"/>
-              </a:solidFill>
-              <a:latin typeface="Calibri" panose="020F0502020204030204"/>
-              <a:ea typeface="맑은 고딕" panose="020B0503020000020004" pitchFamily="50" charset="-127"/>
-            </a:endParaRPr>
-          </a:p>
-          <a:p>
-            <a:pPr marL="0" marR="0" lvl="0" indent="0" algn="l" defTabSz="914400" rtl="0" eaLnBrk="1" fontAlgn="auto" latinLnBrk="1" hangingPunct="1">
-              <a:lnSpc>
-                <a:spcPct val="100000"/>
-              </a:lnSpc>
-              <a:spcBef>
-                <a:spcPts val="0"/>
-              </a:spcBef>
-              <a:spcAft>
-                <a:spcPts val="0"/>
-              </a:spcAft>
-              <a:buClrTx/>
-              <a:buSzTx/>
-              <a:buFontTx/>
-              <a:buNone/>
-              <a:tabLst/>
-              <a:defRPr/>
-            </a:pPr>
-            <a:r>
-              <a:rPr lang="ko-KR" altLang="en-US" dirty="0" smtClean="0">
-                <a:solidFill>
-                  <a:prstClr val="black"/>
-                </a:solidFill>
-                <a:latin typeface="Calibri" panose="020F0502020204030204"/>
-                <a:ea typeface="맑은 고딕" panose="020B0503020000020004" pitchFamily="50" charset="-127"/>
-              </a:rPr>
-              <a:t>회원가입</a:t>
-            </a:r>
-            <a:endParaRPr lang="en-US" altLang="ko-KR" dirty="0" smtClean="0">
-              <a:solidFill>
-                <a:prstClr val="black"/>
-              </a:solidFill>
-              <a:latin typeface="Calibri" panose="020F0502020204030204"/>
-              <a:ea typeface="맑은 고딕" panose="020B0503020000020004" pitchFamily="50" charset="-127"/>
-            </a:endParaRPr>
+            <a:r>
+              <a:rPr lang="ko-KR" altLang="en-US" dirty="0" err="1" smtClean="0"/>
+              <a:t>새창</a:t>
+            </a:r>
+            <a:endParaRPr lang="en-US" altLang="ko-KR" dirty="0" smtClean="0"/>
           </a:p>
         </p:txBody>
       </p:sp>
       <p:sp>
         <p:nvSpPr>
-          <p:cNvPr id="44" name="TextBox 43"/>
+          <p:cNvPr id="21" name="TextBox 20"/>
           <p:cNvSpPr txBox="1"/>
           <p:nvPr/>
         </p:nvSpPr>
         <p:spPr>
           <a:xfrm>
-            <a:off x="-3860800" y="3410857"/>
-            <a:ext cx="3425371" cy="646331"/>
+            <a:off x="-3468914" y="1799771"/>
+            <a:ext cx="2902857" cy="646331"/>
           </a:xfrm>
           <a:prstGeom prst="rect">
             <a:avLst/>
@@ -9356,69 +7787,27 @@
           <a:lstStyle/>
           <a:p>
             <a:r>
+              <a:rPr lang="ko-KR" altLang="en-US" dirty="0" smtClean="0"/>
+              <a:t>아이디 비번 </a:t>
+            </a:r>
+            <a:r>
               <a:rPr lang="ko-KR" altLang="en-US" dirty="0" err="1" smtClean="0"/>
-              <a:t>필수입력</a:t>
+              <a:t>미입력시</a:t>
             </a:r>
             <a:r>
               <a:rPr lang="ko-KR" altLang="en-US" dirty="0" smtClean="0"/>
               <a:t> </a:t>
             </a:r>
-            <a:r>
-              <a:rPr lang="ko-KR" altLang="en-US" dirty="0" err="1" smtClean="0"/>
-              <a:t>미기재시</a:t>
+            <a:endParaRPr lang="en-US" altLang="ko-KR" dirty="0" smtClean="0"/>
+          </a:p>
+          <a:p>
+            <a:r>
+              <a:rPr lang="en-US" altLang="ko-KR" dirty="0" smtClean="0"/>
+              <a:t>span</a:t>
             </a:r>
             <a:r>
               <a:rPr lang="ko-KR" altLang="en-US" dirty="0" smtClean="0"/>
-              <a:t> </a:t>
-            </a:r>
-            <a:endParaRPr lang="en-US" altLang="ko-KR" dirty="0" smtClean="0"/>
-          </a:p>
-          <a:p>
-            <a:r>
-              <a:rPr lang="en-US" altLang="ko-KR" dirty="0" smtClean="0"/>
-              <a:t>span </a:t>
-            </a:r>
-            <a:r>
-              <a:rPr lang="ko-KR" altLang="en-US" dirty="0" smtClean="0"/>
-              <a:t>활용해서 오류 처리</a:t>
-            </a:r>
-            <a:endParaRPr lang="ko-KR" altLang="en-US" dirty="0"/>
-          </a:p>
-        </p:txBody>
-      </p:sp>
-      <p:sp>
-        <p:nvSpPr>
-          <p:cNvPr id="45" name="TextBox 44"/>
-          <p:cNvSpPr txBox="1"/>
-          <p:nvPr/>
-        </p:nvSpPr>
-        <p:spPr>
-          <a:xfrm>
-            <a:off x="7242629" y="8375042"/>
-            <a:ext cx="4267200" cy="646331"/>
-          </a:xfrm>
-          <a:prstGeom prst="rect">
-            <a:avLst/>
-          </a:prstGeom>
-          <a:noFill/>
-        </p:spPr>
-        <p:txBody>
-          <a:bodyPr wrap="square" rtlCol="0">
-            <a:spAutoFit/>
-          </a:bodyPr>
-          <a:lstStyle/>
-          <a:p>
-            <a:r>
-              <a:rPr lang="ko-KR" altLang="en-US" dirty="0" smtClean="0"/>
-              <a:t>이메일로 </a:t>
-            </a:r>
-            <a:r>
-              <a:rPr lang="ko-KR" altLang="en-US" dirty="0" err="1" smtClean="0"/>
-              <a:t>난수</a:t>
-            </a:r>
-            <a:r>
-              <a:rPr lang="ko-KR" altLang="en-US" dirty="0" smtClean="0"/>
-              <a:t> 보낸 후 인증번호 재확인 후 가입 처리</a:t>
+              <a:t>을 활용해서 오류 처리</a:t>
             </a:r>
             <a:endParaRPr lang="ko-KR" altLang="en-US" dirty="0"/>
           </a:p>
@@ -9426,7 +7815,7 @@
       </p:sp>
       <p:pic>
         <p:nvPicPr>
-          <p:cNvPr id="39" name="그림 38"/>
+          <p:cNvPr id="14" name="그림 13"/>
           <p:cNvPicPr>
             <a:picLocks noChangeAspect="1"/>
           </p:cNvPicPr>
@@ -9450,7 +7839,7 @@
       </p:pic>
       <p:pic>
         <p:nvPicPr>
-          <p:cNvPr id="42" name="그림 41"/>
+          <p:cNvPr id="17" name="그림 16"/>
           <p:cNvPicPr>
             <a:picLocks noChangeAspect="1"/>
           </p:cNvPicPr>
@@ -9475,7 +7864,7 @@
     </p:spTree>
     <p:extLst>
       <p:ext uri="{BB962C8B-B14F-4D97-AF65-F5344CB8AC3E}">
-        <p14:creationId xmlns:p14="http://schemas.microsoft.com/office/powerpoint/2010/main" val="3776266914"/>
+        <p14:creationId xmlns:p14="http://schemas.microsoft.com/office/powerpoint/2010/main" val="235679311"/>
       </p:ext>
     </p:extLst>
   </p:cSld>
@@ -9555,12 +7944,54 @@
           </a:bodyPr>
           <a:lstStyle/>
           <a:p>
-            <a:pPr algn="ctr"/>
-            <a:r>
-              <a:rPr lang="en-US" altLang="ko-KR" dirty="0"/>
+            <a:pPr marL="0" marR="0" lvl="0" indent="0" algn="ctr" defTabSz="914400" rtl="0" eaLnBrk="1" fontAlgn="auto" latinLnBrk="1" hangingPunct="1">
+              <a:lnSpc>
+                <a:spcPct val="100000"/>
+              </a:lnSpc>
+              <a:spcBef>
+                <a:spcPts val="0"/>
+              </a:spcBef>
+              <a:spcAft>
+                <a:spcPts val="0"/>
+              </a:spcAft>
+              <a:buClrTx/>
+              <a:buSzTx/>
+              <a:buFontTx/>
+              <a:buNone/>
+              <a:tabLst/>
+              <a:defRPr/>
+            </a:pPr>
+            <a:r>
+              <a:rPr kumimoji="0" lang="en-US" altLang="ko-KR" sz="1800" b="0" i="0" u="none" strike="noStrike" kern="1200" cap="none" spc="0" normalizeH="0" baseline="0" noProof="0" dirty="0">
+                <a:ln>
+                  <a:noFill/>
+                </a:ln>
+                <a:solidFill>
+                  <a:prstClr val="white"/>
+                </a:solidFill>
+                <a:effectLst/>
+                <a:uLnTx/>
+                <a:uFillTx/>
+                <a:latin typeface="Calibri" panose="020F0502020204030204"/>
+                <a:ea typeface="맑은 고딕" panose="020B0503020000020004" pitchFamily="50" charset="-127"/>
+                <a:cs typeface="+mn-cs"/>
+              </a:rPr>
               <a:t>footer</a:t>
             </a:r>
-            <a:endParaRPr lang="ko-KR" altLang="en-US" dirty="0"/>
+            <a:endParaRPr kumimoji="0" lang="ko-KR" altLang="en-US" sz="1800" b="0" i="0" u="none" strike="noStrike" kern="1200" cap="none" spc="0" normalizeH="0" baseline="0" noProof="0" dirty="0">
+              <a:ln>
+                <a:noFill/>
+              </a:ln>
+              <a:solidFill>
+                <a:prstClr val="white"/>
+              </a:solidFill>
+              <a:effectLst/>
+              <a:uLnTx/>
+              <a:uFillTx/>
+              <a:latin typeface="Calibri" panose="020F0502020204030204"/>
+              <a:ea typeface="맑은 고딕" panose="020B0503020000020004" pitchFamily="50" charset="-127"/>
+              <a:cs typeface="+mn-cs"/>
+            </a:endParaRPr>
           </a:p>
         </p:txBody>
       </p:sp>
@@ -9610,8 +8041,37 @@
           </a:bodyPr>
           <a:lstStyle/>
           <a:p>
-            <a:pPr algn="ctr"/>
-            <a:endParaRPr lang="ko-KR" altLang="en-US" sz="1500" dirty="0"/>
+            <a:pPr marL="0" marR="0" lvl="0" indent="0" algn="ctr" defTabSz="914400" rtl="0" eaLnBrk="1" fontAlgn="auto" latinLnBrk="1" hangingPunct="1">
+              <a:lnSpc>
+                <a:spcPct val="100000"/>
+              </a:lnSpc>
+              <a:spcBef>
+                <a:spcPts val="0"/>
+              </a:spcBef>
+              <a:spcAft>
+                <a:spcPts val="0"/>
+              </a:spcAft>
+              <a:buClrTx/>
+              <a:buSzTx/>
+              <a:buFontTx/>
+              <a:buNone/>
+              <a:tabLst/>
+              <a:defRPr/>
+            </a:pPr>
+            <a:endParaRPr kumimoji="0" lang="ko-KR" altLang="en-US" sz="1500" b="0" i="0" u="none" strike="noStrike" kern="1200" cap="none" spc="0" normalizeH="0" baseline="0" noProof="0" dirty="0">
+              <a:ln>
+                <a:noFill/>
+              </a:ln>
+              <a:solidFill>
+                <a:prstClr val="white"/>
+              </a:solidFill>
+              <a:effectLst/>
+              <a:uLnTx/>
+              <a:uFillTx/>
+              <a:latin typeface="Calibri" panose="020F0502020204030204"/>
+              <a:ea typeface="맑은 고딕" panose="020B0503020000020004" pitchFamily="50" charset="-127"/>
+              <a:cs typeface="+mn-cs"/>
+            </a:endParaRPr>
           </a:p>
         </p:txBody>
       </p:sp>
@@ -9623,7 +8083,7 @@
         </p:nvSpPr>
         <p:spPr>
           <a:xfrm>
-            <a:off x="1930400" y="4049486"/>
+            <a:off x="740229" y="2748329"/>
             <a:ext cx="2351314" cy="369332"/>
           </a:xfrm>
           <a:prstGeom prst="rect">
@@ -9637,11 +8097,40 @@
           </a:bodyPr>
           <a:lstStyle/>
           <a:p>
-            <a:r>
-              <a:rPr lang="ko-KR" altLang="en-US" dirty="0" smtClean="0"/>
-              <a:t>이름</a:t>
-            </a:r>
-            <a:endParaRPr lang="ko-KR" altLang="en-US" dirty="0"/>
+            <a:pPr marL="0" marR="0" lvl="0" indent="0" algn="l" defTabSz="914400" rtl="0" eaLnBrk="1" fontAlgn="auto" latinLnBrk="1" hangingPunct="1">
+              <a:lnSpc>
+                <a:spcPct val="100000"/>
+              </a:lnSpc>
+              <a:spcBef>
+                <a:spcPts val="0"/>
+              </a:spcBef>
+              <a:spcAft>
+                <a:spcPts val="0"/>
+              </a:spcAft>
+              <a:buClrTx/>
+              <a:buSzTx/>
+              <a:buFontTx/>
+              <a:buNone/>
+              <a:tabLst/>
+              <a:defRPr/>
+            </a:pPr>
+            <a:r>
+              <a:rPr kumimoji="0" lang="ko-KR" altLang="en-US" sz="1800" b="0" i="0" u="none" strike="noStrike" kern="1200" cap="none" spc="0" normalizeH="0" baseline="0" noProof="0" dirty="0" smtClean="0">
+                <a:ln>
+                  <a:noFill/>
+                </a:ln>
+                <a:solidFill>
+                  <a:prstClr val="black"/>
+                </a:solidFill>
+                <a:effectLst/>
+                <a:uLnTx/>
+                <a:uFillTx/>
+                <a:latin typeface="Calibri" panose="020F0502020204030204"/>
+                <a:ea typeface="맑은 고딕" panose="020B0503020000020004" pitchFamily="50" charset="-127"/>
+                <a:cs typeface="+mn-cs"/>
+              </a:rPr>
+              <a:t>아이디</a:t>
+            </a:r>
           </a:p>
         </p:txBody>
       </p:sp>
@@ -9653,7 +8142,7 @@
         </p:nvSpPr>
         <p:spPr>
           <a:xfrm>
-            <a:off x="1908630" y="5681557"/>
+            <a:off x="740229" y="3671250"/>
             <a:ext cx="2351314" cy="369332"/>
           </a:xfrm>
           <a:prstGeom prst="rect">
@@ -9667,11 +8156,54 @@
           </a:bodyPr>
           <a:lstStyle/>
           <a:p>
-            <a:r>
-              <a:rPr lang="ko-KR" altLang="en-US" dirty="0" smtClean="0"/>
-              <a:t>인증번호 입력</a:t>
-            </a:r>
-            <a:endParaRPr lang="en-US" altLang="ko-KR" dirty="0" smtClean="0"/>
+            <a:pPr marL="0" marR="0" lvl="0" indent="0" algn="l" defTabSz="914400" rtl="0" eaLnBrk="1" fontAlgn="auto" latinLnBrk="1" hangingPunct="1">
+              <a:lnSpc>
+                <a:spcPct val="100000"/>
+              </a:lnSpc>
+              <a:spcBef>
+                <a:spcPts val="0"/>
+              </a:spcBef>
+              <a:spcAft>
+                <a:spcPts val="0"/>
+              </a:spcAft>
+              <a:buClrTx/>
+              <a:buSzTx/>
+              <a:buFontTx/>
+              <a:buNone/>
+              <a:tabLst/>
+              <a:defRPr/>
+            </a:pPr>
+            <a:r>
+              <a:rPr kumimoji="0" lang="ko-KR" altLang="en-US" sz="1800" b="0" i="0" u="none" strike="noStrike" kern="1200" cap="none" spc="0" normalizeH="0" baseline="0" noProof="0" dirty="0" smtClean="0">
+                <a:ln>
+                  <a:noFill/>
+                </a:ln>
+                <a:solidFill>
+                  <a:prstClr val="black"/>
+                </a:solidFill>
+                <a:effectLst/>
+                <a:uLnTx/>
+                <a:uFillTx/>
+                <a:latin typeface="Calibri" panose="020F0502020204030204"/>
+                <a:ea typeface="맑은 고딕" panose="020B0503020000020004" pitchFamily="50" charset="-127"/>
+                <a:cs typeface="+mn-cs"/>
+              </a:rPr>
+              <a:t>비밀번호</a:t>
+            </a:r>
+            <a:endParaRPr kumimoji="0" lang="en-US" altLang="ko-KR" sz="1800" b="0" i="0" u="none" strike="noStrike" kern="1200" cap="none" spc="0" normalizeH="0" baseline="0" noProof="0" dirty="0" smtClean="0">
+              <a:ln>
+                <a:noFill/>
+              </a:ln>
+              <a:solidFill>
+                <a:prstClr val="black"/>
+              </a:solidFill>
+              <a:effectLst/>
+              <a:uLnTx/>
+              <a:uFillTx/>
+              <a:latin typeface="Calibri" panose="020F0502020204030204"/>
+              <a:ea typeface="맑은 고딕" panose="020B0503020000020004" pitchFamily="50" charset="-127"/>
+              <a:cs typeface="+mn-cs"/>
+            </a:endParaRPr>
           </a:p>
         </p:txBody>
       </p:sp>
@@ -9683,8 +8215,8 @@
         </p:nvSpPr>
         <p:spPr>
           <a:xfrm>
-            <a:off x="4064000" y="4821119"/>
-            <a:ext cx="2394858" cy="482731"/>
+            <a:off x="2144485" y="9899119"/>
+            <a:ext cx="2569029" cy="602945"/>
           </a:xfrm>
           <a:prstGeom prst="rect">
             <a:avLst/>
@@ -9710,25 +8242,1207 @@
           <a:bodyPr rtlCol="0" anchor="ctr"/>
           <a:lstStyle/>
           <a:p>
+            <a:pPr marL="0" marR="0" lvl="0" indent="0" algn="ctr" defTabSz="914400" rtl="0" eaLnBrk="1" fontAlgn="auto" latinLnBrk="1" hangingPunct="1">
+              <a:lnSpc>
+                <a:spcPct val="100000"/>
+              </a:lnSpc>
+              <a:spcBef>
+                <a:spcPts val="0"/>
+              </a:spcBef>
+              <a:spcAft>
+                <a:spcPts val="0"/>
+              </a:spcAft>
+              <a:buClrTx/>
+              <a:buSzTx/>
+              <a:buFontTx/>
+              <a:buNone/>
+              <a:tabLst/>
+              <a:defRPr/>
+            </a:pPr>
+            <a:r>
+              <a:rPr kumimoji="0" lang="ko-KR" altLang="en-US" sz="1800" b="0" i="0" u="none" strike="noStrike" kern="1200" cap="none" spc="0" normalizeH="0" baseline="0" noProof="0" dirty="0" smtClean="0">
+                <a:ln>
+                  <a:noFill/>
+                </a:ln>
+                <a:solidFill>
+                  <a:prstClr val="white"/>
+                </a:solidFill>
+                <a:effectLst/>
+                <a:uLnTx/>
+                <a:uFillTx/>
+                <a:latin typeface="Calibri" panose="020F0502020204030204"/>
+                <a:ea typeface="맑은 고딕" panose="020B0503020000020004" pitchFamily="50" charset="-127"/>
+                <a:cs typeface="+mn-cs"/>
+              </a:rPr>
+              <a:t>가입하기</a:t>
+            </a:r>
+            <a:endParaRPr kumimoji="0" lang="en-US" altLang="ko-KR" sz="1800" b="0" i="0" u="none" strike="noStrike" kern="1200" cap="none" spc="0" normalizeH="0" baseline="0" noProof="0" dirty="0" smtClean="0">
+              <a:ln>
+                <a:noFill/>
+              </a:ln>
+              <a:solidFill>
+                <a:prstClr val="white"/>
+              </a:solidFill>
+              <a:effectLst/>
+              <a:uLnTx/>
+              <a:uFillTx/>
+              <a:latin typeface="Calibri" panose="020F0502020204030204"/>
+              <a:ea typeface="맑은 고딕" panose="020B0503020000020004" pitchFamily="50" charset="-127"/>
+              <a:cs typeface="+mn-cs"/>
+            </a:endParaRPr>
+          </a:p>
+        </p:txBody>
+      </p:sp>
+      <p:sp>
+        <p:nvSpPr>
+          <p:cNvPr id="14" name="TextBox 13"/>
+          <p:cNvSpPr txBox="1"/>
+          <p:nvPr/>
+        </p:nvSpPr>
+        <p:spPr>
+          <a:xfrm>
+            <a:off x="740229" y="8014403"/>
+            <a:ext cx="2351314" cy="369332"/>
+          </a:xfrm>
+          <a:prstGeom prst="rect">
+            <a:avLst/>
+          </a:prstGeom>
+          <a:noFill/>
+        </p:spPr>
+        <p:txBody>
+          <a:bodyPr wrap="square" rtlCol="0">
+            <a:spAutoFit/>
+          </a:bodyPr>
+          <a:lstStyle/>
+          <a:p>
+            <a:pPr marL="0" marR="0" lvl="0" indent="0" algn="l" defTabSz="914400" rtl="0" eaLnBrk="1" fontAlgn="auto" latinLnBrk="1" hangingPunct="1">
+              <a:lnSpc>
+                <a:spcPct val="100000"/>
+              </a:lnSpc>
+              <a:spcBef>
+                <a:spcPts val="0"/>
+              </a:spcBef>
+              <a:spcAft>
+                <a:spcPts val="0"/>
+              </a:spcAft>
+              <a:buClrTx/>
+              <a:buSzTx/>
+              <a:buFontTx/>
+              <a:buNone/>
+              <a:tabLst/>
+              <a:defRPr/>
+            </a:pPr>
+            <a:r>
+              <a:rPr kumimoji="0" lang="ko-KR" altLang="en-US" sz="1800" b="0" i="0" u="none" strike="noStrike" kern="1200" cap="none" spc="0" normalizeH="0" baseline="0" noProof="0" dirty="0" smtClean="0">
+                <a:ln>
+                  <a:noFill/>
+                </a:ln>
+                <a:solidFill>
+                  <a:prstClr val="black"/>
+                </a:solidFill>
+                <a:effectLst/>
+                <a:uLnTx/>
+                <a:uFillTx/>
+                <a:latin typeface="Calibri" panose="020F0502020204030204"/>
+                <a:ea typeface="맑은 고딕" panose="020B0503020000020004" pitchFamily="50" charset="-127"/>
+                <a:cs typeface="+mn-cs"/>
+              </a:rPr>
+              <a:t>이메일</a:t>
+            </a:r>
+            <a:endParaRPr kumimoji="0" lang="en-US" altLang="ko-KR" sz="1800" b="0" i="0" u="none" strike="noStrike" kern="1200" cap="none" spc="0" normalizeH="0" baseline="0" noProof="0" dirty="0" smtClean="0">
+              <a:ln>
+                <a:noFill/>
+              </a:ln>
+              <a:solidFill>
+                <a:prstClr val="black"/>
+              </a:solidFill>
+              <a:effectLst/>
+              <a:uLnTx/>
+              <a:uFillTx/>
+              <a:latin typeface="Calibri" panose="020F0502020204030204"/>
+              <a:ea typeface="맑은 고딕" panose="020B0503020000020004" pitchFamily="50" charset="-127"/>
+              <a:cs typeface="+mn-cs"/>
+            </a:endParaRPr>
+          </a:p>
+        </p:txBody>
+      </p:sp>
+      <p:sp>
+        <p:nvSpPr>
+          <p:cNvPr id="17" name="TextBox 16"/>
+          <p:cNvSpPr txBox="1"/>
+          <p:nvPr/>
+        </p:nvSpPr>
+        <p:spPr>
+          <a:xfrm>
+            <a:off x="740229" y="4690866"/>
+            <a:ext cx="2351314" cy="369332"/>
+          </a:xfrm>
+          <a:prstGeom prst="rect">
+            <a:avLst/>
+          </a:prstGeom>
+          <a:noFill/>
+        </p:spPr>
+        <p:txBody>
+          <a:bodyPr wrap="square" rtlCol="0">
+            <a:spAutoFit/>
+          </a:bodyPr>
+          <a:lstStyle/>
+          <a:p>
+            <a:pPr marL="0" marR="0" lvl="0" indent="0" algn="l" defTabSz="914400" rtl="0" eaLnBrk="1" fontAlgn="auto" latinLnBrk="1" hangingPunct="1">
+              <a:lnSpc>
+                <a:spcPct val="100000"/>
+              </a:lnSpc>
+              <a:spcBef>
+                <a:spcPts val="0"/>
+              </a:spcBef>
+              <a:spcAft>
+                <a:spcPts val="0"/>
+              </a:spcAft>
+              <a:buClrTx/>
+              <a:buSzTx/>
+              <a:buFontTx/>
+              <a:buNone/>
+              <a:tabLst/>
+              <a:defRPr/>
+            </a:pPr>
+            <a:r>
+              <a:rPr kumimoji="0" lang="ko-KR" altLang="en-US" sz="1800" b="0" i="0" u="none" strike="noStrike" kern="1200" cap="none" spc="0" normalizeH="0" baseline="0" noProof="0" dirty="0" smtClean="0">
+                <a:ln>
+                  <a:noFill/>
+                </a:ln>
+                <a:solidFill>
+                  <a:prstClr val="black"/>
+                </a:solidFill>
+                <a:effectLst/>
+                <a:uLnTx/>
+                <a:uFillTx/>
+                <a:latin typeface="Calibri" panose="020F0502020204030204"/>
+                <a:ea typeface="맑은 고딕" panose="020B0503020000020004" pitchFamily="50" charset="-127"/>
+                <a:cs typeface="+mn-cs"/>
+              </a:rPr>
+              <a:t>비밀번호 재확인</a:t>
+            </a:r>
+            <a:endParaRPr kumimoji="0" lang="en-US" altLang="ko-KR" sz="1800" b="0" i="0" u="none" strike="noStrike" kern="1200" cap="none" spc="0" normalizeH="0" baseline="0" noProof="0" dirty="0" smtClean="0">
+              <a:ln>
+                <a:noFill/>
+              </a:ln>
+              <a:solidFill>
+                <a:prstClr val="black"/>
+              </a:solidFill>
+              <a:effectLst/>
+              <a:uLnTx/>
+              <a:uFillTx/>
+              <a:latin typeface="Calibri" panose="020F0502020204030204"/>
+              <a:ea typeface="맑은 고딕" panose="020B0503020000020004" pitchFamily="50" charset="-127"/>
+              <a:cs typeface="+mn-cs"/>
+            </a:endParaRPr>
+          </a:p>
+        </p:txBody>
+      </p:sp>
+      <p:sp>
+        <p:nvSpPr>
+          <p:cNvPr id="18" name="TextBox 17"/>
+          <p:cNvSpPr txBox="1"/>
+          <p:nvPr/>
+        </p:nvSpPr>
+        <p:spPr>
+          <a:xfrm>
+            <a:off x="740229" y="5555966"/>
+            <a:ext cx="2351314" cy="369332"/>
+          </a:xfrm>
+          <a:prstGeom prst="rect">
+            <a:avLst/>
+          </a:prstGeom>
+          <a:noFill/>
+        </p:spPr>
+        <p:txBody>
+          <a:bodyPr wrap="square" rtlCol="0">
+            <a:spAutoFit/>
+          </a:bodyPr>
+          <a:lstStyle/>
+          <a:p>
+            <a:pPr marL="0" marR="0" lvl="0" indent="0" algn="l" defTabSz="914400" rtl="0" eaLnBrk="1" fontAlgn="auto" latinLnBrk="1" hangingPunct="1">
+              <a:lnSpc>
+                <a:spcPct val="100000"/>
+              </a:lnSpc>
+              <a:spcBef>
+                <a:spcPts val="0"/>
+              </a:spcBef>
+              <a:spcAft>
+                <a:spcPts val="0"/>
+              </a:spcAft>
+              <a:buClrTx/>
+              <a:buSzTx/>
+              <a:buFontTx/>
+              <a:buNone/>
+              <a:tabLst/>
+              <a:defRPr/>
+            </a:pPr>
+            <a:r>
+              <a:rPr kumimoji="0" lang="ko-KR" altLang="en-US" sz="1800" b="0" i="0" u="none" strike="noStrike" kern="1200" cap="none" spc="0" normalizeH="0" baseline="0" noProof="0" dirty="0" smtClean="0">
+                <a:ln>
+                  <a:noFill/>
+                </a:ln>
+                <a:solidFill>
+                  <a:prstClr val="black"/>
+                </a:solidFill>
+                <a:effectLst/>
+                <a:uLnTx/>
+                <a:uFillTx/>
+                <a:latin typeface="Calibri" panose="020F0502020204030204"/>
+                <a:ea typeface="맑은 고딕" panose="020B0503020000020004" pitchFamily="50" charset="-127"/>
+                <a:cs typeface="+mn-cs"/>
+              </a:rPr>
+              <a:t>이름</a:t>
+            </a:r>
+            <a:endParaRPr kumimoji="0" lang="en-US" altLang="ko-KR" sz="1800" b="0" i="0" u="none" strike="noStrike" kern="1200" cap="none" spc="0" normalizeH="0" baseline="0" noProof="0" dirty="0" smtClean="0">
+              <a:ln>
+                <a:noFill/>
+              </a:ln>
+              <a:solidFill>
+                <a:prstClr val="black"/>
+              </a:solidFill>
+              <a:effectLst/>
+              <a:uLnTx/>
+              <a:uFillTx/>
+              <a:latin typeface="Calibri" panose="020F0502020204030204"/>
+              <a:ea typeface="맑은 고딕" panose="020B0503020000020004" pitchFamily="50" charset="-127"/>
+              <a:cs typeface="+mn-cs"/>
+            </a:endParaRPr>
+          </a:p>
+        </p:txBody>
+      </p:sp>
+      <p:sp>
+        <p:nvSpPr>
+          <p:cNvPr id="20" name="TextBox 19"/>
+          <p:cNvSpPr txBox="1"/>
+          <p:nvPr/>
+        </p:nvSpPr>
+        <p:spPr>
+          <a:xfrm>
+            <a:off x="740229" y="6395837"/>
+            <a:ext cx="2351314" cy="369332"/>
+          </a:xfrm>
+          <a:prstGeom prst="rect">
+            <a:avLst/>
+          </a:prstGeom>
+          <a:noFill/>
+        </p:spPr>
+        <p:txBody>
+          <a:bodyPr wrap="square" rtlCol="0">
+            <a:spAutoFit/>
+          </a:bodyPr>
+          <a:lstStyle/>
+          <a:p>
+            <a:pPr marL="0" marR="0" lvl="0" indent="0" algn="l" defTabSz="914400" rtl="0" eaLnBrk="1" fontAlgn="auto" latinLnBrk="1" hangingPunct="1">
+              <a:lnSpc>
+                <a:spcPct val="100000"/>
+              </a:lnSpc>
+              <a:spcBef>
+                <a:spcPts val="0"/>
+              </a:spcBef>
+              <a:spcAft>
+                <a:spcPts val="0"/>
+              </a:spcAft>
+              <a:buClrTx/>
+              <a:buSzTx/>
+              <a:buFontTx/>
+              <a:buNone/>
+              <a:tabLst/>
+              <a:defRPr/>
+            </a:pPr>
+            <a:r>
+              <a:rPr kumimoji="0" lang="ko-KR" altLang="en-US" sz="1800" b="0" i="0" u="none" strike="noStrike" kern="1200" cap="none" spc="0" normalizeH="0" baseline="0" noProof="0" dirty="0" smtClean="0">
+                <a:ln>
+                  <a:noFill/>
+                </a:ln>
+                <a:solidFill>
+                  <a:prstClr val="black"/>
+                </a:solidFill>
+                <a:effectLst/>
+                <a:uLnTx/>
+                <a:uFillTx/>
+                <a:latin typeface="Calibri" panose="020F0502020204030204"/>
+                <a:ea typeface="맑은 고딕" panose="020B0503020000020004" pitchFamily="50" charset="-127"/>
+                <a:cs typeface="+mn-cs"/>
+              </a:rPr>
+              <a:t>생년월일</a:t>
+            </a:r>
+            <a:endParaRPr kumimoji="0" lang="en-US" altLang="ko-KR" sz="1800" b="0" i="0" u="none" strike="noStrike" kern="1200" cap="none" spc="0" normalizeH="0" baseline="0" noProof="0" dirty="0" smtClean="0">
+              <a:ln>
+                <a:noFill/>
+              </a:ln>
+              <a:solidFill>
+                <a:prstClr val="black"/>
+              </a:solidFill>
+              <a:effectLst/>
+              <a:uLnTx/>
+              <a:uFillTx/>
+              <a:latin typeface="Calibri" panose="020F0502020204030204"/>
+              <a:ea typeface="맑은 고딕" panose="020B0503020000020004" pitchFamily="50" charset="-127"/>
+              <a:cs typeface="+mn-cs"/>
+            </a:endParaRPr>
+          </a:p>
+        </p:txBody>
+      </p:sp>
+      <p:sp>
+        <p:nvSpPr>
+          <p:cNvPr id="21" name="TextBox 20"/>
+          <p:cNvSpPr txBox="1"/>
+          <p:nvPr/>
+        </p:nvSpPr>
+        <p:spPr>
+          <a:xfrm>
+            <a:off x="740229" y="7205120"/>
+            <a:ext cx="2351314" cy="369332"/>
+          </a:xfrm>
+          <a:prstGeom prst="rect">
+            <a:avLst/>
+          </a:prstGeom>
+          <a:noFill/>
+        </p:spPr>
+        <p:txBody>
+          <a:bodyPr wrap="square" rtlCol="0">
+            <a:spAutoFit/>
+          </a:bodyPr>
+          <a:lstStyle/>
+          <a:p>
+            <a:pPr marL="0" marR="0" lvl="0" indent="0" algn="l" defTabSz="914400" rtl="0" eaLnBrk="1" fontAlgn="auto" latinLnBrk="1" hangingPunct="1">
+              <a:lnSpc>
+                <a:spcPct val="100000"/>
+              </a:lnSpc>
+              <a:spcBef>
+                <a:spcPts val="0"/>
+              </a:spcBef>
+              <a:spcAft>
+                <a:spcPts val="0"/>
+              </a:spcAft>
+              <a:buClrTx/>
+              <a:buSzTx/>
+              <a:buFontTx/>
+              <a:buNone/>
+              <a:tabLst/>
+              <a:defRPr/>
+            </a:pPr>
+            <a:r>
+              <a:rPr kumimoji="0" lang="ko-KR" altLang="en-US" sz="1800" b="0" i="0" u="none" strike="noStrike" kern="1200" cap="none" spc="0" normalizeH="0" baseline="0" noProof="0" dirty="0" smtClean="0">
+                <a:ln>
+                  <a:noFill/>
+                </a:ln>
+                <a:solidFill>
+                  <a:prstClr val="black"/>
+                </a:solidFill>
+                <a:effectLst/>
+                <a:uLnTx/>
+                <a:uFillTx/>
+                <a:latin typeface="Calibri" panose="020F0502020204030204"/>
+                <a:ea typeface="맑은 고딕" panose="020B0503020000020004" pitchFamily="50" charset="-127"/>
+                <a:cs typeface="+mn-cs"/>
+              </a:rPr>
+              <a:t>성별</a:t>
+            </a:r>
+            <a:endParaRPr kumimoji="0" lang="en-US" altLang="ko-KR" sz="1800" b="0" i="0" u="none" strike="noStrike" kern="1200" cap="none" spc="0" normalizeH="0" baseline="0" noProof="0" dirty="0" smtClean="0">
+              <a:ln>
+                <a:noFill/>
+              </a:ln>
+              <a:solidFill>
+                <a:prstClr val="black"/>
+              </a:solidFill>
+              <a:effectLst/>
+              <a:uLnTx/>
+              <a:uFillTx/>
+              <a:latin typeface="Calibri" panose="020F0502020204030204"/>
+              <a:ea typeface="맑은 고딕" panose="020B0503020000020004" pitchFamily="50" charset="-127"/>
+              <a:cs typeface="+mn-cs"/>
+            </a:endParaRPr>
+          </a:p>
+        </p:txBody>
+      </p:sp>
+      <p:sp>
+        <p:nvSpPr>
+          <p:cNvPr id="23" name="직사각형 22"/>
+          <p:cNvSpPr/>
+          <p:nvPr/>
+        </p:nvSpPr>
+        <p:spPr>
+          <a:xfrm>
+            <a:off x="1035952" y="3213596"/>
+            <a:ext cx="3427189" cy="398383"/>
+          </a:xfrm>
+          <a:prstGeom prst="rect">
+            <a:avLst/>
+          </a:prstGeom>
+        </p:spPr>
+        <p:style>
+          <a:lnRef idx="2">
+            <a:schemeClr val="accent1">
+              <a:shade val="50000"/>
+            </a:schemeClr>
+          </a:lnRef>
+          <a:fillRef idx="1">
+            <a:schemeClr val="accent1"/>
+          </a:fillRef>
+          <a:effectRef idx="0">
+            <a:schemeClr val="accent1"/>
+          </a:effectRef>
+          <a:fontRef idx="minor">
+            <a:schemeClr val="lt1"/>
+          </a:fontRef>
+        </p:style>
+        <p:txBody>
+          <a:bodyPr rtlCol="0" anchor="ctr"/>
+          <a:lstStyle/>
+          <a:p>
+            <a:pPr marL="0" marR="0" lvl="0" indent="0" algn="ctr" defTabSz="914400" rtl="0" eaLnBrk="1" fontAlgn="auto" latinLnBrk="1" hangingPunct="1">
+              <a:lnSpc>
+                <a:spcPct val="100000"/>
+              </a:lnSpc>
+              <a:spcBef>
+                <a:spcPts val="0"/>
+              </a:spcBef>
+              <a:spcAft>
+                <a:spcPts val="0"/>
+              </a:spcAft>
+              <a:buClrTx/>
+              <a:buSzTx/>
+              <a:buFontTx/>
+              <a:buNone/>
+              <a:tabLst/>
+              <a:defRPr/>
+            </a:pPr>
+            <a:r>
+              <a:rPr lang="ko-KR" altLang="en-US" dirty="0" smtClean="0">
+                <a:solidFill>
+                  <a:prstClr val="white"/>
+                </a:solidFill>
+                <a:latin typeface="Calibri" panose="020F0502020204030204"/>
+                <a:ea typeface="맑은 고딕" panose="020B0503020000020004" pitchFamily="50" charset="-127"/>
+              </a:rPr>
+              <a:t>입력</a:t>
+            </a:r>
+            <a:endParaRPr kumimoji="0" lang="en-US" altLang="ko-KR" sz="1800" b="0" i="0" u="none" strike="noStrike" kern="1200" cap="none" spc="0" normalizeH="0" baseline="0" noProof="0" dirty="0" smtClean="0">
+              <a:ln>
+                <a:noFill/>
+              </a:ln>
+              <a:solidFill>
+                <a:prstClr val="white"/>
+              </a:solidFill>
+              <a:effectLst/>
+              <a:uLnTx/>
+              <a:uFillTx/>
+              <a:latin typeface="Calibri" panose="020F0502020204030204"/>
+              <a:ea typeface="맑은 고딕" panose="020B0503020000020004" pitchFamily="50" charset="-127"/>
+              <a:cs typeface="+mn-cs"/>
+            </a:endParaRPr>
+          </a:p>
+        </p:txBody>
+      </p:sp>
+      <p:sp>
+        <p:nvSpPr>
+          <p:cNvPr id="24" name="직사각형 23"/>
+          <p:cNvSpPr/>
+          <p:nvPr/>
+        </p:nvSpPr>
+        <p:spPr>
+          <a:xfrm>
+            <a:off x="1035952" y="4137967"/>
+            <a:ext cx="4902201" cy="398383"/>
+          </a:xfrm>
+          <a:prstGeom prst="rect">
+            <a:avLst/>
+          </a:prstGeom>
+        </p:spPr>
+        <p:style>
+          <a:lnRef idx="2">
+            <a:schemeClr val="accent1">
+              <a:shade val="50000"/>
+            </a:schemeClr>
+          </a:lnRef>
+          <a:fillRef idx="1">
+            <a:schemeClr val="accent1"/>
+          </a:fillRef>
+          <a:effectRef idx="0">
+            <a:schemeClr val="accent1"/>
+          </a:effectRef>
+          <a:fontRef idx="minor">
+            <a:schemeClr val="lt1"/>
+          </a:fontRef>
+        </p:style>
+        <p:txBody>
+          <a:bodyPr rtlCol="0" anchor="ctr"/>
+          <a:lstStyle/>
+          <a:p>
             <a:pPr algn="ctr"/>
-            <a:r>
-              <a:rPr lang="ko-KR" altLang="en-US" dirty="0" smtClean="0"/>
-              <a:t>인증번호 받기</a:t>
-            </a:r>
-            <a:endParaRPr lang="ko-KR" altLang="en-US" dirty="0"/>
+            <a:endParaRPr lang="en-US" altLang="ko-KR" dirty="0" smtClean="0">
+              <a:solidFill>
+                <a:prstClr val="white"/>
+              </a:solidFill>
+            </a:endParaRPr>
+          </a:p>
+          <a:p>
+            <a:pPr algn="ctr"/>
+            <a:r>
+              <a:rPr lang="en-US" altLang="ko-KR" dirty="0" smtClean="0">
+                <a:solidFill>
+                  <a:prstClr val="white"/>
+                </a:solidFill>
+              </a:rPr>
+              <a:t>Input </a:t>
+            </a:r>
+            <a:r>
+              <a:rPr lang="en-US" altLang="ko-KR" dirty="0">
+                <a:solidFill>
+                  <a:prstClr val="white"/>
+                </a:solidFill>
+              </a:rPr>
+              <a:t>type : password</a:t>
+            </a:r>
+          </a:p>
+          <a:p>
+            <a:pPr marL="0" marR="0" lvl="0" indent="0" algn="ctr" defTabSz="914400" rtl="0" eaLnBrk="1" fontAlgn="auto" latinLnBrk="1" hangingPunct="1">
+              <a:lnSpc>
+                <a:spcPct val="100000"/>
+              </a:lnSpc>
+              <a:spcBef>
+                <a:spcPts val="0"/>
+              </a:spcBef>
+              <a:spcAft>
+                <a:spcPts val="0"/>
+              </a:spcAft>
+              <a:buClrTx/>
+              <a:buSzTx/>
+              <a:buFontTx/>
+              <a:buNone/>
+              <a:tabLst/>
+              <a:defRPr/>
+            </a:pPr>
+            <a:endParaRPr kumimoji="0" lang="en-US" altLang="ko-KR" sz="1800" b="0" i="0" u="none" strike="noStrike" kern="1200" cap="none" spc="0" normalizeH="0" baseline="0" noProof="0" dirty="0" smtClean="0">
+              <a:ln>
+                <a:noFill/>
+              </a:ln>
+              <a:solidFill>
+                <a:prstClr val="white"/>
+              </a:solidFill>
+              <a:effectLst/>
+              <a:uLnTx/>
+              <a:uFillTx/>
+              <a:latin typeface="Calibri" panose="020F0502020204030204"/>
+              <a:ea typeface="맑은 고딕" panose="020B0503020000020004" pitchFamily="50" charset="-127"/>
+              <a:cs typeface="+mn-cs"/>
+            </a:endParaRPr>
+          </a:p>
+        </p:txBody>
+      </p:sp>
+      <p:sp>
+        <p:nvSpPr>
+          <p:cNvPr id="25" name="직사각형 24"/>
+          <p:cNvSpPr/>
+          <p:nvPr/>
+        </p:nvSpPr>
+        <p:spPr>
+          <a:xfrm>
+            <a:off x="1035953" y="5061648"/>
+            <a:ext cx="4902201" cy="398383"/>
+          </a:xfrm>
+          <a:prstGeom prst="rect">
+            <a:avLst/>
+          </a:prstGeom>
+        </p:spPr>
+        <p:style>
+          <a:lnRef idx="2">
+            <a:schemeClr val="accent1">
+              <a:shade val="50000"/>
+            </a:schemeClr>
+          </a:lnRef>
+          <a:fillRef idx="1">
+            <a:schemeClr val="accent1"/>
+          </a:fillRef>
+          <a:effectRef idx="0">
+            <a:schemeClr val="accent1"/>
+          </a:effectRef>
+          <a:fontRef idx="minor">
+            <a:schemeClr val="lt1"/>
+          </a:fontRef>
+        </p:style>
+        <p:txBody>
+          <a:bodyPr rtlCol="0" anchor="ctr"/>
+          <a:lstStyle/>
+          <a:p>
+            <a:pPr marL="0" marR="0" lvl="0" indent="0" algn="ctr" defTabSz="914400" rtl="0" eaLnBrk="1" fontAlgn="auto" latinLnBrk="1" hangingPunct="1">
+              <a:lnSpc>
+                <a:spcPct val="100000"/>
+              </a:lnSpc>
+              <a:spcBef>
+                <a:spcPts val="0"/>
+              </a:spcBef>
+              <a:spcAft>
+                <a:spcPts val="0"/>
+              </a:spcAft>
+              <a:buClrTx/>
+              <a:buSzTx/>
+              <a:buFontTx/>
+              <a:buNone/>
+              <a:tabLst/>
+              <a:defRPr/>
+            </a:pPr>
+            <a:r>
+              <a:rPr lang="en-US" altLang="ko-KR" dirty="0" smtClean="0">
+                <a:solidFill>
+                  <a:prstClr val="white"/>
+                </a:solidFill>
+                <a:latin typeface="Calibri" panose="020F0502020204030204"/>
+                <a:ea typeface="맑은 고딕" panose="020B0503020000020004" pitchFamily="50" charset="-127"/>
+              </a:rPr>
+              <a:t>Input type : password</a:t>
+            </a:r>
+            <a:endParaRPr kumimoji="0" lang="en-US" altLang="ko-KR" sz="1800" b="0" i="0" u="none" strike="noStrike" kern="1200" cap="none" spc="0" normalizeH="0" baseline="0" noProof="0" dirty="0" smtClean="0">
+              <a:ln>
+                <a:noFill/>
+              </a:ln>
+              <a:solidFill>
+                <a:prstClr val="white"/>
+              </a:solidFill>
+              <a:effectLst/>
+              <a:uLnTx/>
+              <a:uFillTx/>
+              <a:latin typeface="Calibri" panose="020F0502020204030204"/>
+              <a:ea typeface="맑은 고딕" panose="020B0503020000020004" pitchFamily="50" charset="-127"/>
+              <a:cs typeface="+mn-cs"/>
+            </a:endParaRPr>
+          </a:p>
+        </p:txBody>
+      </p:sp>
+      <p:sp>
+        <p:nvSpPr>
+          <p:cNvPr id="26" name="직사각형 25"/>
+          <p:cNvSpPr/>
+          <p:nvPr/>
+        </p:nvSpPr>
+        <p:spPr>
+          <a:xfrm>
+            <a:off x="977897" y="5864771"/>
+            <a:ext cx="4902201" cy="398383"/>
+          </a:xfrm>
+          <a:prstGeom prst="rect">
+            <a:avLst/>
+          </a:prstGeom>
+        </p:spPr>
+        <p:style>
+          <a:lnRef idx="2">
+            <a:schemeClr val="accent1">
+              <a:shade val="50000"/>
+            </a:schemeClr>
+          </a:lnRef>
+          <a:fillRef idx="1">
+            <a:schemeClr val="accent1"/>
+          </a:fillRef>
+          <a:effectRef idx="0">
+            <a:schemeClr val="accent1"/>
+          </a:effectRef>
+          <a:fontRef idx="minor">
+            <a:schemeClr val="lt1"/>
+          </a:fontRef>
+        </p:style>
+        <p:txBody>
+          <a:bodyPr rtlCol="0" anchor="ctr"/>
+          <a:lstStyle/>
+          <a:p>
+            <a:pPr marL="0" marR="0" lvl="0" indent="0" algn="ctr" defTabSz="914400" rtl="0" eaLnBrk="1" fontAlgn="auto" latinLnBrk="1" hangingPunct="1">
+              <a:lnSpc>
+                <a:spcPct val="100000"/>
+              </a:lnSpc>
+              <a:spcBef>
+                <a:spcPts val="0"/>
+              </a:spcBef>
+              <a:spcAft>
+                <a:spcPts val="0"/>
+              </a:spcAft>
+              <a:buClrTx/>
+              <a:buSzTx/>
+              <a:buFontTx/>
+              <a:buNone/>
+              <a:tabLst/>
+              <a:defRPr/>
+            </a:pPr>
+            <a:r>
+              <a:rPr lang="ko-KR" altLang="en-US" dirty="0" smtClean="0">
+                <a:solidFill>
+                  <a:prstClr val="white"/>
+                </a:solidFill>
+                <a:latin typeface="Calibri" panose="020F0502020204030204"/>
+                <a:ea typeface="맑은 고딕" panose="020B0503020000020004" pitchFamily="50" charset="-127"/>
+              </a:rPr>
+              <a:t>입력</a:t>
+            </a:r>
+            <a:endParaRPr kumimoji="0" lang="en-US" altLang="ko-KR" sz="1800" b="0" i="0" u="none" strike="noStrike" kern="1200" cap="none" spc="0" normalizeH="0" baseline="0" noProof="0" dirty="0" smtClean="0">
+              <a:ln>
+                <a:noFill/>
+              </a:ln>
+              <a:solidFill>
+                <a:prstClr val="white"/>
+              </a:solidFill>
+              <a:effectLst/>
+              <a:uLnTx/>
+              <a:uFillTx/>
+              <a:latin typeface="Calibri" panose="020F0502020204030204"/>
+              <a:ea typeface="맑은 고딕" panose="020B0503020000020004" pitchFamily="50" charset="-127"/>
+              <a:cs typeface="+mn-cs"/>
+            </a:endParaRPr>
+          </a:p>
+        </p:txBody>
+      </p:sp>
+      <p:sp>
+        <p:nvSpPr>
+          <p:cNvPr id="27" name="직사각형 26"/>
+          <p:cNvSpPr/>
+          <p:nvPr/>
+        </p:nvSpPr>
+        <p:spPr>
+          <a:xfrm>
+            <a:off x="977898" y="6671685"/>
+            <a:ext cx="1315360" cy="398383"/>
+          </a:xfrm>
+          <a:prstGeom prst="rect">
+            <a:avLst/>
+          </a:prstGeom>
+        </p:spPr>
+        <p:style>
+          <a:lnRef idx="2">
+            <a:schemeClr val="accent1">
+              <a:shade val="50000"/>
+            </a:schemeClr>
+          </a:lnRef>
+          <a:fillRef idx="1">
+            <a:schemeClr val="accent1"/>
+          </a:fillRef>
+          <a:effectRef idx="0">
+            <a:schemeClr val="accent1"/>
+          </a:effectRef>
+          <a:fontRef idx="minor">
+            <a:schemeClr val="lt1"/>
+          </a:fontRef>
+        </p:style>
+        <p:txBody>
+          <a:bodyPr rtlCol="0" anchor="ctr"/>
+          <a:lstStyle/>
+          <a:p>
+            <a:pPr marL="0" marR="0" lvl="0" indent="0" algn="ctr" defTabSz="914400" rtl="0" eaLnBrk="1" fontAlgn="auto" latinLnBrk="1" hangingPunct="1">
+              <a:lnSpc>
+                <a:spcPct val="100000"/>
+              </a:lnSpc>
+              <a:spcBef>
+                <a:spcPts val="0"/>
+              </a:spcBef>
+              <a:spcAft>
+                <a:spcPts val="0"/>
+              </a:spcAft>
+              <a:buClrTx/>
+              <a:buSzTx/>
+              <a:buFontTx/>
+              <a:buNone/>
+              <a:tabLst/>
+              <a:defRPr/>
+            </a:pPr>
+            <a:r>
+              <a:rPr lang="ko-KR" altLang="en-US" dirty="0" smtClean="0">
+                <a:solidFill>
+                  <a:prstClr val="white"/>
+                </a:solidFill>
+                <a:latin typeface="Calibri" panose="020F0502020204030204"/>
+                <a:ea typeface="맑은 고딕" panose="020B0503020000020004" pitchFamily="50" charset="-127"/>
+              </a:rPr>
+              <a:t>년</a:t>
+            </a:r>
+            <a:endParaRPr kumimoji="0" lang="en-US" altLang="ko-KR" sz="1800" b="0" i="0" u="none" strike="noStrike" kern="1200" cap="none" spc="0" normalizeH="0" baseline="0" noProof="0" dirty="0" smtClean="0">
+              <a:ln>
+                <a:noFill/>
+              </a:ln>
+              <a:solidFill>
+                <a:prstClr val="white"/>
+              </a:solidFill>
+              <a:effectLst/>
+              <a:uLnTx/>
+              <a:uFillTx/>
+              <a:latin typeface="Calibri" panose="020F0502020204030204"/>
+              <a:ea typeface="맑은 고딕" panose="020B0503020000020004" pitchFamily="50" charset="-127"/>
+              <a:cs typeface="+mn-cs"/>
+            </a:endParaRPr>
+          </a:p>
+        </p:txBody>
+      </p:sp>
+      <p:sp>
+        <p:nvSpPr>
+          <p:cNvPr id="28" name="직사각형 27"/>
+          <p:cNvSpPr/>
+          <p:nvPr/>
+        </p:nvSpPr>
+        <p:spPr>
+          <a:xfrm>
+            <a:off x="977897" y="7574452"/>
+            <a:ext cx="4902201" cy="398383"/>
+          </a:xfrm>
+          <a:prstGeom prst="rect">
+            <a:avLst/>
+          </a:prstGeom>
+        </p:spPr>
+        <p:style>
+          <a:lnRef idx="2">
+            <a:schemeClr val="accent1">
+              <a:shade val="50000"/>
+            </a:schemeClr>
+          </a:lnRef>
+          <a:fillRef idx="1">
+            <a:schemeClr val="accent1"/>
+          </a:fillRef>
+          <a:effectRef idx="0">
+            <a:schemeClr val="accent1"/>
+          </a:effectRef>
+          <a:fontRef idx="minor">
+            <a:schemeClr val="lt1"/>
+          </a:fontRef>
+        </p:style>
+        <p:txBody>
+          <a:bodyPr rtlCol="0" anchor="ctr"/>
+          <a:lstStyle/>
+          <a:p>
+            <a:pPr marL="0" marR="0" lvl="0" indent="0" algn="ctr" defTabSz="914400" rtl="0" eaLnBrk="1" fontAlgn="auto" latinLnBrk="1" hangingPunct="1">
+              <a:lnSpc>
+                <a:spcPct val="100000"/>
+              </a:lnSpc>
+              <a:spcBef>
+                <a:spcPts val="0"/>
+              </a:spcBef>
+              <a:spcAft>
+                <a:spcPts val="0"/>
+              </a:spcAft>
+              <a:buClrTx/>
+              <a:buSzTx/>
+              <a:buFontTx/>
+              <a:buNone/>
+              <a:tabLst/>
+              <a:defRPr/>
+            </a:pPr>
+            <a:r>
+              <a:rPr lang="ko-KR" altLang="en-US" dirty="0" smtClean="0">
+                <a:solidFill>
+                  <a:prstClr val="white"/>
+                </a:solidFill>
+                <a:latin typeface="Calibri" panose="020F0502020204030204"/>
+                <a:ea typeface="맑은 고딕" panose="020B0503020000020004" pitchFamily="50" charset="-127"/>
+              </a:rPr>
+              <a:t>입력</a:t>
+            </a:r>
+            <a:endParaRPr kumimoji="0" lang="en-US" altLang="ko-KR" sz="1800" b="0" i="0" u="none" strike="noStrike" kern="1200" cap="none" spc="0" normalizeH="0" baseline="0" noProof="0" dirty="0" smtClean="0">
+              <a:ln>
+                <a:noFill/>
+              </a:ln>
+              <a:solidFill>
+                <a:prstClr val="white"/>
+              </a:solidFill>
+              <a:effectLst/>
+              <a:uLnTx/>
+              <a:uFillTx/>
+              <a:latin typeface="Calibri" panose="020F0502020204030204"/>
+              <a:ea typeface="맑은 고딕" panose="020B0503020000020004" pitchFamily="50" charset="-127"/>
+              <a:cs typeface="+mn-cs"/>
+            </a:endParaRPr>
+          </a:p>
+        </p:txBody>
+      </p:sp>
+      <p:sp>
+        <p:nvSpPr>
+          <p:cNvPr id="29" name="직사각형 28"/>
+          <p:cNvSpPr/>
+          <p:nvPr/>
+        </p:nvSpPr>
+        <p:spPr>
+          <a:xfrm>
+            <a:off x="977896" y="8415161"/>
+            <a:ext cx="3216733" cy="398383"/>
+          </a:xfrm>
+          <a:prstGeom prst="rect">
+            <a:avLst/>
+          </a:prstGeom>
+        </p:spPr>
+        <p:style>
+          <a:lnRef idx="2">
+            <a:schemeClr val="accent1">
+              <a:shade val="50000"/>
+            </a:schemeClr>
+          </a:lnRef>
+          <a:fillRef idx="1">
+            <a:schemeClr val="accent1"/>
+          </a:fillRef>
+          <a:effectRef idx="0">
+            <a:schemeClr val="accent1"/>
+          </a:effectRef>
+          <a:fontRef idx="minor">
+            <a:schemeClr val="lt1"/>
+          </a:fontRef>
+        </p:style>
+        <p:txBody>
+          <a:bodyPr rtlCol="0" anchor="ctr"/>
+          <a:lstStyle/>
+          <a:p>
+            <a:pPr marL="0" marR="0" lvl="0" indent="0" algn="ctr" defTabSz="914400" rtl="0" eaLnBrk="1" fontAlgn="auto" latinLnBrk="1" hangingPunct="1">
+              <a:lnSpc>
+                <a:spcPct val="100000"/>
+              </a:lnSpc>
+              <a:spcBef>
+                <a:spcPts val="0"/>
+              </a:spcBef>
+              <a:spcAft>
+                <a:spcPts val="0"/>
+              </a:spcAft>
+              <a:buClrTx/>
+              <a:buSzTx/>
+              <a:buFontTx/>
+              <a:buNone/>
+              <a:tabLst/>
+              <a:defRPr/>
+            </a:pPr>
+            <a:r>
+              <a:rPr lang="ko-KR" altLang="en-US" dirty="0" smtClean="0">
+                <a:solidFill>
+                  <a:prstClr val="white"/>
+                </a:solidFill>
+                <a:latin typeface="Calibri" panose="020F0502020204030204"/>
+                <a:ea typeface="맑은 고딕" panose="020B0503020000020004" pitchFamily="50" charset="-127"/>
+              </a:rPr>
+              <a:t>입력</a:t>
+            </a:r>
+            <a:endParaRPr kumimoji="0" lang="en-US" altLang="ko-KR" sz="1800" b="0" i="0" u="none" strike="noStrike" kern="1200" cap="none" spc="0" normalizeH="0" baseline="0" noProof="0" dirty="0" smtClean="0">
+              <a:ln>
+                <a:noFill/>
+              </a:ln>
+              <a:solidFill>
+                <a:prstClr val="white"/>
+              </a:solidFill>
+              <a:effectLst/>
+              <a:uLnTx/>
+              <a:uFillTx/>
+              <a:latin typeface="Calibri" panose="020F0502020204030204"/>
+              <a:ea typeface="맑은 고딕" panose="020B0503020000020004" pitchFamily="50" charset="-127"/>
+              <a:cs typeface="+mn-cs"/>
+            </a:endParaRPr>
+          </a:p>
+        </p:txBody>
+      </p:sp>
+      <p:sp>
+        <p:nvSpPr>
+          <p:cNvPr id="30" name="직사각형 29"/>
+          <p:cNvSpPr/>
+          <p:nvPr/>
+        </p:nvSpPr>
+        <p:spPr>
+          <a:xfrm>
+            <a:off x="2654294" y="6663830"/>
+            <a:ext cx="1315360" cy="398383"/>
+          </a:xfrm>
+          <a:prstGeom prst="rect">
+            <a:avLst/>
+          </a:prstGeom>
+        </p:spPr>
+        <p:style>
+          <a:lnRef idx="2">
+            <a:schemeClr val="accent1">
+              <a:shade val="50000"/>
+            </a:schemeClr>
+          </a:lnRef>
+          <a:fillRef idx="1">
+            <a:schemeClr val="accent1"/>
+          </a:fillRef>
+          <a:effectRef idx="0">
+            <a:schemeClr val="accent1"/>
+          </a:effectRef>
+          <a:fontRef idx="minor">
+            <a:schemeClr val="lt1"/>
+          </a:fontRef>
+        </p:style>
+        <p:txBody>
+          <a:bodyPr rtlCol="0" anchor="ctr"/>
+          <a:lstStyle/>
+          <a:p>
+            <a:pPr marL="0" marR="0" lvl="0" indent="0" algn="ctr" defTabSz="914400" rtl="0" eaLnBrk="1" fontAlgn="auto" latinLnBrk="1" hangingPunct="1">
+              <a:lnSpc>
+                <a:spcPct val="100000"/>
+              </a:lnSpc>
+              <a:spcBef>
+                <a:spcPts val="0"/>
+              </a:spcBef>
+              <a:spcAft>
+                <a:spcPts val="0"/>
+              </a:spcAft>
+              <a:buClrTx/>
+              <a:buSzTx/>
+              <a:buFontTx/>
+              <a:buNone/>
+              <a:tabLst/>
+              <a:defRPr/>
+            </a:pPr>
+            <a:r>
+              <a:rPr kumimoji="0" lang="ko-KR" altLang="en-US" sz="1800" b="0" i="0" u="none" strike="noStrike" kern="1200" cap="none" spc="0" normalizeH="0" baseline="0" noProof="0" dirty="0" smtClean="0">
+                <a:ln>
+                  <a:noFill/>
+                </a:ln>
+                <a:solidFill>
+                  <a:prstClr val="white"/>
+                </a:solidFill>
+                <a:effectLst/>
+                <a:uLnTx/>
+                <a:uFillTx/>
+                <a:latin typeface="Calibri" panose="020F0502020204030204"/>
+                <a:ea typeface="맑은 고딕" panose="020B0503020000020004" pitchFamily="50" charset="-127"/>
+                <a:cs typeface="+mn-cs"/>
+              </a:rPr>
+              <a:t>월</a:t>
+            </a:r>
+            <a:endParaRPr kumimoji="0" lang="en-US" altLang="ko-KR" sz="1800" b="0" i="0" u="none" strike="noStrike" kern="1200" cap="none" spc="0" normalizeH="0" baseline="0" noProof="0" dirty="0" smtClean="0">
+              <a:ln>
+                <a:noFill/>
+              </a:ln>
+              <a:solidFill>
+                <a:prstClr val="white"/>
+              </a:solidFill>
+              <a:effectLst/>
+              <a:uLnTx/>
+              <a:uFillTx/>
+              <a:latin typeface="Calibri" panose="020F0502020204030204"/>
+              <a:ea typeface="맑은 고딕" panose="020B0503020000020004" pitchFamily="50" charset="-127"/>
+              <a:cs typeface="+mn-cs"/>
+            </a:endParaRPr>
+          </a:p>
+        </p:txBody>
+      </p:sp>
+      <p:sp>
+        <p:nvSpPr>
+          <p:cNvPr id="31" name="직사각형 30"/>
+          <p:cNvSpPr/>
+          <p:nvPr/>
+        </p:nvSpPr>
+        <p:spPr>
+          <a:xfrm>
+            <a:off x="4463141" y="6685715"/>
+            <a:ext cx="1315360" cy="398383"/>
+          </a:xfrm>
+          <a:prstGeom prst="rect">
+            <a:avLst/>
+          </a:prstGeom>
+        </p:spPr>
+        <p:style>
+          <a:lnRef idx="2">
+            <a:schemeClr val="accent1">
+              <a:shade val="50000"/>
+            </a:schemeClr>
+          </a:lnRef>
+          <a:fillRef idx="1">
+            <a:schemeClr val="accent1"/>
+          </a:fillRef>
+          <a:effectRef idx="0">
+            <a:schemeClr val="accent1"/>
+          </a:effectRef>
+          <a:fontRef idx="minor">
+            <a:schemeClr val="lt1"/>
+          </a:fontRef>
+        </p:style>
+        <p:txBody>
+          <a:bodyPr rtlCol="0" anchor="ctr"/>
+          <a:lstStyle/>
+          <a:p>
+            <a:pPr marL="0" marR="0" lvl="0" indent="0" algn="ctr" defTabSz="914400" rtl="0" eaLnBrk="1" fontAlgn="auto" latinLnBrk="1" hangingPunct="1">
+              <a:lnSpc>
+                <a:spcPct val="100000"/>
+              </a:lnSpc>
+              <a:spcBef>
+                <a:spcPts val="0"/>
+              </a:spcBef>
+              <a:spcAft>
+                <a:spcPts val="0"/>
+              </a:spcAft>
+              <a:buClrTx/>
+              <a:buSzTx/>
+              <a:buFontTx/>
+              <a:buNone/>
+              <a:tabLst/>
+              <a:defRPr/>
+            </a:pPr>
+            <a:r>
+              <a:rPr kumimoji="0" lang="ko-KR" altLang="en-US" sz="1800" b="0" i="0" u="none" strike="noStrike" kern="1200" cap="none" spc="0" normalizeH="0" baseline="0" noProof="0" dirty="0" smtClean="0">
+                <a:ln>
+                  <a:noFill/>
+                </a:ln>
+                <a:solidFill>
+                  <a:prstClr val="white"/>
+                </a:solidFill>
+                <a:effectLst/>
+                <a:uLnTx/>
+                <a:uFillTx/>
+                <a:latin typeface="Calibri" panose="020F0502020204030204"/>
+                <a:ea typeface="맑은 고딕" panose="020B0503020000020004" pitchFamily="50" charset="-127"/>
+                <a:cs typeface="+mn-cs"/>
+              </a:rPr>
+              <a:t>일</a:t>
+            </a:r>
+            <a:endParaRPr kumimoji="0" lang="en-US" altLang="ko-KR" sz="1800" b="0" i="0" u="none" strike="noStrike" kern="1200" cap="none" spc="0" normalizeH="0" baseline="0" noProof="0" dirty="0" smtClean="0">
+              <a:ln>
+                <a:noFill/>
+              </a:ln>
+              <a:solidFill>
+                <a:prstClr val="white"/>
+              </a:solidFill>
+              <a:effectLst/>
+              <a:uLnTx/>
+              <a:uFillTx/>
+              <a:latin typeface="Calibri" panose="020F0502020204030204"/>
+              <a:ea typeface="맑은 고딕" panose="020B0503020000020004" pitchFamily="50" charset="-127"/>
+              <a:cs typeface="+mn-cs"/>
+            </a:endParaRPr>
           </a:p>
         </p:txBody>
       </p:sp>
       <p:cxnSp>
         <p:nvCxnSpPr>
-          <p:cNvPr id="13" name="직선 화살표 연결선 12"/>
+          <p:cNvPr id="32" name="직선 화살표 연결선 31"/>
           <p:cNvCxnSpPr/>
           <p:nvPr/>
         </p:nvCxnSpPr>
         <p:spPr>
+          <a:xfrm flipH="1" flipV="1">
+            <a:off x="-992074" y="6731906"/>
+            <a:ext cx="1878695" cy="138970"/>
+          </a:xfrm>
+          <a:prstGeom prst="straightConnector1">
+            <a:avLst/>
+          </a:prstGeom>
+          <a:ln>
+            <a:tailEnd type="triangle"/>
+          </a:ln>
+        </p:spPr>
+        <p:style>
+          <a:lnRef idx="1">
+            <a:schemeClr val="accent1"/>
+          </a:lnRef>
+          <a:fillRef idx="0">
+            <a:schemeClr val="accent1"/>
+          </a:fillRef>
+          <a:effectRef idx="0">
+            <a:schemeClr val="accent1"/>
+          </a:effectRef>
+          <a:fontRef idx="minor">
+            <a:schemeClr val="tx1"/>
+          </a:fontRef>
+        </p:style>
+      </p:cxnSp>
+      <p:cxnSp>
+        <p:nvCxnSpPr>
+          <p:cNvPr id="33" name="직선 화살표 연결선 32"/>
+          <p:cNvCxnSpPr/>
+          <p:nvPr/>
+        </p:nvCxnSpPr>
+        <p:spPr>
           <a:xfrm flipH="1">
-            <a:off x="-290285" y="4415956"/>
-            <a:ext cx="2249715" cy="130752"/>
+            <a:off x="-1103086" y="7906458"/>
+            <a:ext cx="1962150" cy="2238"/>
           </a:xfrm>
           <a:prstGeom prst="straightConnector1">
             <a:avLst/>
@@ -9754,14 +9468,14 @@
       </p:cxnSp>
       <p:sp>
         <p:nvSpPr>
-          <p:cNvPr id="15" name="TextBox 14"/>
+          <p:cNvPr id="34" name="TextBox 33"/>
           <p:cNvSpPr txBox="1"/>
           <p:nvPr/>
         </p:nvSpPr>
         <p:spPr>
           <a:xfrm>
-            <a:off x="-2169885" y="4594547"/>
-            <a:ext cx="2169885" cy="369332"/>
+            <a:off x="-2278743" y="1881290"/>
+            <a:ext cx="2351314" cy="461665"/>
           </a:xfrm>
           <a:prstGeom prst="rect">
             <a:avLst/>
@@ -9774,28 +9488,155 @@
           </a:bodyPr>
           <a:lstStyle/>
           <a:p>
-            <a:r>
-              <a:rPr lang="en-US" altLang="ko-KR" dirty="0" smtClean="0"/>
-              <a:t>Place holder </a:t>
-            </a:r>
-            <a:r>
-              <a:rPr lang="ko-KR" altLang="en-US" dirty="0" smtClean="0"/>
-              <a:t>처리</a:t>
-            </a:r>
-            <a:endParaRPr lang="ko-KR" altLang="en-US" dirty="0"/>
+            <a:pPr marL="0" marR="0" lvl="0" indent="0" algn="l" defTabSz="914400" rtl="0" eaLnBrk="1" fontAlgn="auto" latinLnBrk="1" hangingPunct="1">
+              <a:lnSpc>
+                <a:spcPct val="100000"/>
+              </a:lnSpc>
+              <a:spcBef>
+                <a:spcPts val="0"/>
+              </a:spcBef>
+              <a:spcAft>
+                <a:spcPts val="0"/>
+              </a:spcAft>
+              <a:buClrTx/>
+              <a:buSzTx/>
+              <a:buFontTx/>
+              <a:buNone/>
+              <a:tabLst/>
+              <a:defRPr/>
+            </a:pPr>
+            <a:r>
+              <a:rPr lang="ko-KR" altLang="en-US" sz="2400" b="1" dirty="0" smtClean="0">
+                <a:solidFill>
+                  <a:prstClr val="black"/>
+                </a:solidFill>
+                <a:latin typeface="Calibri" panose="020F0502020204030204"/>
+                <a:ea typeface="맑은 고딕" panose="020B0503020000020004" pitchFamily="50" charset="-127"/>
+              </a:rPr>
+              <a:t>새 창 띄우기</a:t>
+            </a:r>
+            <a:endParaRPr lang="en-US" altLang="ko-KR" sz="2400" b="1" dirty="0" smtClean="0">
+              <a:solidFill>
+                <a:prstClr val="black"/>
+              </a:solidFill>
+              <a:latin typeface="Calibri" panose="020F0502020204030204"/>
+              <a:ea typeface="맑은 고딕" panose="020B0503020000020004" pitchFamily="50" charset="-127"/>
+            </a:endParaRPr>
           </a:p>
         </p:txBody>
       </p:sp>
       <p:sp>
         <p:nvSpPr>
-          <p:cNvPr id="14" name="직사각형 13"/>
+          <p:cNvPr id="35" name="TextBox 34"/>
+          <p:cNvSpPr txBox="1"/>
+          <p:nvPr/>
+        </p:nvSpPr>
+        <p:spPr>
+          <a:xfrm>
+            <a:off x="-2285149" y="7728711"/>
+            <a:ext cx="1715864" cy="646331"/>
+          </a:xfrm>
+          <a:prstGeom prst="rect">
+            <a:avLst/>
+          </a:prstGeom>
+          <a:noFill/>
+        </p:spPr>
+        <p:txBody>
+          <a:bodyPr wrap="square" rtlCol="0">
+            <a:spAutoFit/>
+          </a:bodyPr>
+          <a:lstStyle/>
+          <a:p>
+            <a:pPr marL="0" marR="0" lvl="0" indent="0" algn="l" defTabSz="914400" rtl="0" eaLnBrk="1" fontAlgn="auto" latinLnBrk="1" hangingPunct="1">
+              <a:lnSpc>
+                <a:spcPct val="100000"/>
+              </a:lnSpc>
+              <a:spcBef>
+                <a:spcPts val="0"/>
+              </a:spcBef>
+              <a:spcAft>
+                <a:spcPts val="0"/>
+              </a:spcAft>
+              <a:buClrTx/>
+              <a:buSzTx/>
+              <a:buFontTx/>
+              <a:buNone/>
+              <a:tabLst/>
+              <a:defRPr/>
+            </a:pPr>
+            <a:r>
+              <a:rPr lang="en-US" altLang="ko-KR" dirty="0" smtClean="0">
+                <a:solidFill>
+                  <a:prstClr val="black"/>
+                </a:solidFill>
+                <a:latin typeface="Calibri" panose="020F0502020204030204"/>
+                <a:ea typeface="맑은 고딕" panose="020B0503020000020004" pitchFamily="50" charset="-127"/>
+              </a:rPr>
+              <a:t>Radio </a:t>
+            </a:r>
+            <a:r>
+              <a:rPr lang="ko-KR" altLang="en-US" dirty="0" smtClean="0">
+                <a:solidFill>
+                  <a:prstClr val="black"/>
+                </a:solidFill>
+                <a:latin typeface="Calibri" panose="020F0502020204030204"/>
+                <a:ea typeface="맑은 고딕" panose="020B0503020000020004" pitchFamily="50" charset="-127"/>
+              </a:rPr>
+              <a:t>박스</a:t>
+            </a:r>
+            <a:endParaRPr lang="en-US" altLang="ko-KR" dirty="0" smtClean="0">
+              <a:solidFill>
+                <a:prstClr val="black"/>
+              </a:solidFill>
+              <a:latin typeface="Calibri" panose="020F0502020204030204"/>
+              <a:ea typeface="맑은 고딕" panose="020B0503020000020004" pitchFamily="50" charset="-127"/>
+            </a:endParaRPr>
+          </a:p>
+          <a:p>
+            <a:pPr marL="0" marR="0" lvl="0" indent="0" algn="l" defTabSz="914400" rtl="0" eaLnBrk="1" fontAlgn="auto" latinLnBrk="1" hangingPunct="1">
+              <a:lnSpc>
+                <a:spcPct val="100000"/>
+              </a:lnSpc>
+              <a:spcBef>
+                <a:spcPts val="0"/>
+              </a:spcBef>
+              <a:spcAft>
+                <a:spcPts val="0"/>
+              </a:spcAft>
+              <a:buClrTx/>
+              <a:buSzTx/>
+              <a:buFontTx/>
+              <a:buNone/>
+              <a:tabLst/>
+              <a:defRPr/>
+            </a:pPr>
+            <a:endParaRPr kumimoji="0" lang="ko-KR" altLang="en-US" sz="1800" b="0" i="0" u="none" strike="noStrike" kern="1200" cap="none" spc="0" normalizeH="0" baseline="0" noProof="0" dirty="0" smtClean="0">
+              <a:ln>
+                <a:noFill/>
+              </a:ln>
+              <a:solidFill>
+                <a:prstClr val="black"/>
+              </a:solidFill>
+              <a:effectLst/>
+              <a:uLnTx/>
+              <a:uFillTx/>
+              <a:latin typeface="Calibri" panose="020F0502020204030204"/>
+              <a:ea typeface="맑은 고딕" panose="020B0503020000020004" pitchFamily="50" charset="-127"/>
+              <a:cs typeface="+mn-cs"/>
+            </a:endParaRPr>
+          </a:p>
+        </p:txBody>
+      </p:sp>
+      <p:sp>
+        <p:nvSpPr>
+          <p:cNvPr id="36" name="직사각형 35"/>
           <p:cNvSpPr/>
           <p:nvPr/>
         </p:nvSpPr>
         <p:spPr>
           <a:xfrm>
-            <a:off x="2144485" y="6974299"/>
-            <a:ext cx="2569029" cy="602945"/>
+            <a:off x="4345210" y="8415160"/>
+            <a:ext cx="1961247" cy="398383"/>
           </a:xfrm>
           <a:prstGeom prst="rect">
             <a:avLst/>
@@ -9821,24 +9662,217 @@
           <a:bodyPr rtlCol="0" anchor="ctr"/>
           <a:lstStyle/>
           <a:p>
-            <a:pPr algn="ctr"/>
-            <a:r>
-              <a:rPr lang="ko-KR" altLang="en-US" dirty="0" smtClean="0"/>
-              <a:t>아이디 찾기</a:t>
-            </a:r>
-            <a:endParaRPr lang="ko-KR" altLang="en-US" dirty="0"/>
+            <a:pPr marL="0" marR="0" lvl="0" indent="0" algn="ctr" defTabSz="914400" rtl="0" eaLnBrk="1" fontAlgn="auto" latinLnBrk="1" hangingPunct="1">
+              <a:lnSpc>
+                <a:spcPct val="100000"/>
+              </a:lnSpc>
+              <a:spcBef>
+                <a:spcPts val="0"/>
+              </a:spcBef>
+              <a:spcAft>
+                <a:spcPts val="0"/>
+              </a:spcAft>
+              <a:buClrTx/>
+              <a:buSzTx/>
+              <a:buFontTx/>
+              <a:buNone/>
+              <a:tabLst/>
+              <a:defRPr/>
+            </a:pPr>
+            <a:r>
+              <a:rPr lang="ko-KR" altLang="en-US" dirty="0" smtClean="0">
+                <a:solidFill>
+                  <a:prstClr val="white"/>
+                </a:solidFill>
+                <a:latin typeface="Calibri" panose="020F0502020204030204"/>
+                <a:ea typeface="맑은 고딕" panose="020B0503020000020004" pitchFamily="50" charset="-127"/>
+              </a:rPr>
+              <a:t>인증번호받기</a:t>
+            </a:r>
+            <a:endParaRPr kumimoji="0" lang="en-US" altLang="ko-KR" sz="1800" b="0" i="0" u="none" strike="noStrike" kern="1200" cap="none" spc="0" normalizeH="0" baseline="0" noProof="0" dirty="0" smtClean="0">
+              <a:ln>
+                <a:noFill/>
+              </a:ln>
+              <a:solidFill>
+                <a:prstClr val="white"/>
+              </a:solidFill>
+              <a:effectLst/>
+              <a:uLnTx/>
+              <a:uFillTx/>
+              <a:latin typeface="Calibri" panose="020F0502020204030204"/>
+              <a:ea typeface="맑은 고딕" panose="020B0503020000020004" pitchFamily="50" charset="-127"/>
+              <a:cs typeface="+mn-cs"/>
+            </a:endParaRPr>
           </a:p>
         </p:txBody>
       </p:sp>
       <p:sp>
         <p:nvSpPr>
-          <p:cNvPr id="17" name="TextBox 16"/>
+          <p:cNvPr id="37" name="직사각형 36"/>
+          <p:cNvSpPr/>
+          <p:nvPr/>
+        </p:nvSpPr>
+        <p:spPr>
+          <a:xfrm>
+            <a:off x="4577438" y="3226915"/>
+            <a:ext cx="1729019" cy="398383"/>
+          </a:xfrm>
+          <a:prstGeom prst="rect">
+            <a:avLst/>
+          </a:prstGeom>
+        </p:spPr>
+        <p:style>
+          <a:lnRef idx="2">
+            <a:schemeClr val="accent1">
+              <a:shade val="50000"/>
+            </a:schemeClr>
+          </a:lnRef>
+          <a:fillRef idx="1">
+            <a:schemeClr val="accent1"/>
+          </a:fillRef>
+          <a:effectRef idx="0">
+            <a:schemeClr val="accent1"/>
+          </a:effectRef>
+          <a:fontRef idx="minor">
+            <a:schemeClr val="lt1"/>
+          </a:fontRef>
+        </p:style>
+        <p:txBody>
+          <a:bodyPr rtlCol="0" anchor="ctr"/>
+          <a:lstStyle/>
+          <a:p>
+            <a:pPr marL="0" marR="0" lvl="0" indent="0" algn="ctr" defTabSz="914400" rtl="0" eaLnBrk="1" fontAlgn="auto" latinLnBrk="1" hangingPunct="1">
+              <a:lnSpc>
+                <a:spcPct val="100000"/>
+              </a:lnSpc>
+              <a:spcBef>
+                <a:spcPts val="0"/>
+              </a:spcBef>
+              <a:spcAft>
+                <a:spcPts val="0"/>
+              </a:spcAft>
+              <a:buClrTx/>
+              <a:buSzTx/>
+              <a:buFontTx/>
+              <a:buNone/>
+              <a:tabLst/>
+              <a:defRPr/>
+            </a:pPr>
+            <a:r>
+              <a:rPr lang="ko-KR" altLang="en-US" noProof="0" dirty="0" err="1" smtClean="0">
+                <a:solidFill>
+                  <a:prstClr val="white"/>
+                </a:solidFill>
+                <a:latin typeface="Calibri" panose="020F0502020204030204"/>
+                <a:ea typeface="맑은 고딕" panose="020B0503020000020004" pitchFamily="50" charset="-127"/>
+              </a:rPr>
+              <a:t>중복확인</a:t>
+            </a:r>
+            <a:endParaRPr kumimoji="0" lang="en-US" altLang="ko-KR" sz="1800" b="0" i="0" u="none" strike="noStrike" kern="1200" cap="none" spc="0" normalizeH="0" baseline="0" noProof="0" dirty="0" smtClean="0">
+              <a:ln>
+                <a:noFill/>
+              </a:ln>
+              <a:solidFill>
+                <a:prstClr val="white"/>
+              </a:solidFill>
+              <a:effectLst/>
+              <a:uLnTx/>
+              <a:uFillTx/>
+              <a:latin typeface="Calibri" panose="020F0502020204030204"/>
+              <a:ea typeface="맑은 고딕" panose="020B0503020000020004" pitchFamily="50" charset="-127"/>
+              <a:cs typeface="+mn-cs"/>
+            </a:endParaRPr>
+          </a:p>
+        </p:txBody>
+      </p:sp>
+      <p:sp>
+        <p:nvSpPr>
+          <p:cNvPr id="38" name="직사각형 37"/>
+          <p:cNvSpPr/>
+          <p:nvPr/>
+        </p:nvSpPr>
+        <p:spPr>
+          <a:xfrm>
+            <a:off x="1026877" y="9049750"/>
+            <a:ext cx="4902201" cy="398383"/>
+          </a:xfrm>
+          <a:prstGeom prst="rect">
+            <a:avLst/>
+          </a:prstGeom>
+        </p:spPr>
+        <p:style>
+          <a:lnRef idx="2">
+            <a:schemeClr val="accent1">
+              <a:shade val="50000"/>
+            </a:schemeClr>
+          </a:lnRef>
+          <a:fillRef idx="1">
+            <a:schemeClr val="accent1"/>
+          </a:fillRef>
+          <a:effectRef idx="0">
+            <a:schemeClr val="accent1"/>
+          </a:effectRef>
+          <a:fontRef idx="minor">
+            <a:schemeClr val="lt1"/>
+          </a:fontRef>
+        </p:style>
+        <p:txBody>
+          <a:bodyPr rtlCol="0" anchor="ctr"/>
+          <a:lstStyle/>
+          <a:p>
+            <a:pPr marL="0" marR="0" lvl="0" indent="0" algn="ctr" defTabSz="914400" rtl="0" eaLnBrk="1" fontAlgn="auto" latinLnBrk="1" hangingPunct="1">
+              <a:lnSpc>
+                <a:spcPct val="100000"/>
+              </a:lnSpc>
+              <a:spcBef>
+                <a:spcPts val="0"/>
+              </a:spcBef>
+              <a:spcAft>
+                <a:spcPts val="0"/>
+              </a:spcAft>
+              <a:buClrTx/>
+              <a:buSzTx/>
+              <a:buFontTx/>
+              <a:buNone/>
+              <a:tabLst/>
+              <a:defRPr/>
+            </a:pPr>
+            <a:r>
+              <a:rPr lang="ko-KR" altLang="en-US" dirty="0" smtClean="0">
+                <a:solidFill>
+                  <a:prstClr val="white"/>
+                </a:solidFill>
+                <a:latin typeface="Calibri" panose="020F0502020204030204"/>
+                <a:ea typeface="맑은 고딕" panose="020B0503020000020004" pitchFamily="50" charset="-127"/>
+              </a:rPr>
+              <a:t>인증번호 입력</a:t>
+            </a:r>
+            <a:endParaRPr kumimoji="0" lang="en-US" altLang="ko-KR" sz="1800" b="0" i="0" u="none" strike="noStrike" kern="1200" cap="none" spc="0" normalizeH="0" baseline="0" noProof="0" dirty="0" smtClean="0">
+              <a:ln>
+                <a:noFill/>
+              </a:ln>
+              <a:solidFill>
+                <a:prstClr val="white"/>
+              </a:solidFill>
+              <a:effectLst/>
+              <a:uLnTx/>
+              <a:uFillTx/>
+              <a:latin typeface="Calibri" panose="020F0502020204030204"/>
+              <a:ea typeface="맑은 고딕" panose="020B0503020000020004" pitchFamily="50" charset="-127"/>
+              <a:cs typeface="+mn-cs"/>
+            </a:endParaRPr>
+          </a:p>
+        </p:txBody>
+      </p:sp>
+      <p:sp>
+        <p:nvSpPr>
+          <p:cNvPr id="40" name="TextBox 39"/>
           <p:cNvSpPr txBox="1"/>
           <p:nvPr/>
         </p:nvSpPr>
         <p:spPr>
           <a:xfrm>
-            <a:off x="1894115" y="4869709"/>
+            <a:off x="-2252092" y="6666376"/>
             <a:ext cx="2351314" cy="369332"/>
           </a:xfrm>
           <a:prstGeom prst="rect">
@@ -9852,59 +9886,53 @@
           </a:bodyPr>
           <a:lstStyle/>
           <a:p>
-            <a:r>
-              <a:rPr lang="ko-KR" altLang="en-US" dirty="0" smtClean="0"/>
-              <a:t>이메일 주소</a:t>
-            </a:r>
-            <a:endParaRPr lang="en-US" altLang="ko-KR" dirty="0" smtClean="0"/>
+            <a:pPr marL="0" marR="0" lvl="0" indent="0" algn="l" defTabSz="914400" rtl="0" eaLnBrk="1" fontAlgn="auto" latinLnBrk="1" hangingPunct="1">
+              <a:lnSpc>
+                <a:spcPct val="100000"/>
+              </a:lnSpc>
+              <a:spcBef>
+                <a:spcPts val="0"/>
+              </a:spcBef>
+              <a:spcAft>
+                <a:spcPts val="0"/>
+              </a:spcAft>
+              <a:buClrTx/>
+              <a:buSzTx/>
+              <a:buFontTx/>
+              <a:buNone/>
+              <a:tabLst/>
+              <a:defRPr/>
+            </a:pPr>
+            <a:r>
+              <a:rPr lang="ko-KR" altLang="en-US" dirty="0" err="1" smtClean="0">
+                <a:solidFill>
+                  <a:prstClr val="black"/>
+                </a:solidFill>
+                <a:latin typeface="Calibri" panose="020F0502020204030204"/>
+                <a:ea typeface="맑은 고딕" panose="020B0503020000020004" pitchFamily="50" charset="-127"/>
+              </a:rPr>
+              <a:t>셀렉트박스</a:t>
+            </a:r>
+            <a:endParaRPr lang="en-US" altLang="ko-KR" dirty="0" smtClean="0">
+              <a:solidFill>
+                <a:prstClr val="black"/>
+              </a:solidFill>
+              <a:latin typeface="Calibri" panose="020F0502020204030204"/>
+              <a:ea typeface="맑은 고딕" panose="020B0503020000020004" pitchFamily="50" charset="-127"/>
+            </a:endParaRPr>
           </a:p>
         </p:txBody>
       </p:sp>
       <p:cxnSp>
         <p:nvCxnSpPr>
-          <p:cNvPr id="18" name="직선 화살표 연결선 17"/>
-          <p:cNvCxnSpPr>
-            <a:stCxn id="17" idx="1"/>
-          </p:cNvCxnSpPr>
+          <p:cNvPr id="41" name="직선 화살표 연결선 40"/>
+          <p:cNvCxnSpPr/>
           <p:nvPr/>
         </p:nvCxnSpPr>
         <p:spPr>
-          <a:xfrm flipH="1" flipV="1">
-            <a:off x="-290285" y="4861335"/>
-            <a:ext cx="2184400" cy="193040"/>
-          </a:xfrm>
-          <a:prstGeom prst="straightConnector1">
-            <a:avLst/>
-          </a:prstGeom>
-          <a:ln>
-            <a:tailEnd type="triangle"/>
-          </a:ln>
-        </p:spPr>
-        <p:style>
-          <a:lnRef idx="1">
-            <a:schemeClr val="accent1"/>
-          </a:lnRef>
-          <a:fillRef idx="0">
-            <a:schemeClr val="accent1"/>
-          </a:fillRef>
-          <a:effectRef idx="0">
-            <a:schemeClr val="accent1"/>
-          </a:effectRef>
-          <a:fontRef idx="minor">
-            <a:schemeClr val="tx1"/>
-          </a:fontRef>
-        </p:style>
-      </p:cxnSp>
-      <p:cxnSp>
-        <p:nvCxnSpPr>
-          <p:cNvPr id="20" name="직선 화살표 연결선 19"/>
-          <p:cNvCxnSpPr/>
-          <p:nvPr/>
-        </p:nvCxnSpPr>
-        <p:spPr>
-          <a:xfrm flipH="1" flipV="1">
-            <a:off x="-290285" y="5141624"/>
-            <a:ext cx="2249716" cy="659223"/>
+          <a:xfrm flipH="1">
+            <a:off x="-992074" y="9312633"/>
+            <a:ext cx="1895024" cy="168034"/>
           </a:xfrm>
           <a:prstGeom prst="straightConnector1">
             <a:avLst/>
@@ -9930,14 +9958,14 @@
       </p:cxnSp>
       <p:sp>
         <p:nvSpPr>
-          <p:cNvPr id="21" name="TextBox 20"/>
+          <p:cNvPr id="43" name="TextBox 42"/>
           <p:cNvSpPr txBox="1"/>
           <p:nvPr/>
         </p:nvSpPr>
         <p:spPr>
           <a:xfrm>
-            <a:off x="-2278742" y="1979867"/>
-            <a:ext cx="2169885" cy="707886"/>
+            <a:off x="-2920599" y="9296001"/>
+            <a:ext cx="2351314" cy="1200329"/>
           </a:xfrm>
           <a:prstGeom prst="rect">
             <a:avLst/>
@@ -9950,24 +9978,255 @@
           </a:bodyPr>
           <a:lstStyle/>
           <a:p>
-            <a:r>
-              <a:rPr lang="ko-KR" altLang="en-US" sz="2000" b="1" dirty="0" smtClean="0"/>
-              <a:t>아이디 찾기 </a:t>
-            </a:r>
-            <a:endParaRPr lang="en-US" altLang="ko-KR" sz="2000" b="1" dirty="0" smtClean="0"/>
-          </a:p>
-          <a:p>
-            <a:r>
-              <a:rPr lang="ko-KR" altLang="en-US" sz="2000" b="1" dirty="0" smtClean="0"/>
-              <a:t>페이지</a:t>
-            </a:r>
-            <a:endParaRPr lang="ko-KR" altLang="en-US" sz="2000" b="1" dirty="0"/>
+            <a:pPr marL="0" marR="0" lvl="0" indent="0" algn="l" defTabSz="914400" rtl="0" eaLnBrk="1" fontAlgn="auto" latinLnBrk="1" hangingPunct="1">
+              <a:lnSpc>
+                <a:spcPct val="100000"/>
+              </a:lnSpc>
+              <a:spcBef>
+                <a:spcPts val="0"/>
+              </a:spcBef>
+              <a:spcAft>
+                <a:spcPts val="0"/>
+              </a:spcAft>
+              <a:buClrTx/>
+              <a:buSzTx/>
+              <a:buFontTx/>
+              <a:buNone/>
+              <a:tabLst/>
+              <a:defRPr/>
+            </a:pPr>
+            <a:r>
+              <a:rPr lang="ko-KR" altLang="en-US" dirty="0" smtClean="0">
+                <a:solidFill>
+                  <a:prstClr val="black"/>
+                </a:solidFill>
+                <a:latin typeface="Calibri" panose="020F0502020204030204"/>
+                <a:ea typeface="맑은 고딕" panose="020B0503020000020004" pitchFamily="50" charset="-127"/>
+              </a:rPr>
+              <a:t>일반회원은 </a:t>
+            </a:r>
+            <a:r>
+              <a:rPr lang="ko-KR" altLang="en-US" dirty="0" err="1" smtClean="0">
+                <a:solidFill>
+                  <a:prstClr val="black"/>
+                </a:solidFill>
+                <a:latin typeface="Calibri" panose="020F0502020204030204"/>
+                <a:ea typeface="맑은 고딕" panose="020B0503020000020004" pitchFamily="50" charset="-127"/>
+              </a:rPr>
+              <a:t>난수</a:t>
+            </a:r>
+            <a:endParaRPr lang="en-US" altLang="ko-KR" dirty="0" smtClean="0">
+              <a:solidFill>
+                <a:prstClr val="black"/>
+              </a:solidFill>
+              <a:latin typeface="Calibri" panose="020F0502020204030204"/>
+              <a:ea typeface="맑은 고딕" panose="020B0503020000020004" pitchFamily="50" charset="-127"/>
+            </a:endParaRPr>
+          </a:p>
+          <a:p>
+            <a:pPr marL="0" marR="0" lvl="0" indent="0" algn="l" defTabSz="914400" rtl="0" eaLnBrk="1" fontAlgn="auto" latinLnBrk="1" hangingPunct="1">
+              <a:lnSpc>
+                <a:spcPct val="100000"/>
+              </a:lnSpc>
+              <a:spcBef>
+                <a:spcPts val="0"/>
+              </a:spcBef>
+              <a:spcAft>
+                <a:spcPts val="0"/>
+              </a:spcAft>
+              <a:buClrTx/>
+              <a:buSzTx/>
+              <a:buFontTx/>
+              <a:buNone/>
+              <a:tabLst/>
+              <a:defRPr/>
+            </a:pPr>
+            <a:r>
+              <a:rPr lang="ko-KR" altLang="en-US" dirty="0" smtClean="0">
+                <a:solidFill>
+                  <a:prstClr val="black"/>
+                </a:solidFill>
+                <a:latin typeface="Calibri" panose="020F0502020204030204"/>
+                <a:ea typeface="맑은 고딕" panose="020B0503020000020004" pitchFamily="50" charset="-127"/>
+              </a:rPr>
+              <a:t>지정한 문장 입력 시</a:t>
+            </a:r>
+            <a:endParaRPr lang="en-US" altLang="ko-KR" dirty="0" smtClean="0">
+              <a:solidFill>
+                <a:prstClr val="black"/>
+              </a:solidFill>
+              <a:latin typeface="Calibri" panose="020F0502020204030204"/>
+              <a:ea typeface="맑은 고딕" panose="020B0503020000020004" pitchFamily="50" charset="-127"/>
+            </a:endParaRPr>
+          </a:p>
+          <a:p>
+            <a:pPr marL="0" marR="0" lvl="0" indent="0" algn="l" defTabSz="914400" rtl="0" eaLnBrk="1" fontAlgn="auto" latinLnBrk="1" hangingPunct="1">
+              <a:lnSpc>
+                <a:spcPct val="100000"/>
+              </a:lnSpc>
+              <a:spcBef>
+                <a:spcPts val="0"/>
+              </a:spcBef>
+              <a:spcAft>
+                <a:spcPts val="0"/>
+              </a:spcAft>
+              <a:buClrTx/>
+              <a:buSzTx/>
+              <a:buFontTx/>
+              <a:buNone/>
+              <a:tabLst/>
+              <a:defRPr/>
+            </a:pPr>
+            <a:r>
+              <a:rPr lang="ko-KR" altLang="en-US" dirty="0" smtClean="0">
+                <a:solidFill>
+                  <a:prstClr val="black"/>
+                </a:solidFill>
+                <a:latin typeface="Calibri" panose="020F0502020204030204"/>
+                <a:ea typeface="맑은 고딕" panose="020B0503020000020004" pitchFamily="50" charset="-127"/>
+              </a:rPr>
+              <a:t>관리자 계정으로 </a:t>
+            </a:r>
+            <a:endParaRPr lang="en-US" altLang="ko-KR" dirty="0" smtClean="0">
+              <a:solidFill>
+                <a:prstClr val="black"/>
+              </a:solidFill>
+              <a:latin typeface="Calibri" panose="020F0502020204030204"/>
+              <a:ea typeface="맑은 고딕" panose="020B0503020000020004" pitchFamily="50" charset="-127"/>
+            </a:endParaRPr>
+          </a:p>
+          <a:p>
+            <a:pPr marL="0" marR="0" lvl="0" indent="0" algn="l" defTabSz="914400" rtl="0" eaLnBrk="1" fontAlgn="auto" latinLnBrk="1" hangingPunct="1">
+              <a:lnSpc>
+                <a:spcPct val="100000"/>
+              </a:lnSpc>
+              <a:spcBef>
+                <a:spcPts val="0"/>
+              </a:spcBef>
+              <a:spcAft>
+                <a:spcPts val="0"/>
+              </a:spcAft>
+              <a:buClrTx/>
+              <a:buSzTx/>
+              <a:buFontTx/>
+              <a:buNone/>
+              <a:tabLst/>
+              <a:defRPr/>
+            </a:pPr>
+            <a:r>
+              <a:rPr lang="ko-KR" altLang="en-US" dirty="0" smtClean="0">
+                <a:solidFill>
+                  <a:prstClr val="black"/>
+                </a:solidFill>
+                <a:latin typeface="Calibri" panose="020F0502020204030204"/>
+                <a:ea typeface="맑은 고딕" panose="020B0503020000020004" pitchFamily="50" charset="-127"/>
+              </a:rPr>
+              <a:t>회원가입</a:t>
+            </a:r>
+            <a:endParaRPr lang="en-US" altLang="ko-KR" dirty="0" smtClean="0">
+              <a:solidFill>
+                <a:prstClr val="black"/>
+              </a:solidFill>
+              <a:latin typeface="Calibri" panose="020F0502020204030204"/>
+              <a:ea typeface="맑은 고딕" panose="020B0503020000020004" pitchFamily="50" charset="-127"/>
+            </a:endParaRPr>
+          </a:p>
+        </p:txBody>
+      </p:sp>
+      <p:sp>
+        <p:nvSpPr>
+          <p:cNvPr id="44" name="TextBox 43"/>
+          <p:cNvSpPr txBox="1"/>
+          <p:nvPr/>
+        </p:nvSpPr>
+        <p:spPr>
+          <a:xfrm>
+            <a:off x="-3860800" y="3410857"/>
+            <a:ext cx="3425371" cy="646331"/>
+          </a:xfrm>
+          <a:prstGeom prst="rect">
+            <a:avLst/>
+          </a:prstGeom>
+          <a:noFill/>
+        </p:spPr>
+        <p:txBody>
+          <a:bodyPr wrap="square" rtlCol="0">
+            <a:spAutoFit/>
+          </a:bodyPr>
+          <a:lstStyle/>
+          <a:p>
+            <a:r>
+              <a:rPr lang="ko-KR" altLang="en-US" dirty="0" err="1" smtClean="0"/>
+              <a:t>필수입력</a:t>
+            </a:r>
+            <a:r>
+              <a:rPr lang="ko-KR" altLang="en-US" dirty="0" smtClean="0"/>
+              <a:t> </a:t>
+            </a:r>
+            <a:r>
+              <a:rPr lang="ko-KR" altLang="en-US" dirty="0" err="1" smtClean="0"/>
+              <a:t>미기재시</a:t>
+            </a:r>
+            <a:r>
+              <a:rPr lang="ko-KR" altLang="en-US" dirty="0" smtClean="0"/>
+              <a:t> </a:t>
+            </a:r>
+            <a:endParaRPr lang="en-US" altLang="ko-KR" dirty="0" smtClean="0"/>
+          </a:p>
+          <a:p>
+            <a:r>
+              <a:rPr lang="en-US" altLang="ko-KR" dirty="0" smtClean="0"/>
+              <a:t>span </a:t>
+            </a:r>
+            <a:r>
+              <a:rPr lang="ko-KR" altLang="en-US" dirty="0" smtClean="0"/>
+              <a:t>활용해서 오류 처리</a:t>
+            </a:r>
+            <a:endParaRPr lang="ko-KR" altLang="en-US" dirty="0"/>
+          </a:p>
+        </p:txBody>
+      </p:sp>
+      <p:sp>
+        <p:nvSpPr>
+          <p:cNvPr id="45" name="TextBox 44"/>
+          <p:cNvSpPr txBox="1"/>
+          <p:nvPr/>
+        </p:nvSpPr>
+        <p:spPr>
+          <a:xfrm>
+            <a:off x="7242629" y="8375042"/>
+            <a:ext cx="4267200" cy="646331"/>
+          </a:xfrm>
+          <a:prstGeom prst="rect">
+            <a:avLst/>
+          </a:prstGeom>
+          <a:noFill/>
+        </p:spPr>
+        <p:txBody>
+          <a:bodyPr wrap="square" rtlCol="0">
+            <a:spAutoFit/>
+          </a:bodyPr>
+          <a:lstStyle/>
+          <a:p>
+            <a:r>
+              <a:rPr lang="ko-KR" altLang="en-US" dirty="0" smtClean="0"/>
+              <a:t>이메일로 </a:t>
+            </a:r>
+            <a:r>
+              <a:rPr lang="ko-KR" altLang="en-US" dirty="0" err="1" smtClean="0"/>
+              <a:t>난수</a:t>
+            </a:r>
+            <a:r>
+              <a:rPr lang="ko-KR" altLang="en-US" dirty="0" smtClean="0"/>
+              <a:t> 보낸 후 인증번호 재확인 후 가입 처리</a:t>
+            </a:r>
+            <a:endParaRPr lang="ko-KR" altLang="en-US" dirty="0"/>
           </a:p>
         </p:txBody>
       </p:sp>
       <p:pic>
         <p:nvPicPr>
-          <p:cNvPr id="16" name="그림 15"/>
+          <p:cNvPr id="39" name="그림 38"/>
           <p:cNvPicPr>
             <a:picLocks noChangeAspect="1"/>
           </p:cNvPicPr>
@@ -9991,7 +10250,7 @@
       </p:pic>
       <p:pic>
         <p:nvPicPr>
-          <p:cNvPr id="19" name="그림 18"/>
+          <p:cNvPr id="42" name="그림 41"/>
           <p:cNvPicPr>
             <a:picLocks noChangeAspect="1"/>
           </p:cNvPicPr>
@@ -10016,7 +10275,7 @@
     </p:spTree>
     <p:extLst>
       <p:ext uri="{BB962C8B-B14F-4D97-AF65-F5344CB8AC3E}">
-        <p14:creationId xmlns:p14="http://schemas.microsoft.com/office/powerpoint/2010/main" val="2629038349"/>
+        <p14:creationId xmlns:p14="http://schemas.microsoft.com/office/powerpoint/2010/main" val="3776266914"/>
       </p:ext>
     </p:extLst>
   </p:cSld>
@@ -10335,7 +10594,7 @@
         </p:nvSpPr>
         <p:spPr>
           <a:xfrm>
-            <a:off x="2344057" y="6958597"/>
+            <a:off x="2144485" y="6974299"/>
             <a:ext cx="2569029" cy="602945"/>
           </a:xfrm>
           <a:prstGeom prst="rect">
@@ -10365,7 +10624,7 @@
             <a:pPr algn="ctr"/>
             <a:r>
               <a:rPr lang="ko-KR" altLang="en-US" dirty="0" smtClean="0"/>
-              <a:t>비밀번호 찾기</a:t>
+              <a:t>아이디 찾기</a:t>
             </a:r>
             <a:endParaRPr lang="ko-KR" altLang="en-US" dirty="0"/>
           </a:p>
@@ -10493,7 +10752,7 @@
           <a:p>
             <a:r>
               <a:rPr lang="ko-KR" altLang="en-US" sz="2000" b="1" dirty="0" smtClean="0"/>
-              <a:t>비밀번호 찾기 </a:t>
+              <a:t>아이디 찾기 </a:t>
             </a:r>
             <a:endParaRPr lang="en-US" altLang="ko-KR" sz="2000" b="1" dirty="0" smtClean="0"/>
           </a:p>
@@ -10506,72 +10765,9 @@
           </a:p>
         </p:txBody>
       </p:sp>
-      <p:sp>
-        <p:nvSpPr>
-          <p:cNvPr id="16" name="TextBox 15"/>
-          <p:cNvSpPr txBox="1"/>
-          <p:nvPr/>
-        </p:nvSpPr>
-        <p:spPr>
-          <a:xfrm>
-            <a:off x="1930400" y="3189425"/>
-            <a:ext cx="2351314" cy="369332"/>
-          </a:xfrm>
-          <a:prstGeom prst="rect">
-            <a:avLst/>
-          </a:prstGeom>
-          <a:noFill/>
-        </p:spPr>
-        <p:txBody>
-          <a:bodyPr wrap="square" rtlCol="0">
-            <a:spAutoFit/>
-          </a:bodyPr>
-          <a:lstStyle/>
-          <a:p>
-            <a:r>
-              <a:rPr lang="ko-KR" altLang="en-US" dirty="0" smtClean="0"/>
-              <a:t>아이디</a:t>
-            </a:r>
-            <a:endParaRPr lang="ko-KR" altLang="en-US" dirty="0"/>
-          </a:p>
-        </p:txBody>
-      </p:sp>
-      <p:cxnSp>
-        <p:nvCxnSpPr>
-          <p:cNvPr id="19" name="직선 화살표 연결선 18"/>
-          <p:cNvCxnSpPr/>
-          <p:nvPr/>
-        </p:nvCxnSpPr>
-        <p:spPr>
-          <a:xfrm flipH="1">
-            <a:off x="-290285" y="3451501"/>
-            <a:ext cx="2217058" cy="964455"/>
-          </a:xfrm>
-          <a:prstGeom prst="straightConnector1">
-            <a:avLst/>
-          </a:prstGeom>
-          <a:ln>
-            <a:tailEnd type="triangle"/>
-          </a:ln>
-        </p:spPr>
-        <p:style>
-          <a:lnRef idx="1">
-            <a:schemeClr val="accent1"/>
-          </a:lnRef>
-          <a:fillRef idx="0">
-            <a:schemeClr val="accent1"/>
-          </a:fillRef>
-          <a:effectRef idx="0">
-            <a:schemeClr val="accent1"/>
-          </a:effectRef>
-          <a:fontRef idx="minor">
-            <a:schemeClr val="tx1"/>
-          </a:fontRef>
-        </p:style>
-      </p:cxnSp>
       <p:pic>
         <p:nvPicPr>
-          <p:cNvPr id="22" name="그림 21"/>
+          <p:cNvPr id="16" name="그림 15"/>
           <p:cNvPicPr>
             <a:picLocks noChangeAspect="1"/>
           </p:cNvPicPr>
@@ -10595,7 +10791,7 @@
       </p:pic>
       <p:pic>
         <p:nvPicPr>
-          <p:cNvPr id="23" name="그림 22"/>
+          <p:cNvPr id="19" name="그림 18"/>
           <p:cNvPicPr>
             <a:picLocks noChangeAspect="1"/>
           </p:cNvPicPr>
@@ -10620,7 +10816,7 @@
     </p:spTree>
     <p:extLst>
       <p:ext uri="{BB962C8B-B14F-4D97-AF65-F5344CB8AC3E}">
-        <p14:creationId xmlns:p14="http://schemas.microsoft.com/office/powerpoint/2010/main" val="822608395"/>
+        <p14:creationId xmlns:p14="http://schemas.microsoft.com/office/powerpoint/2010/main" val="2629038349"/>
       </p:ext>
     </p:extLst>
   </p:cSld>
@@ -10656,14 +10852,14 @@
       </p:grpSpPr>
       <p:sp>
         <p:nvSpPr>
-          <p:cNvPr id="4" name="직사각형 3"/>
+          <p:cNvPr id="5" name="직사각형 4"/>
           <p:cNvSpPr/>
           <p:nvPr/>
         </p:nvSpPr>
         <p:spPr>
           <a:xfrm>
-            <a:off x="0" y="1498605"/>
-            <a:ext cx="6858000" cy="481262"/>
+            <a:off x="0" y="11191609"/>
+            <a:ext cx="6858000" cy="1000391"/>
           </a:xfrm>
           <a:prstGeom prst="rect">
             <a:avLst/>
@@ -10702,47 +10898,23 @@
           <a:p>
             <a:pPr algn="ctr"/>
             <a:r>
-              <a:rPr lang="ko-KR" altLang="en-US" sz="1500" dirty="0" err="1" smtClean="0"/>
-              <a:t>버스타스램</a:t>
-            </a:r>
-            <a:r>
-              <a:rPr lang="en-US" altLang="ko-KR" sz="1500" dirty="0" smtClean="0"/>
-              <a:t>               </a:t>
-            </a:r>
-            <a:r>
-              <a:rPr lang="ko-KR" altLang="en-US" sz="1500" dirty="0"/>
-              <a:t>공연 장소 및 일정</a:t>
-            </a:r>
-            <a:r>
-              <a:rPr lang="en-US" altLang="ko-KR" sz="1500" dirty="0"/>
-              <a:t>               </a:t>
-            </a:r>
-            <a:r>
-              <a:rPr lang="ko-KR" altLang="en-US" sz="1500" dirty="0"/>
-              <a:t>커뮤니티</a:t>
-            </a:r>
-            <a:r>
-              <a:rPr lang="en-US" altLang="ko-KR" sz="1500" dirty="0"/>
-              <a:t>               </a:t>
-            </a:r>
-            <a:r>
-              <a:rPr lang="ko-KR" altLang="en-US" sz="1500" dirty="0" err="1"/>
-              <a:t>마이페이지</a:t>
-            </a:r>
-            <a:endParaRPr lang="ko-KR" altLang="en-US" sz="1500" dirty="0"/>
+              <a:rPr lang="en-US" altLang="ko-KR" dirty="0"/>
+              <a:t>footer</a:t>
+            </a:r>
+            <a:endParaRPr lang="ko-KR" altLang="en-US" dirty="0"/>
           </a:p>
         </p:txBody>
       </p:sp>
       <p:sp>
         <p:nvSpPr>
-          <p:cNvPr id="23" name="직사각형 22"/>
+          <p:cNvPr id="6" name="직사각형 5"/>
           <p:cNvSpPr/>
           <p:nvPr/>
         </p:nvSpPr>
         <p:spPr>
           <a:xfrm>
-            <a:off x="0" y="11191609"/>
-            <a:ext cx="6858000" cy="1000391"/>
+            <a:off x="0" y="1498605"/>
+            <a:ext cx="6858000" cy="481262"/>
           </a:xfrm>
           <a:prstGeom prst="rect">
             <a:avLst/>
@@ -10780,81 +10952,20 @@
           <a:lstStyle/>
           <a:p>
             <a:pPr algn="ctr"/>
-            <a:r>
-              <a:rPr lang="en-US" altLang="ko-KR" dirty="0"/>
-              <a:t>footer</a:t>
-            </a:r>
-            <a:endParaRPr lang="ko-KR" altLang="en-US" dirty="0"/>
+            <a:endParaRPr lang="ko-KR" altLang="en-US" sz="1500" dirty="0"/>
           </a:p>
         </p:txBody>
       </p:sp>
       <p:sp>
         <p:nvSpPr>
-          <p:cNvPr id="24" name="직사각형 23"/>
-          <p:cNvSpPr/>
+          <p:cNvPr id="7" name="TextBox 6"/>
+          <p:cNvSpPr txBox="1"/>
           <p:nvPr/>
         </p:nvSpPr>
         <p:spPr>
           <a:xfrm>
-            <a:off x="118814" y="5245092"/>
-            <a:ext cx="5482986" cy="869112"/>
-          </a:xfrm>
-          <a:prstGeom prst="rect">
-            <a:avLst/>
-          </a:prstGeom>
-          <a:solidFill>
-            <a:schemeClr val="bg1"/>
-          </a:solidFill>
-          <a:ln>
-            <a:solidFill>
-              <a:schemeClr val="tx1"/>
-            </a:solidFill>
-          </a:ln>
-        </p:spPr>
-        <p:style>
-          <a:lnRef idx="2">
-            <a:schemeClr val="accent1">
-              <a:shade val="50000"/>
-            </a:schemeClr>
-          </a:lnRef>
-          <a:fillRef idx="1">
-            <a:schemeClr val="accent1"/>
-          </a:fillRef>
-          <a:effectRef idx="0">
-            <a:schemeClr val="accent1"/>
-          </a:effectRef>
-          <a:fontRef idx="minor">
-            <a:schemeClr val="lt1"/>
-          </a:fontRef>
-        </p:style>
-        <p:txBody>
-          <a:bodyPr rot="0" spcFirstLastPara="0" vertOverflow="overflow" horzOverflow="overflow" vert="horz" wrap="square" lIns="91440" tIns="45720" rIns="91440" bIns="45720" numCol="1" spcCol="0" rtlCol="0" fromWordArt="0" anchor="ctr" anchorCtr="0" forceAA="0" compatLnSpc="1">
-            <a:prstTxWarp prst="textNoShape">
-              <a:avLst/>
-            </a:prstTxWarp>
-            <a:noAutofit/>
-          </a:bodyPr>
-          <a:lstStyle/>
-          <a:p>
-            <a:pPr algn="ctr"/>
-            <a:endParaRPr lang="ko-KR" altLang="en-US" dirty="0">
-              <a:solidFill>
-                <a:schemeClr val="tx1"/>
-              </a:solidFill>
-            </a:endParaRPr>
-          </a:p>
-        </p:txBody>
-      </p:sp>
-      <p:sp>
-        <p:nvSpPr>
-          <p:cNvPr id="56" name="TextBox 55"/>
-          <p:cNvSpPr txBox="1"/>
-          <p:nvPr/>
-        </p:nvSpPr>
-        <p:spPr>
-          <a:xfrm>
-            <a:off x="257137" y="2159156"/>
-            <a:ext cx="1738300" cy="369332"/>
+            <a:off x="1930400" y="4049486"/>
+            <a:ext cx="2351314" cy="369332"/>
           </a:xfrm>
           <a:prstGeom prst="rect">
             <a:avLst/>
@@ -10867,10 +10978,9 @@
           </a:bodyPr>
           <a:lstStyle/>
           <a:p>
-            <a:pPr algn="ctr"/>
             <a:r>
               <a:rPr lang="ko-KR" altLang="en-US" dirty="0" smtClean="0"/>
-              <a:t>승인요청</a:t>
+              <a:t>이름</a:t>
             </a:r>
             <a:endParaRPr lang="ko-KR" altLang="en-US" dirty="0"/>
           </a:p>
@@ -10878,14 +10988,14 @@
       </p:sp>
       <p:sp>
         <p:nvSpPr>
-          <p:cNvPr id="57" name="TextBox 56"/>
+          <p:cNvPr id="8" name="TextBox 7"/>
           <p:cNvSpPr txBox="1"/>
           <p:nvPr/>
         </p:nvSpPr>
         <p:spPr>
           <a:xfrm>
-            <a:off x="62657" y="4740017"/>
-            <a:ext cx="2319147" cy="369332"/>
+            <a:off x="1908630" y="5681557"/>
+            <a:ext cx="2351314" cy="369332"/>
           </a:xfrm>
           <a:prstGeom prst="rect">
             <a:avLst/>
@@ -10898,37 +11008,28 @@
           </a:bodyPr>
           <a:lstStyle/>
           <a:p>
-            <a:pPr algn="ctr"/>
             <a:r>
               <a:rPr lang="ko-KR" altLang="en-US" dirty="0" smtClean="0"/>
-              <a:t>아티스트 목록</a:t>
-            </a:r>
-            <a:endParaRPr lang="ko-KR" altLang="en-US" dirty="0"/>
+              <a:t>인증번호 입력</a:t>
+            </a:r>
+            <a:endParaRPr lang="en-US" altLang="ko-KR" dirty="0" smtClean="0"/>
           </a:p>
         </p:txBody>
       </p:sp>
       <p:sp>
         <p:nvSpPr>
-          <p:cNvPr id="59" name="덧셈 기호 58"/>
+          <p:cNvPr id="10" name="직사각형 9"/>
           <p:cNvSpPr/>
           <p:nvPr/>
         </p:nvSpPr>
         <p:spPr>
           <a:xfrm>
-            <a:off x="2329624" y="3319080"/>
-            <a:ext cx="276276" cy="276276"/>
-          </a:xfrm>
-          <a:prstGeom prst="mathPlus">
-            <a:avLst>
-              <a:gd name="adj1" fmla="val 22785"/>
-            </a:avLst>
-          </a:prstGeom>
-          <a:solidFill>
-            <a:schemeClr val="tx1"/>
-          </a:solidFill>
-          <a:ln>
-            <a:noFill/>
-          </a:ln>
+            <a:off x="4064000" y="4821119"/>
+            <a:ext cx="2394858" cy="482731"/>
+          </a:xfrm>
+          <a:prstGeom prst="rect">
+            <a:avLst/>
+          </a:prstGeom>
         </p:spPr>
         <p:style>
           <a:lnRef idx="2">
@@ -10951,32 +11052,95 @@
           <a:lstStyle/>
           <a:p>
             <a:pPr algn="ctr"/>
-            <a:endParaRPr lang="ko-KR" altLang="en-US"/>
+            <a:r>
+              <a:rPr lang="ko-KR" altLang="en-US" dirty="0" smtClean="0"/>
+              <a:t>인증번호 받기</a:t>
+            </a:r>
+            <a:endParaRPr lang="ko-KR" altLang="en-US" dirty="0"/>
+          </a:p>
+        </p:txBody>
+      </p:sp>
+      <p:cxnSp>
+        <p:nvCxnSpPr>
+          <p:cNvPr id="13" name="직선 화살표 연결선 12"/>
+          <p:cNvCxnSpPr/>
+          <p:nvPr/>
+        </p:nvCxnSpPr>
+        <p:spPr>
+          <a:xfrm flipH="1">
+            <a:off x="-290285" y="4415956"/>
+            <a:ext cx="2249715" cy="130752"/>
+          </a:xfrm>
+          <a:prstGeom prst="straightConnector1">
+            <a:avLst/>
+          </a:prstGeom>
+          <a:ln>
+            <a:tailEnd type="triangle"/>
+          </a:ln>
+        </p:spPr>
+        <p:style>
+          <a:lnRef idx="1">
+            <a:schemeClr val="accent1"/>
+          </a:lnRef>
+          <a:fillRef idx="0">
+            <a:schemeClr val="accent1"/>
+          </a:fillRef>
+          <a:effectRef idx="0">
+            <a:schemeClr val="accent1"/>
+          </a:effectRef>
+          <a:fontRef idx="minor">
+            <a:schemeClr val="tx1"/>
+          </a:fontRef>
+        </p:style>
+      </p:cxnSp>
+      <p:sp>
+        <p:nvSpPr>
+          <p:cNvPr id="15" name="TextBox 14"/>
+          <p:cNvSpPr txBox="1"/>
+          <p:nvPr/>
+        </p:nvSpPr>
+        <p:spPr>
+          <a:xfrm>
+            <a:off x="-2169885" y="4594547"/>
+            <a:ext cx="2169885" cy="369332"/>
+          </a:xfrm>
+          <a:prstGeom prst="rect">
+            <a:avLst/>
+          </a:prstGeom>
+          <a:noFill/>
+        </p:spPr>
+        <p:txBody>
+          <a:bodyPr wrap="square" rtlCol="0">
+            <a:spAutoFit/>
+          </a:bodyPr>
+          <a:lstStyle/>
+          <a:p>
+            <a:r>
+              <a:rPr lang="en-US" altLang="ko-KR" dirty="0" smtClean="0"/>
+              <a:t>Place holder </a:t>
+            </a:r>
+            <a:r>
+              <a:rPr lang="ko-KR" altLang="en-US" dirty="0" smtClean="0"/>
+              <a:t>처리</a:t>
+            </a:r>
+            <a:endParaRPr lang="ko-KR" altLang="en-US" dirty="0"/>
           </a:p>
         </p:txBody>
       </p:sp>
       <p:sp>
         <p:nvSpPr>
-          <p:cNvPr id="60" name="덧셈 기호 59"/>
+          <p:cNvPr id="14" name="직사각형 13"/>
           <p:cNvSpPr/>
           <p:nvPr/>
         </p:nvSpPr>
         <p:spPr>
           <a:xfrm>
-            <a:off x="2338595" y="4746319"/>
-            <a:ext cx="276276" cy="276276"/>
-          </a:xfrm>
-          <a:prstGeom prst="mathPlus">
-            <a:avLst>
-              <a:gd name="adj1" fmla="val 22785"/>
-            </a:avLst>
-          </a:prstGeom>
-          <a:solidFill>
-            <a:schemeClr val="tx1"/>
-          </a:solidFill>
-          <a:ln>
-            <a:noFill/>
-          </a:ln>
+            <a:off x="2344057" y="6958597"/>
+            <a:ext cx="2569029" cy="602945"/>
+          </a:xfrm>
+          <a:prstGeom prst="rect">
+            <a:avLst/>
+          </a:prstGeom>
         </p:spPr>
         <p:style>
           <a:lnRef idx="2">
@@ -10999,20 +11163,24 @@
           <a:lstStyle/>
           <a:p>
             <a:pPr algn="ctr"/>
-            <a:endParaRPr lang="ko-KR" altLang="en-US"/>
+            <a:r>
+              <a:rPr lang="ko-KR" altLang="en-US" dirty="0" smtClean="0"/>
+              <a:t>비밀번호 찾기</a:t>
+            </a:r>
+            <a:endParaRPr lang="ko-KR" altLang="en-US" dirty="0"/>
           </a:p>
         </p:txBody>
       </p:sp>
       <p:sp>
         <p:nvSpPr>
-          <p:cNvPr id="65" name="TextBox 64"/>
+          <p:cNvPr id="17" name="TextBox 16"/>
           <p:cNvSpPr txBox="1"/>
           <p:nvPr/>
         </p:nvSpPr>
         <p:spPr>
           <a:xfrm>
-            <a:off x="-3303872" y="847987"/>
-            <a:ext cx="2728452" cy="400110"/>
+            <a:off x="1894115" y="4869709"/>
+            <a:ext cx="2351314" cy="369332"/>
           </a:xfrm>
           <a:prstGeom prst="rect">
             <a:avLst/>
@@ -11025,498 +11193,59 @@
           </a:bodyPr>
           <a:lstStyle/>
           <a:p>
-            <a:pPr algn="ctr"/>
-            <a:r>
-              <a:rPr lang="ko-KR" altLang="en-US" sz="2000" b="1" dirty="0" smtClean="0"/>
-              <a:t>관리자 </a:t>
-            </a:r>
-            <a:r>
-              <a:rPr lang="ko-KR" altLang="en-US" sz="2000" b="1" dirty="0" err="1" smtClean="0"/>
-              <a:t>첫페이지</a:t>
-            </a:r>
-            <a:endParaRPr lang="ko-KR" altLang="en-US" sz="2000" b="1" dirty="0"/>
-          </a:p>
-        </p:txBody>
-      </p:sp>
-      <p:sp>
-        <p:nvSpPr>
-          <p:cNvPr id="58" name="덧셈 기호 57"/>
-          <p:cNvSpPr/>
-          <p:nvPr/>
-        </p:nvSpPr>
-        <p:spPr>
-          <a:xfrm>
-            <a:off x="2200457" y="6355506"/>
-            <a:ext cx="276276" cy="276276"/>
-          </a:xfrm>
-          <a:prstGeom prst="mathPlus">
-            <a:avLst>
-              <a:gd name="adj1" fmla="val 22785"/>
-            </a:avLst>
-          </a:prstGeom>
-          <a:solidFill>
-            <a:schemeClr val="tx1"/>
-          </a:solidFill>
-          <a:ln>
-            <a:noFill/>
-          </a:ln>
-        </p:spPr>
-        <p:style>
-          <a:lnRef idx="2">
-            <a:schemeClr val="accent1">
-              <a:shade val="50000"/>
-            </a:schemeClr>
-          </a:lnRef>
-          <a:fillRef idx="1">
-            <a:schemeClr val="accent1"/>
-          </a:fillRef>
-          <a:effectRef idx="0">
-            <a:schemeClr val="accent1"/>
-          </a:effectRef>
-          <a:fontRef idx="minor">
-            <a:schemeClr val="lt1"/>
-          </a:fontRef>
-        </p:style>
-        <p:txBody>
-          <a:bodyPr rtlCol="0" anchor="ctr"/>
-          <a:lstStyle/>
-          <a:p>
-            <a:pPr algn="ctr"/>
-            <a:endParaRPr lang="ko-KR" altLang="en-US"/>
-          </a:p>
-        </p:txBody>
-      </p:sp>
-      <p:sp>
-        <p:nvSpPr>
-          <p:cNvPr id="66" name="TextBox 65"/>
-          <p:cNvSpPr txBox="1"/>
-          <p:nvPr/>
-        </p:nvSpPr>
-        <p:spPr>
-          <a:xfrm>
-            <a:off x="131867" y="6386483"/>
-            <a:ext cx="1988839" cy="369332"/>
-          </a:xfrm>
-          <a:prstGeom prst="rect">
-            <a:avLst/>
-          </a:prstGeom>
-          <a:noFill/>
-        </p:spPr>
-        <p:txBody>
-          <a:bodyPr wrap="square" rtlCol="0">
-            <a:spAutoFit/>
-          </a:bodyPr>
-          <a:lstStyle/>
-          <a:p>
-            <a:pPr algn="ctr"/>
             <a:r>
               <a:rPr lang="ko-KR" altLang="en-US" dirty="0" smtClean="0"/>
-              <a:t>회원 목록</a:t>
-            </a:r>
-            <a:endParaRPr lang="ko-KR" altLang="en-US" dirty="0"/>
-          </a:p>
-        </p:txBody>
-      </p:sp>
-      <p:sp>
-        <p:nvSpPr>
-          <p:cNvPr id="67" name="TextBox 66"/>
-          <p:cNvSpPr txBox="1"/>
-          <p:nvPr/>
-        </p:nvSpPr>
-        <p:spPr>
-          <a:xfrm>
-            <a:off x="62657" y="7833912"/>
-            <a:ext cx="1932780" cy="369332"/>
-          </a:xfrm>
-          <a:prstGeom prst="rect">
-            <a:avLst/>
-          </a:prstGeom>
-          <a:noFill/>
-        </p:spPr>
-        <p:txBody>
-          <a:bodyPr wrap="square" rtlCol="0">
-            <a:spAutoFit/>
-          </a:bodyPr>
-          <a:lstStyle/>
-          <a:p>
-            <a:pPr algn="ctr"/>
-            <a:r>
-              <a:rPr lang="ko-KR" altLang="en-US" dirty="0" smtClean="0"/>
-              <a:t>가게 목록</a:t>
-            </a:r>
-            <a:endParaRPr lang="ko-KR" altLang="en-US" dirty="0"/>
-          </a:p>
-        </p:txBody>
-      </p:sp>
-      <p:sp>
-        <p:nvSpPr>
-          <p:cNvPr id="69" name="덧셈 기호 68"/>
-          <p:cNvSpPr/>
-          <p:nvPr/>
-        </p:nvSpPr>
-        <p:spPr>
-          <a:xfrm>
-            <a:off x="2191486" y="7802935"/>
-            <a:ext cx="276276" cy="276276"/>
-          </a:xfrm>
-          <a:prstGeom prst="mathPlus">
-            <a:avLst>
-              <a:gd name="adj1" fmla="val 22785"/>
-            </a:avLst>
-          </a:prstGeom>
-          <a:solidFill>
-            <a:schemeClr val="tx1"/>
-          </a:solidFill>
-          <a:ln>
-            <a:noFill/>
-          </a:ln>
-        </p:spPr>
-        <p:style>
-          <a:lnRef idx="2">
-            <a:schemeClr val="accent1">
-              <a:shade val="50000"/>
-            </a:schemeClr>
-          </a:lnRef>
-          <a:fillRef idx="1">
-            <a:schemeClr val="accent1"/>
-          </a:fillRef>
-          <a:effectRef idx="0">
-            <a:schemeClr val="accent1"/>
-          </a:effectRef>
-          <a:fontRef idx="minor">
-            <a:schemeClr val="lt1"/>
-          </a:fontRef>
-        </p:style>
-        <p:txBody>
-          <a:bodyPr rtlCol="0" anchor="ctr"/>
-          <a:lstStyle/>
-          <a:p>
-            <a:pPr algn="ctr"/>
-            <a:endParaRPr lang="ko-KR" altLang="en-US"/>
-          </a:p>
-        </p:txBody>
-      </p:sp>
-      <p:sp>
-        <p:nvSpPr>
-          <p:cNvPr id="71" name="덧셈 기호 70"/>
-          <p:cNvSpPr/>
-          <p:nvPr/>
-        </p:nvSpPr>
-        <p:spPr>
-          <a:xfrm>
-            <a:off x="2053348" y="9318431"/>
-            <a:ext cx="276276" cy="276276"/>
-          </a:xfrm>
-          <a:prstGeom prst="mathPlus">
-            <a:avLst>
-              <a:gd name="adj1" fmla="val 22785"/>
-            </a:avLst>
-          </a:prstGeom>
-          <a:solidFill>
-            <a:schemeClr val="tx1"/>
-          </a:solidFill>
-          <a:ln>
-            <a:noFill/>
-          </a:ln>
-        </p:spPr>
-        <p:style>
-          <a:lnRef idx="2">
-            <a:schemeClr val="accent1">
-              <a:shade val="50000"/>
-            </a:schemeClr>
-          </a:lnRef>
-          <a:fillRef idx="1">
-            <a:schemeClr val="accent1"/>
-          </a:fillRef>
-          <a:effectRef idx="0">
-            <a:schemeClr val="accent1"/>
-          </a:effectRef>
-          <a:fontRef idx="minor">
-            <a:schemeClr val="lt1"/>
-          </a:fontRef>
-        </p:style>
-        <p:txBody>
-          <a:bodyPr rtlCol="0" anchor="ctr"/>
-          <a:lstStyle/>
-          <a:p>
-            <a:pPr algn="ctr"/>
-            <a:endParaRPr lang="ko-KR" altLang="en-US"/>
-          </a:p>
-        </p:txBody>
-      </p:sp>
-      <p:sp>
-        <p:nvSpPr>
-          <p:cNvPr id="72" name="TextBox 71"/>
-          <p:cNvSpPr txBox="1"/>
-          <p:nvPr/>
-        </p:nvSpPr>
-        <p:spPr>
-          <a:xfrm>
-            <a:off x="257137" y="9248704"/>
-            <a:ext cx="1481735" cy="369332"/>
-          </a:xfrm>
-          <a:prstGeom prst="rect">
-            <a:avLst/>
-          </a:prstGeom>
-          <a:noFill/>
-        </p:spPr>
-        <p:txBody>
-          <a:bodyPr wrap="square" rtlCol="0">
-            <a:spAutoFit/>
-          </a:bodyPr>
-          <a:lstStyle/>
-          <a:p>
-            <a:pPr algn="ctr"/>
-            <a:r>
-              <a:rPr lang="ko-KR" altLang="en-US" dirty="0" err="1" smtClean="0"/>
-              <a:t>게시글</a:t>
-            </a:r>
-            <a:r>
-              <a:rPr lang="ko-KR" altLang="en-US" dirty="0" smtClean="0"/>
-              <a:t> 목록</a:t>
-            </a:r>
-            <a:endParaRPr lang="ko-KR" altLang="en-US" dirty="0"/>
-          </a:p>
-        </p:txBody>
-      </p:sp>
-      <p:sp>
-        <p:nvSpPr>
-          <p:cNvPr id="73" name="직사각형 72"/>
-          <p:cNvSpPr/>
-          <p:nvPr/>
-        </p:nvSpPr>
-        <p:spPr>
-          <a:xfrm>
-            <a:off x="118814" y="3718927"/>
-            <a:ext cx="5482986" cy="869112"/>
-          </a:xfrm>
-          <a:prstGeom prst="rect">
-            <a:avLst/>
-          </a:prstGeom>
-          <a:solidFill>
-            <a:schemeClr val="bg1"/>
-          </a:solidFill>
-          <a:ln>
-            <a:solidFill>
-              <a:schemeClr val="tx1"/>
-            </a:solidFill>
-          </a:ln>
-        </p:spPr>
-        <p:style>
-          <a:lnRef idx="2">
-            <a:schemeClr val="accent1">
-              <a:shade val="50000"/>
-            </a:schemeClr>
-          </a:lnRef>
-          <a:fillRef idx="1">
-            <a:schemeClr val="accent1"/>
-          </a:fillRef>
-          <a:effectRef idx="0">
-            <a:schemeClr val="accent1"/>
-          </a:effectRef>
-          <a:fontRef idx="minor">
-            <a:schemeClr val="lt1"/>
-          </a:fontRef>
-        </p:style>
-        <p:txBody>
-          <a:bodyPr rot="0" spcFirstLastPara="0" vertOverflow="overflow" horzOverflow="overflow" vert="horz" wrap="square" lIns="91440" tIns="45720" rIns="91440" bIns="45720" numCol="1" spcCol="0" rtlCol="0" fromWordArt="0" anchor="ctr" anchorCtr="0" forceAA="0" compatLnSpc="1">
-            <a:prstTxWarp prst="textNoShape">
-              <a:avLst/>
-            </a:prstTxWarp>
-            <a:noAutofit/>
-          </a:bodyPr>
-          <a:lstStyle/>
-          <a:p>
-            <a:pPr algn="ctr"/>
-            <a:endParaRPr lang="ko-KR" altLang="en-US" dirty="0">
-              <a:solidFill>
-                <a:schemeClr val="tx1"/>
-              </a:solidFill>
-            </a:endParaRPr>
-          </a:p>
-        </p:txBody>
-      </p:sp>
-      <p:sp>
-        <p:nvSpPr>
-          <p:cNvPr id="74" name="직사각형 73"/>
-          <p:cNvSpPr/>
-          <p:nvPr/>
-        </p:nvSpPr>
-        <p:spPr>
-          <a:xfrm>
-            <a:off x="118814" y="6846795"/>
-            <a:ext cx="5482986" cy="869112"/>
-          </a:xfrm>
-          <a:prstGeom prst="rect">
-            <a:avLst/>
-          </a:prstGeom>
-          <a:solidFill>
-            <a:schemeClr val="bg1"/>
-          </a:solidFill>
-          <a:ln>
-            <a:solidFill>
-              <a:schemeClr val="tx1"/>
-            </a:solidFill>
-          </a:ln>
-        </p:spPr>
-        <p:style>
-          <a:lnRef idx="2">
-            <a:schemeClr val="accent1">
-              <a:shade val="50000"/>
-            </a:schemeClr>
-          </a:lnRef>
-          <a:fillRef idx="1">
-            <a:schemeClr val="accent1"/>
-          </a:fillRef>
-          <a:effectRef idx="0">
-            <a:schemeClr val="accent1"/>
-          </a:effectRef>
-          <a:fontRef idx="minor">
-            <a:schemeClr val="lt1"/>
-          </a:fontRef>
-        </p:style>
-        <p:txBody>
-          <a:bodyPr rot="0" spcFirstLastPara="0" vertOverflow="overflow" horzOverflow="overflow" vert="horz" wrap="square" lIns="91440" tIns="45720" rIns="91440" bIns="45720" numCol="1" spcCol="0" rtlCol="0" fromWordArt="0" anchor="ctr" anchorCtr="0" forceAA="0" compatLnSpc="1">
-            <a:prstTxWarp prst="textNoShape">
-              <a:avLst/>
-            </a:prstTxWarp>
-            <a:noAutofit/>
-          </a:bodyPr>
-          <a:lstStyle/>
-          <a:p>
-            <a:pPr algn="ctr"/>
-            <a:endParaRPr lang="ko-KR" altLang="en-US" dirty="0">
-              <a:solidFill>
-                <a:schemeClr val="tx1"/>
-              </a:solidFill>
-            </a:endParaRPr>
-          </a:p>
-        </p:txBody>
-      </p:sp>
-      <p:sp>
-        <p:nvSpPr>
-          <p:cNvPr id="75" name="직사각형 74"/>
-          <p:cNvSpPr/>
-          <p:nvPr/>
-        </p:nvSpPr>
-        <p:spPr>
-          <a:xfrm>
-            <a:off x="118814" y="8204424"/>
-            <a:ext cx="5482986" cy="869112"/>
-          </a:xfrm>
-          <a:prstGeom prst="rect">
-            <a:avLst/>
-          </a:prstGeom>
-          <a:solidFill>
-            <a:schemeClr val="bg1"/>
-          </a:solidFill>
-          <a:ln>
-            <a:solidFill>
-              <a:schemeClr val="tx1"/>
-            </a:solidFill>
-          </a:ln>
-        </p:spPr>
-        <p:style>
-          <a:lnRef idx="2">
-            <a:schemeClr val="accent1">
-              <a:shade val="50000"/>
-            </a:schemeClr>
-          </a:lnRef>
-          <a:fillRef idx="1">
-            <a:schemeClr val="accent1"/>
-          </a:fillRef>
-          <a:effectRef idx="0">
-            <a:schemeClr val="accent1"/>
-          </a:effectRef>
-          <a:fontRef idx="minor">
-            <a:schemeClr val="lt1"/>
-          </a:fontRef>
-        </p:style>
-        <p:txBody>
-          <a:bodyPr rot="0" spcFirstLastPara="0" vertOverflow="overflow" horzOverflow="overflow" vert="horz" wrap="square" lIns="91440" tIns="45720" rIns="91440" bIns="45720" numCol="1" spcCol="0" rtlCol="0" fromWordArt="0" anchor="ctr" anchorCtr="0" forceAA="0" compatLnSpc="1">
-            <a:prstTxWarp prst="textNoShape">
-              <a:avLst/>
-            </a:prstTxWarp>
-            <a:noAutofit/>
-          </a:bodyPr>
-          <a:lstStyle/>
-          <a:p>
-            <a:pPr algn="ctr"/>
-            <a:endParaRPr lang="ko-KR" altLang="en-US" dirty="0">
-              <a:solidFill>
-                <a:schemeClr val="tx1"/>
-              </a:solidFill>
-            </a:endParaRPr>
-          </a:p>
-        </p:txBody>
-      </p:sp>
-      <p:sp>
-        <p:nvSpPr>
-          <p:cNvPr id="76" name="직사각형 75"/>
-          <p:cNvSpPr/>
-          <p:nvPr/>
-        </p:nvSpPr>
-        <p:spPr>
-          <a:xfrm>
-            <a:off x="118814" y="9796961"/>
-            <a:ext cx="5482986" cy="869112"/>
-          </a:xfrm>
-          <a:prstGeom prst="rect">
-            <a:avLst/>
-          </a:prstGeom>
-          <a:solidFill>
-            <a:schemeClr val="bg1"/>
-          </a:solidFill>
-          <a:ln>
-            <a:solidFill>
-              <a:schemeClr val="tx1"/>
-            </a:solidFill>
-          </a:ln>
-        </p:spPr>
-        <p:style>
-          <a:lnRef idx="2">
-            <a:schemeClr val="accent1">
-              <a:shade val="50000"/>
-            </a:schemeClr>
-          </a:lnRef>
-          <a:fillRef idx="1">
-            <a:schemeClr val="accent1"/>
-          </a:fillRef>
-          <a:effectRef idx="0">
-            <a:schemeClr val="accent1"/>
-          </a:effectRef>
-          <a:fontRef idx="minor">
-            <a:schemeClr val="lt1"/>
-          </a:fontRef>
-        </p:style>
-        <p:txBody>
-          <a:bodyPr rot="0" spcFirstLastPara="0" vertOverflow="overflow" horzOverflow="overflow" vert="horz" wrap="square" lIns="91440" tIns="45720" rIns="91440" bIns="45720" numCol="1" spcCol="0" rtlCol="0" fromWordArt="0" anchor="ctr" anchorCtr="0" forceAA="0" compatLnSpc="1">
-            <a:prstTxWarp prst="textNoShape">
-              <a:avLst/>
-            </a:prstTxWarp>
-            <a:noAutofit/>
-          </a:bodyPr>
-          <a:lstStyle/>
-          <a:p>
-            <a:pPr algn="ctr"/>
-            <a:endParaRPr lang="ko-KR" altLang="en-US" dirty="0">
-              <a:solidFill>
-                <a:schemeClr val="tx1"/>
-              </a:solidFill>
-            </a:endParaRPr>
+              <a:t>이메일 주소</a:t>
+            </a:r>
+            <a:endParaRPr lang="en-US" altLang="ko-KR" dirty="0" smtClean="0"/>
           </a:p>
         </p:txBody>
       </p:sp>
       <p:cxnSp>
         <p:nvCxnSpPr>
-          <p:cNvPr id="77" name="직선 화살표 연결선 76"/>
+          <p:cNvPr id="18" name="직선 화살표 연결선 17"/>
+          <p:cNvCxnSpPr>
+            <a:stCxn id="17" idx="1"/>
+          </p:cNvCxnSpPr>
+          <p:nvPr/>
+        </p:nvCxnSpPr>
+        <p:spPr>
+          <a:xfrm flipH="1" flipV="1">
+            <a:off x="-290285" y="4861335"/>
+            <a:ext cx="2184400" cy="193040"/>
+          </a:xfrm>
+          <a:prstGeom prst="straightConnector1">
+            <a:avLst/>
+          </a:prstGeom>
+          <a:ln>
+            <a:tailEnd type="triangle"/>
+          </a:ln>
+        </p:spPr>
+        <p:style>
+          <a:lnRef idx="1">
+            <a:schemeClr val="accent1"/>
+          </a:lnRef>
+          <a:fillRef idx="0">
+            <a:schemeClr val="accent1"/>
+          </a:fillRef>
+          <a:effectRef idx="0">
+            <a:schemeClr val="accent1"/>
+          </a:effectRef>
+          <a:fontRef idx="minor">
+            <a:schemeClr val="tx1"/>
+          </a:fontRef>
+        </p:style>
+      </p:cxnSp>
+      <p:cxnSp>
+        <p:nvCxnSpPr>
+          <p:cNvPr id="20" name="직선 화살표 연결선 19"/>
           <p:cNvCxnSpPr/>
           <p:nvPr/>
         </p:nvCxnSpPr>
         <p:spPr>
           <a:xfrm flipH="1" flipV="1">
-            <a:off x="-972457" y="5299033"/>
-            <a:ext cx="1527416" cy="76489"/>
+            <a:off x="-290285" y="5141624"/>
+            <a:ext cx="2249716" cy="659223"/>
           </a:xfrm>
           <a:prstGeom prst="straightConnector1">
             <a:avLst/>
@@ -11542,14 +11271,14 @@
       </p:cxnSp>
       <p:sp>
         <p:nvSpPr>
-          <p:cNvPr id="78" name="TextBox 77"/>
+          <p:cNvPr id="21" name="TextBox 20"/>
           <p:cNvSpPr txBox="1"/>
           <p:nvPr/>
         </p:nvSpPr>
         <p:spPr>
           <a:xfrm>
-            <a:off x="-2218373" y="5173400"/>
-            <a:ext cx="1245916" cy="369332"/>
+            <a:off x="-2278742" y="1979867"/>
+            <a:ext cx="2169885" cy="707886"/>
           </a:xfrm>
           <a:prstGeom prst="rect">
             <a:avLst/>
@@ -11562,24 +11291,31 @@
           </a:bodyPr>
           <a:lstStyle/>
           <a:p>
-            <a:pPr algn="ctr"/>
-            <a:r>
-              <a:rPr lang="en-US" altLang="ko-KR" dirty="0" smtClean="0"/>
-              <a:t>DIV</a:t>
-            </a:r>
+            <a:r>
+              <a:rPr lang="ko-KR" altLang="en-US" sz="2000" b="1" dirty="0" smtClean="0"/>
+              <a:t>비밀번호 찾기 </a:t>
+            </a:r>
+            <a:endParaRPr lang="en-US" altLang="ko-KR" sz="2000" b="1" dirty="0" smtClean="0"/>
+          </a:p>
+          <a:p>
+            <a:r>
+              <a:rPr lang="ko-KR" altLang="en-US" sz="2000" b="1" dirty="0" smtClean="0"/>
+              <a:t>페이지</a:t>
+            </a:r>
+            <a:endParaRPr lang="ko-KR" altLang="en-US" sz="2000" b="1" dirty="0"/>
           </a:p>
         </p:txBody>
       </p:sp>
       <p:sp>
         <p:nvSpPr>
-          <p:cNvPr id="80" name="TextBox 79"/>
+          <p:cNvPr id="16" name="TextBox 15"/>
           <p:cNvSpPr txBox="1"/>
           <p:nvPr/>
         </p:nvSpPr>
         <p:spPr>
           <a:xfrm>
-            <a:off x="133660" y="3293774"/>
-            <a:ext cx="2248144" cy="369332"/>
+            <a:off x="1930400" y="3189425"/>
+            <a:ext cx="2351314" cy="369332"/>
           </a:xfrm>
           <a:prstGeom prst="rect">
             <a:avLst/>
@@ -11592,123 +11328,50 @@
           </a:bodyPr>
           <a:lstStyle/>
           <a:p>
-            <a:pPr algn="ctr"/>
             <a:r>
               <a:rPr lang="ko-KR" altLang="en-US" dirty="0" smtClean="0"/>
-              <a:t>등록된 공연 목록</a:t>
+              <a:t>아이디</a:t>
             </a:r>
             <a:endParaRPr lang="ko-KR" altLang="en-US" dirty="0"/>
           </a:p>
         </p:txBody>
       </p:sp>
-      <p:sp>
-        <p:nvSpPr>
-          <p:cNvPr id="81" name="직사각형 80"/>
-          <p:cNvSpPr/>
-          <p:nvPr/>
-        </p:nvSpPr>
-        <p:spPr>
-          <a:xfrm>
-            <a:off x="118814" y="2573497"/>
-            <a:ext cx="5018544" cy="559141"/>
-          </a:xfrm>
-          <a:prstGeom prst="rect">
-            <a:avLst/>
-          </a:prstGeom>
-          <a:solidFill>
-            <a:schemeClr val="bg1"/>
-          </a:solidFill>
+      <p:cxnSp>
+        <p:nvCxnSpPr>
+          <p:cNvPr id="19" name="직선 화살표 연결선 18"/>
+          <p:cNvCxnSpPr/>
+          <p:nvPr/>
+        </p:nvCxnSpPr>
+        <p:spPr>
+          <a:xfrm flipH="1">
+            <a:off x="-290285" y="3451501"/>
+            <a:ext cx="2217058" cy="964455"/>
+          </a:xfrm>
+          <a:prstGeom prst="straightConnector1">
+            <a:avLst/>
+          </a:prstGeom>
           <a:ln>
-            <a:solidFill>
-              <a:schemeClr val="tx1"/>
-            </a:solidFill>
+            <a:tailEnd type="triangle"/>
           </a:ln>
         </p:spPr>
         <p:style>
-          <a:lnRef idx="2">
-            <a:schemeClr val="accent1">
-              <a:shade val="50000"/>
-            </a:schemeClr>
+          <a:lnRef idx="1">
+            <a:schemeClr val="accent1"/>
           </a:lnRef>
-          <a:fillRef idx="1">
+          <a:fillRef idx="0">
             <a:schemeClr val="accent1"/>
           </a:fillRef>
           <a:effectRef idx="0">
             <a:schemeClr val="accent1"/>
           </a:effectRef>
           <a:fontRef idx="minor">
-            <a:schemeClr val="lt1"/>
+            <a:schemeClr val="tx1"/>
           </a:fontRef>
         </p:style>
-        <p:txBody>
-          <a:bodyPr rot="0" spcFirstLastPara="0" vertOverflow="overflow" horzOverflow="overflow" vert="horz" wrap="square" lIns="91440" tIns="45720" rIns="91440" bIns="45720" numCol="1" spcCol="0" rtlCol="0" fromWordArt="0" anchor="ctr" anchorCtr="0" forceAA="0" compatLnSpc="1">
-            <a:prstTxWarp prst="textNoShape">
-              <a:avLst/>
-            </a:prstTxWarp>
-            <a:noAutofit/>
-          </a:bodyPr>
-          <a:lstStyle/>
-          <a:p>
-            <a:pPr algn="ctr"/>
-            <a:endParaRPr lang="ko-KR" altLang="en-US" dirty="0">
-              <a:solidFill>
-                <a:schemeClr val="tx1"/>
-              </a:solidFill>
-            </a:endParaRPr>
-          </a:p>
-        </p:txBody>
-      </p:sp>
-      <p:sp>
-        <p:nvSpPr>
-          <p:cNvPr id="82" name="덧셈 기호 81"/>
-          <p:cNvSpPr/>
-          <p:nvPr/>
-        </p:nvSpPr>
-        <p:spPr>
-          <a:xfrm>
-            <a:off x="1755194" y="2160203"/>
-            <a:ext cx="276276" cy="276276"/>
-          </a:xfrm>
-          <a:prstGeom prst="mathPlus">
-            <a:avLst>
-              <a:gd name="adj1" fmla="val 22785"/>
-            </a:avLst>
-          </a:prstGeom>
-          <a:solidFill>
-            <a:schemeClr val="tx1"/>
-          </a:solidFill>
-          <a:ln>
-            <a:noFill/>
-          </a:ln>
-        </p:spPr>
-        <p:style>
-          <a:lnRef idx="2">
-            <a:schemeClr val="accent1">
-              <a:shade val="50000"/>
-            </a:schemeClr>
-          </a:lnRef>
-          <a:fillRef idx="1">
-            <a:schemeClr val="accent1"/>
-          </a:fillRef>
-          <a:effectRef idx="0">
-            <a:schemeClr val="accent1"/>
-          </a:effectRef>
-          <a:fontRef idx="minor">
-            <a:schemeClr val="lt1"/>
-          </a:fontRef>
-        </p:style>
-        <p:txBody>
-          <a:bodyPr rtlCol="0" anchor="ctr"/>
-          <a:lstStyle/>
-          <a:p>
-            <a:pPr algn="ctr"/>
-            <a:endParaRPr lang="ko-KR" altLang="en-US"/>
-          </a:p>
-        </p:txBody>
-      </p:sp>
+      </p:cxnSp>
       <p:pic>
         <p:nvPicPr>
-          <p:cNvPr id="28" name="그림 27"/>
+          <p:cNvPr id="22" name="그림 21"/>
           <p:cNvPicPr>
             <a:picLocks noChangeAspect="1"/>
           </p:cNvPicPr>
@@ -11732,7 +11395,7 @@
       </p:pic>
       <p:pic>
         <p:nvPicPr>
-          <p:cNvPr id="29" name="그림 28"/>
+          <p:cNvPr id="23" name="그림 22"/>
           <p:cNvPicPr>
             <a:picLocks noChangeAspect="1"/>
           </p:cNvPicPr>
@@ -11757,7 +11420,7 @@
     </p:spTree>
     <p:extLst>
       <p:ext uri="{BB962C8B-B14F-4D97-AF65-F5344CB8AC3E}">
-        <p14:creationId xmlns:p14="http://schemas.microsoft.com/office/powerpoint/2010/main" val="3103330439"/>
+        <p14:creationId xmlns:p14="http://schemas.microsoft.com/office/powerpoint/2010/main" val="822608395"/>
       </p:ext>
     </p:extLst>
   </p:cSld>
@@ -11927,14 +11590,71 @@
       </p:sp>
       <p:sp>
         <p:nvSpPr>
-          <p:cNvPr id="65" name="TextBox 64"/>
+          <p:cNvPr id="24" name="직사각형 23"/>
+          <p:cNvSpPr/>
+          <p:nvPr/>
+        </p:nvSpPr>
+        <p:spPr>
+          <a:xfrm>
+            <a:off x="118814" y="5245092"/>
+            <a:ext cx="5482986" cy="869112"/>
+          </a:xfrm>
+          <a:prstGeom prst="rect">
+            <a:avLst/>
+          </a:prstGeom>
+          <a:solidFill>
+            <a:schemeClr val="bg1"/>
+          </a:solidFill>
+          <a:ln>
+            <a:solidFill>
+              <a:schemeClr val="tx1"/>
+            </a:solidFill>
+          </a:ln>
+        </p:spPr>
+        <p:style>
+          <a:lnRef idx="2">
+            <a:schemeClr val="accent1">
+              <a:shade val="50000"/>
+            </a:schemeClr>
+          </a:lnRef>
+          <a:fillRef idx="1">
+            <a:schemeClr val="accent1"/>
+          </a:fillRef>
+          <a:effectRef idx="0">
+            <a:schemeClr val="accent1"/>
+          </a:effectRef>
+          <a:fontRef idx="minor">
+            <a:schemeClr val="lt1"/>
+          </a:fontRef>
+        </p:style>
+        <p:txBody>
+          <a:bodyPr rot="0" spcFirstLastPara="0" vertOverflow="overflow" horzOverflow="overflow" vert="horz" wrap="square" lIns="91440" tIns="45720" rIns="91440" bIns="45720" numCol="1" spcCol="0" rtlCol="0" fromWordArt="0" anchor="ctr" anchorCtr="0" forceAA="0" compatLnSpc="1">
+            <a:prstTxWarp prst="textNoShape">
+              <a:avLst/>
+            </a:prstTxWarp>
+            <a:noAutofit/>
+          </a:bodyPr>
+          <a:lstStyle/>
+          <a:p>
+            <a:pPr algn="ctr"/>
+            <a:endParaRPr lang="ko-KR" altLang="en-US" dirty="0">
+              <a:solidFill>
+                <a:schemeClr val="tx1"/>
+              </a:solidFill>
+            </a:endParaRPr>
+          </a:p>
+        </p:txBody>
+      </p:sp>
+      <p:sp>
+        <p:nvSpPr>
+          <p:cNvPr id="56" name="TextBox 55"/>
           <p:cNvSpPr txBox="1"/>
           <p:nvPr/>
         </p:nvSpPr>
         <p:spPr>
           <a:xfrm>
-            <a:off x="-3303872" y="847987"/>
-            <a:ext cx="2728452" cy="400110"/>
+            <a:off x="257137" y="2159156"/>
+            <a:ext cx="1738300" cy="369332"/>
           </a:xfrm>
           <a:prstGeom prst="rect">
             <a:avLst/>
@@ -11949,10 +11669,641 @@
           <a:p>
             <a:pPr algn="ctr"/>
             <a:r>
+              <a:rPr lang="ko-KR" altLang="en-US" dirty="0" smtClean="0"/>
+              <a:t>승인요청</a:t>
+            </a:r>
+            <a:endParaRPr lang="ko-KR" altLang="en-US" dirty="0"/>
+          </a:p>
+        </p:txBody>
+      </p:sp>
+      <p:sp>
+        <p:nvSpPr>
+          <p:cNvPr id="57" name="TextBox 56"/>
+          <p:cNvSpPr txBox="1"/>
+          <p:nvPr/>
+        </p:nvSpPr>
+        <p:spPr>
+          <a:xfrm>
+            <a:off x="62657" y="4740017"/>
+            <a:ext cx="2319147" cy="369332"/>
+          </a:xfrm>
+          <a:prstGeom prst="rect">
+            <a:avLst/>
+          </a:prstGeom>
+          <a:noFill/>
+        </p:spPr>
+        <p:txBody>
+          <a:bodyPr wrap="square" rtlCol="0">
+            <a:spAutoFit/>
+          </a:bodyPr>
+          <a:lstStyle/>
+          <a:p>
+            <a:pPr algn="ctr"/>
+            <a:r>
+              <a:rPr lang="ko-KR" altLang="en-US" dirty="0" smtClean="0"/>
+              <a:t>아티스트 목록</a:t>
+            </a:r>
+            <a:endParaRPr lang="ko-KR" altLang="en-US" dirty="0"/>
+          </a:p>
+        </p:txBody>
+      </p:sp>
+      <p:sp>
+        <p:nvSpPr>
+          <p:cNvPr id="59" name="덧셈 기호 58"/>
+          <p:cNvSpPr/>
+          <p:nvPr/>
+        </p:nvSpPr>
+        <p:spPr>
+          <a:xfrm>
+            <a:off x="2329624" y="3319080"/>
+            <a:ext cx="276276" cy="276276"/>
+          </a:xfrm>
+          <a:prstGeom prst="mathPlus">
+            <a:avLst>
+              <a:gd name="adj1" fmla="val 22785"/>
+            </a:avLst>
+          </a:prstGeom>
+          <a:solidFill>
+            <a:schemeClr val="tx1"/>
+          </a:solidFill>
+          <a:ln>
+            <a:noFill/>
+          </a:ln>
+        </p:spPr>
+        <p:style>
+          <a:lnRef idx="2">
+            <a:schemeClr val="accent1">
+              <a:shade val="50000"/>
+            </a:schemeClr>
+          </a:lnRef>
+          <a:fillRef idx="1">
+            <a:schemeClr val="accent1"/>
+          </a:fillRef>
+          <a:effectRef idx="0">
+            <a:schemeClr val="accent1"/>
+          </a:effectRef>
+          <a:fontRef idx="minor">
+            <a:schemeClr val="lt1"/>
+          </a:fontRef>
+        </p:style>
+        <p:txBody>
+          <a:bodyPr rtlCol="0" anchor="ctr"/>
+          <a:lstStyle/>
+          <a:p>
+            <a:pPr algn="ctr"/>
+            <a:endParaRPr lang="ko-KR" altLang="en-US"/>
+          </a:p>
+        </p:txBody>
+      </p:sp>
+      <p:sp>
+        <p:nvSpPr>
+          <p:cNvPr id="60" name="덧셈 기호 59"/>
+          <p:cNvSpPr/>
+          <p:nvPr/>
+        </p:nvSpPr>
+        <p:spPr>
+          <a:xfrm>
+            <a:off x="2338595" y="4746319"/>
+            <a:ext cx="276276" cy="276276"/>
+          </a:xfrm>
+          <a:prstGeom prst="mathPlus">
+            <a:avLst>
+              <a:gd name="adj1" fmla="val 22785"/>
+            </a:avLst>
+          </a:prstGeom>
+          <a:solidFill>
+            <a:schemeClr val="tx1"/>
+          </a:solidFill>
+          <a:ln>
+            <a:noFill/>
+          </a:ln>
+        </p:spPr>
+        <p:style>
+          <a:lnRef idx="2">
+            <a:schemeClr val="accent1">
+              <a:shade val="50000"/>
+            </a:schemeClr>
+          </a:lnRef>
+          <a:fillRef idx="1">
+            <a:schemeClr val="accent1"/>
+          </a:fillRef>
+          <a:effectRef idx="0">
+            <a:schemeClr val="accent1"/>
+          </a:effectRef>
+          <a:fontRef idx="minor">
+            <a:schemeClr val="lt1"/>
+          </a:fontRef>
+        </p:style>
+        <p:txBody>
+          <a:bodyPr rtlCol="0" anchor="ctr"/>
+          <a:lstStyle/>
+          <a:p>
+            <a:pPr algn="ctr"/>
+            <a:endParaRPr lang="ko-KR" altLang="en-US"/>
+          </a:p>
+        </p:txBody>
+      </p:sp>
+      <p:sp>
+        <p:nvSpPr>
+          <p:cNvPr id="65" name="TextBox 64"/>
+          <p:cNvSpPr txBox="1"/>
+          <p:nvPr/>
+        </p:nvSpPr>
+        <p:spPr>
+          <a:xfrm>
+            <a:off x="-3303872" y="847987"/>
+            <a:ext cx="2728452" cy="400110"/>
+          </a:xfrm>
+          <a:prstGeom prst="rect">
+            <a:avLst/>
+          </a:prstGeom>
+          <a:noFill/>
+        </p:spPr>
+        <p:txBody>
+          <a:bodyPr wrap="square" rtlCol="0">
+            <a:spAutoFit/>
+          </a:bodyPr>
+          <a:lstStyle/>
+          <a:p>
+            <a:pPr algn="ctr"/>
+            <a:r>
               <a:rPr lang="ko-KR" altLang="en-US" sz="2000" b="1" dirty="0" smtClean="0"/>
-              <a:t>승인요청 페이지</a:t>
+              <a:t>관리자 </a:t>
+            </a:r>
+            <a:r>
+              <a:rPr lang="ko-KR" altLang="en-US" sz="2000" b="1" dirty="0" err="1" smtClean="0"/>
+              <a:t>첫페이지</a:t>
             </a:r>
             <a:endParaRPr lang="ko-KR" altLang="en-US" sz="2000" b="1" dirty="0"/>
+          </a:p>
+        </p:txBody>
+      </p:sp>
+      <p:sp>
+        <p:nvSpPr>
+          <p:cNvPr id="58" name="덧셈 기호 57"/>
+          <p:cNvSpPr/>
+          <p:nvPr/>
+        </p:nvSpPr>
+        <p:spPr>
+          <a:xfrm>
+            <a:off x="2200457" y="6355506"/>
+            <a:ext cx="276276" cy="276276"/>
+          </a:xfrm>
+          <a:prstGeom prst="mathPlus">
+            <a:avLst>
+              <a:gd name="adj1" fmla="val 22785"/>
+            </a:avLst>
+          </a:prstGeom>
+          <a:solidFill>
+            <a:schemeClr val="tx1"/>
+          </a:solidFill>
+          <a:ln>
+            <a:noFill/>
+          </a:ln>
+        </p:spPr>
+        <p:style>
+          <a:lnRef idx="2">
+            <a:schemeClr val="accent1">
+              <a:shade val="50000"/>
+            </a:schemeClr>
+          </a:lnRef>
+          <a:fillRef idx="1">
+            <a:schemeClr val="accent1"/>
+          </a:fillRef>
+          <a:effectRef idx="0">
+            <a:schemeClr val="accent1"/>
+          </a:effectRef>
+          <a:fontRef idx="minor">
+            <a:schemeClr val="lt1"/>
+          </a:fontRef>
+        </p:style>
+        <p:txBody>
+          <a:bodyPr rtlCol="0" anchor="ctr"/>
+          <a:lstStyle/>
+          <a:p>
+            <a:pPr algn="ctr"/>
+            <a:endParaRPr lang="ko-KR" altLang="en-US"/>
+          </a:p>
+        </p:txBody>
+      </p:sp>
+      <p:sp>
+        <p:nvSpPr>
+          <p:cNvPr id="66" name="TextBox 65"/>
+          <p:cNvSpPr txBox="1"/>
+          <p:nvPr/>
+        </p:nvSpPr>
+        <p:spPr>
+          <a:xfrm>
+            <a:off x="131867" y="6386483"/>
+            <a:ext cx="1988839" cy="369332"/>
+          </a:xfrm>
+          <a:prstGeom prst="rect">
+            <a:avLst/>
+          </a:prstGeom>
+          <a:noFill/>
+        </p:spPr>
+        <p:txBody>
+          <a:bodyPr wrap="square" rtlCol="0">
+            <a:spAutoFit/>
+          </a:bodyPr>
+          <a:lstStyle/>
+          <a:p>
+            <a:pPr algn="ctr"/>
+            <a:r>
+              <a:rPr lang="ko-KR" altLang="en-US" dirty="0" smtClean="0"/>
+              <a:t>회원 목록</a:t>
+            </a:r>
+            <a:endParaRPr lang="ko-KR" altLang="en-US" dirty="0"/>
+          </a:p>
+        </p:txBody>
+      </p:sp>
+      <p:sp>
+        <p:nvSpPr>
+          <p:cNvPr id="67" name="TextBox 66"/>
+          <p:cNvSpPr txBox="1"/>
+          <p:nvPr/>
+        </p:nvSpPr>
+        <p:spPr>
+          <a:xfrm>
+            <a:off x="62657" y="7833912"/>
+            <a:ext cx="1932780" cy="369332"/>
+          </a:xfrm>
+          <a:prstGeom prst="rect">
+            <a:avLst/>
+          </a:prstGeom>
+          <a:noFill/>
+        </p:spPr>
+        <p:txBody>
+          <a:bodyPr wrap="square" rtlCol="0">
+            <a:spAutoFit/>
+          </a:bodyPr>
+          <a:lstStyle/>
+          <a:p>
+            <a:pPr algn="ctr"/>
+            <a:r>
+              <a:rPr lang="ko-KR" altLang="en-US" dirty="0" smtClean="0"/>
+              <a:t>가게 목록</a:t>
+            </a:r>
+            <a:endParaRPr lang="ko-KR" altLang="en-US" dirty="0"/>
+          </a:p>
+        </p:txBody>
+      </p:sp>
+      <p:sp>
+        <p:nvSpPr>
+          <p:cNvPr id="69" name="덧셈 기호 68"/>
+          <p:cNvSpPr/>
+          <p:nvPr/>
+        </p:nvSpPr>
+        <p:spPr>
+          <a:xfrm>
+            <a:off x="2191486" y="7802935"/>
+            <a:ext cx="276276" cy="276276"/>
+          </a:xfrm>
+          <a:prstGeom prst="mathPlus">
+            <a:avLst>
+              <a:gd name="adj1" fmla="val 22785"/>
+            </a:avLst>
+          </a:prstGeom>
+          <a:solidFill>
+            <a:schemeClr val="tx1"/>
+          </a:solidFill>
+          <a:ln>
+            <a:noFill/>
+          </a:ln>
+        </p:spPr>
+        <p:style>
+          <a:lnRef idx="2">
+            <a:schemeClr val="accent1">
+              <a:shade val="50000"/>
+            </a:schemeClr>
+          </a:lnRef>
+          <a:fillRef idx="1">
+            <a:schemeClr val="accent1"/>
+          </a:fillRef>
+          <a:effectRef idx="0">
+            <a:schemeClr val="accent1"/>
+          </a:effectRef>
+          <a:fontRef idx="minor">
+            <a:schemeClr val="lt1"/>
+          </a:fontRef>
+        </p:style>
+        <p:txBody>
+          <a:bodyPr rtlCol="0" anchor="ctr"/>
+          <a:lstStyle/>
+          <a:p>
+            <a:pPr algn="ctr"/>
+            <a:endParaRPr lang="ko-KR" altLang="en-US"/>
+          </a:p>
+        </p:txBody>
+      </p:sp>
+      <p:sp>
+        <p:nvSpPr>
+          <p:cNvPr id="71" name="덧셈 기호 70"/>
+          <p:cNvSpPr/>
+          <p:nvPr/>
+        </p:nvSpPr>
+        <p:spPr>
+          <a:xfrm>
+            <a:off x="2053348" y="9318431"/>
+            <a:ext cx="276276" cy="276276"/>
+          </a:xfrm>
+          <a:prstGeom prst="mathPlus">
+            <a:avLst>
+              <a:gd name="adj1" fmla="val 22785"/>
+            </a:avLst>
+          </a:prstGeom>
+          <a:solidFill>
+            <a:schemeClr val="tx1"/>
+          </a:solidFill>
+          <a:ln>
+            <a:noFill/>
+          </a:ln>
+        </p:spPr>
+        <p:style>
+          <a:lnRef idx="2">
+            <a:schemeClr val="accent1">
+              <a:shade val="50000"/>
+            </a:schemeClr>
+          </a:lnRef>
+          <a:fillRef idx="1">
+            <a:schemeClr val="accent1"/>
+          </a:fillRef>
+          <a:effectRef idx="0">
+            <a:schemeClr val="accent1"/>
+          </a:effectRef>
+          <a:fontRef idx="minor">
+            <a:schemeClr val="lt1"/>
+          </a:fontRef>
+        </p:style>
+        <p:txBody>
+          <a:bodyPr rtlCol="0" anchor="ctr"/>
+          <a:lstStyle/>
+          <a:p>
+            <a:pPr algn="ctr"/>
+            <a:endParaRPr lang="ko-KR" altLang="en-US"/>
+          </a:p>
+        </p:txBody>
+      </p:sp>
+      <p:sp>
+        <p:nvSpPr>
+          <p:cNvPr id="72" name="TextBox 71"/>
+          <p:cNvSpPr txBox="1"/>
+          <p:nvPr/>
+        </p:nvSpPr>
+        <p:spPr>
+          <a:xfrm>
+            <a:off x="257137" y="9248704"/>
+            <a:ext cx="1481735" cy="369332"/>
+          </a:xfrm>
+          <a:prstGeom prst="rect">
+            <a:avLst/>
+          </a:prstGeom>
+          <a:noFill/>
+        </p:spPr>
+        <p:txBody>
+          <a:bodyPr wrap="square" rtlCol="0">
+            <a:spAutoFit/>
+          </a:bodyPr>
+          <a:lstStyle/>
+          <a:p>
+            <a:pPr algn="ctr"/>
+            <a:r>
+              <a:rPr lang="ko-KR" altLang="en-US" dirty="0" err="1" smtClean="0"/>
+              <a:t>게시글</a:t>
+            </a:r>
+            <a:r>
+              <a:rPr lang="ko-KR" altLang="en-US" dirty="0" smtClean="0"/>
+              <a:t> 목록</a:t>
+            </a:r>
+            <a:endParaRPr lang="ko-KR" altLang="en-US" dirty="0"/>
+          </a:p>
+        </p:txBody>
+      </p:sp>
+      <p:sp>
+        <p:nvSpPr>
+          <p:cNvPr id="73" name="직사각형 72"/>
+          <p:cNvSpPr/>
+          <p:nvPr/>
+        </p:nvSpPr>
+        <p:spPr>
+          <a:xfrm>
+            <a:off x="118814" y="3718927"/>
+            <a:ext cx="5482986" cy="869112"/>
+          </a:xfrm>
+          <a:prstGeom prst="rect">
+            <a:avLst/>
+          </a:prstGeom>
+          <a:solidFill>
+            <a:schemeClr val="bg1"/>
+          </a:solidFill>
+          <a:ln>
+            <a:solidFill>
+              <a:schemeClr val="tx1"/>
+            </a:solidFill>
+          </a:ln>
+        </p:spPr>
+        <p:style>
+          <a:lnRef idx="2">
+            <a:schemeClr val="accent1">
+              <a:shade val="50000"/>
+            </a:schemeClr>
+          </a:lnRef>
+          <a:fillRef idx="1">
+            <a:schemeClr val="accent1"/>
+          </a:fillRef>
+          <a:effectRef idx="0">
+            <a:schemeClr val="accent1"/>
+          </a:effectRef>
+          <a:fontRef idx="minor">
+            <a:schemeClr val="lt1"/>
+          </a:fontRef>
+        </p:style>
+        <p:txBody>
+          <a:bodyPr rot="0" spcFirstLastPara="0" vertOverflow="overflow" horzOverflow="overflow" vert="horz" wrap="square" lIns="91440" tIns="45720" rIns="91440" bIns="45720" numCol="1" spcCol="0" rtlCol="0" fromWordArt="0" anchor="ctr" anchorCtr="0" forceAA="0" compatLnSpc="1">
+            <a:prstTxWarp prst="textNoShape">
+              <a:avLst/>
+            </a:prstTxWarp>
+            <a:noAutofit/>
+          </a:bodyPr>
+          <a:lstStyle/>
+          <a:p>
+            <a:pPr algn="ctr"/>
+            <a:endParaRPr lang="ko-KR" altLang="en-US" dirty="0">
+              <a:solidFill>
+                <a:schemeClr val="tx1"/>
+              </a:solidFill>
+            </a:endParaRPr>
+          </a:p>
+        </p:txBody>
+      </p:sp>
+      <p:sp>
+        <p:nvSpPr>
+          <p:cNvPr id="74" name="직사각형 73"/>
+          <p:cNvSpPr/>
+          <p:nvPr/>
+        </p:nvSpPr>
+        <p:spPr>
+          <a:xfrm>
+            <a:off x="118814" y="6846795"/>
+            <a:ext cx="5482986" cy="869112"/>
+          </a:xfrm>
+          <a:prstGeom prst="rect">
+            <a:avLst/>
+          </a:prstGeom>
+          <a:solidFill>
+            <a:schemeClr val="bg1"/>
+          </a:solidFill>
+          <a:ln>
+            <a:solidFill>
+              <a:schemeClr val="tx1"/>
+            </a:solidFill>
+          </a:ln>
+        </p:spPr>
+        <p:style>
+          <a:lnRef idx="2">
+            <a:schemeClr val="accent1">
+              <a:shade val="50000"/>
+            </a:schemeClr>
+          </a:lnRef>
+          <a:fillRef idx="1">
+            <a:schemeClr val="accent1"/>
+          </a:fillRef>
+          <a:effectRef idx="0">
+            <a:schemeClr val="accent1"/>
+          </a:effectRef>
+          <a:fontRef idx="minor">
+            <a:schemeClr val="lt1"/>
+          </a:fontRef>
+        </p:style>
+        <p:txBody>
+          <a:bodyPr rot="0" spcFirstLastPara="0" vertOverflow="overflow" horzOverflow="overflow" vert="horz" wrap="square" lIns="91440" tIns="45720" rIns="91440" bIns="45720" numCol="1" spcCol="0" rtlCol="0" fromWordArt="0" anchor="ctr" anchorCtr="0" forceAA="0" compatLnSpc="1">
+            <a:prstTxWarp prst="textNoShape">
+              <a:avLst/>
+            </a:prstTxWarp>
+            <a:noAutofit/>
+          </a:bodyPr>
+          <a:lstStyle/>
+          <a:p>
+            <a:pPr algn="ctr"/>
+            <a:endParaRPr lang="ko-KR" altLang="en-US" dirty="0">
+              <a:solidFill>
+                <a:schemeClr val="tx1"/>
+              </a:solidFill>
+            </a:endParaRPr>
+          </a:p>
+        </p:txBody>
+      </p:sp>
+      <p:sp>
+        <p:nvSpPr>
+          <p:cNvPr id="75" name="직사각형 74"/>
+          <p:cNvSpPr/>
+          <p:nvPr/>
+        </p:nvSpPr>
+        <p:spPr>
+          <a:xfrm>
+            <a:off x="118814" y="8204424"/>
+            <a:ext cx="5482986" cy="869112"/>
+          </a:xfrm>
+          <a:prstGeom prst="rect">
+            <a:avLst/>
+          </a:prstGeom>
+          <a:solidFill>
+            <a:schemeClr val="bg1"/>
+          </a:solidFill>
+          <a:ln>
+            <a:solidFill>
+              <a:schemeClr val="tx1"/>
+            </a:solidFill>
+          </a:ln>
+        </p:spPr>
+        <p:style>
+          <a:lnRef idx="2">
+            <a:schemeClr val="accent1">
+              <a:shade val="50000"/>
+            </a:schemeClr>
+          </a:lnRef>
+          <a:fillRef idx="1">
+            <a:schemeClr val="accent1"/>
+          </a:fillRef>
+          <a:effectRef idx="0">
+            <a:schemeClr val="accent1"/>
+          </a:effectRef>
+          <a:fontRef idx="minor">
+            <a:schemeClr val="lt1"/>
+          </a:fontRef>
+        </p:style>
+        <p:txBody>
+          <a:bodyPr rot="0" spcFirstLastPara="0" vertOverflow="overflow" horzOverflow="overflow" vert="horz" wrap="square" lIns="91440" tIns="45720" rIns="91440" bIns="45720" numCol="1" spcCol="0" rtlCol="0" fromWordArt="0" anchor="ctr" anchorCtr="0" forceAA="0" compatLnSpc="1">
+            <a:prstTxWarp prst="textNoShape">
+              <a:avLst/>
+            </a:prstTxWarp>
+            <a:noAutofit/>
+          </a:bodyPr>
+          <a:lstStyle/>
+          <a:p>
+            <a:pPr algn="ctr"/>
+            <a:endParaRPr lang="ko-KR" altLang="en-US" dirty="0">
+              <a:solidFill>
+                <a:schemeClr val="tx1"/>
+              </a:solidFill>
+            </a:endParaRPr>
+          </a:p>
+        </p:txBody>
+      </p:sp>
+      <p:sp>
+        <p:nvSpPr>
+          <p:cNvPr id="76" name="직사각형 75"/>
+          <p:cNvSpPr/>
+          <p:nvPr/>
+        </p:nvSpPr>
+        <p:spPr>
+          <a:xfrm>
+            <a:off x="118814" y="9796961"/>
+            <a:ext cx="5482986" cy="869112"/>
+          </a:xfrm>
+          <a:prstGeom prst="rect">
+            <a:avLst/>
+          </a:prstGeom>
+          <a:solidFill>
+            <a:schemeClr val="bg1"/>
+          </a:solidFill>
+          <a:ln>
+            <a:solidFill>
+              <a:schemeClr val="tx1"/>
+            </a:solidFill>
+          </a:ln>
+        </p:spPr>
+        <p:style>
+          <a:lnRef idx="2">
+            <a:schemeClr val="accent1">
+              <a:shade val="50000"/>
+            </a:schemeClr>
+          </a:lnRef>
+          <a:fillRef idx="1">
+            <a:schemeClr val="accent1"/>
+          </a:fillRef>
+          <a:effectRef idx="0">
+            <a:schemeClr val="accent1"/>
+          </a:effectRef>
+          <a:fontRef idx="minor">
+            <a:schemeClr val="lt1"/>
+          </a:fontRef>
+        </p:style>
+        <p:txBody>
+          <a:bodyPr rot="0" spcFirstLastPara="0" vertOverflow="overflow" horzOverflow="overflow" vert="horz" wrap="square" lIns="91440" tIns="45720" rIns="91440" bIns="45720" numCol="1" spcCol="0" rtlCol="0" fromWordArt="0" anchor="ctr" anchorCtr="0" forceAA="0" compatLnSpc="1">
+            <a:prstTxWarp prst="textNoShape">
+              <a:avLst/>
+            </a:prstTxWarp>
+            <a:noAutofit/>
+          </a:bodyPr>
+          <a:lstStyle/>
+          <a:p>
+            <a:pPr algn="ctr"/>
+            <a:endParaRPr lang="ko-KR" altLang="en-US" dirty="0">
+              <a:solidFill>
+                <a:schemeClr val="tx1"/>
+              </a:solidFill>
+            </a:endParaRPr>
           </a:p>
         </p:txBody>
       </p:sp>
@@ -11963,9 +12314,9 @@
           <p:nvPr/>
         </p:nvCxnSpPr>
         <p:spPr>
-          <a:xfrm flipH="1">
-            <a:off x="-841829" y="3340989"/>
-            <a:ext cx="1605537" cy="388247"/>
+          <a:xfrm flipH="1" flipV="1">
+            <a:off x="-972457" y="5299033"/>
+            <a:ext cx="1527416" cy="76489"/>
           </a:xfrm>
           <a:prstGeom prst="straightConnector1">
             <a:avLst/>
@@ -11997,8 +12348,8 @@
         </p:nvSpPr>
         <p:spPr>
           <a:xfrm>
-            <a:off x="-2450602" y="3544571"/>
-            <a:ext cx="1245916" cy="923330"/>
+            <a:off x="-2218373" y="5173400"/>
+            <a:ext cx="1245916" cy="369332"/>
           </a:xfrm>
           <a:prstGeom prst="rect">
             <a:avLst/>
@@ -12014,34 +12365,21 @@
             <a:pPr algn="ctr"/>
             <a:r>
               <a:rPr lang="en-US" altLang="ko-KR" dirty="0" smtClean="0"/>
-              <a:t> </a:t>
-            </a:r>
-            <a:r>
-              <a:rPr lang="ko-KR" altLang="en-US" dirty="0" err="1" smtClean="0"/>
-              <a:t>클릭시</a:t>
-            </a:r>
-            <a:endParaRPr lang="en-US" altLang="ko-KR" dirty="0" smtClean="0"/>
-          </a:p>
-          <a:p>
-            <a:pPr algn="ctr"/>
-            <a:r>
-              <a:rPr lang="ko-KR" altLang="en-US" dirty="0" smtClean="0"/>
-              <a:t>상세정보 펼치기</a:t>
-            </a:r>
-            <a:endParaRPr lang="en-US" altLang="ko-KR" dirty="0" smtClean="0"/>
+              <a:t>DIV</a:t>
+            </a:r>
           </a:p>
         </p:txBody>
       </p:sp>
       <p:sp>
         <p:nvSpPr>
-          <p:cNvPr id="28" name="TextBox 27"/>
+          <p:cNvPr id="80" name="TextBox 79"/>
           <p:cNvSpPr txBox="1"/>
           <p:nvPr/>
         </p:nvSpPr>
         <p:spPr>
           <a:xfrm>
-            <a:off x="325204" y="2430430"/>
-            <a:ext cx="1738300" cy="369332"/>
+            <a:off x="133660" y="3293774"/>
+            <a:ext cx="2248144" cy="369332"/>
           </a:xfrm>
           <a:prstGeom prst="rect">
             <a:avLst/>
@@ -12057,7 +12395,7 @@
             <a:pPr algn="ctr"/>
             <a:r>
               <a:rPr lang="ko-KR" altLang="en-US" dirty="0" smtClean="0"/>
-              <a:t>승인요청</a:t>
+              <a:t>등록된 공연 목록</a:t>
             </a:r>
             <a:endParaRPr lang="ko-KR" altLang="en-US" dirty="0"/>
           </a:p>
@@ -12065,65 +12403,83 @@
       </p:sp>
       <p:sp>
         <p:nvSpPr>
-          <p:cNvPr id="29" name="TextBox 28"/>
-          <p:cNvSpPr txBox="1"/>
+          <p:cNvPr id="81" name="직사각형 80"/>
+          <p:cNvSpPr/>
           <p:nvPr/>
         </p:nvSpPr>
         <p:spPr>
           <a:xfrm>
-            <a:off x="499374" y="3094008"/>
-            <a:ext cx="3285499" cy="369332"/>
+            <a:off x="118814" y="2573497"/>
+            <a:ext cx="5018544" cy="559141"/>
           </a:xfrm>
           <a:prstGeom prst="rect">
             <a:avLst/>
           </a:prstGeom>
-          <a:noFill/>
-        </p:spPr>
+          <a:solidFill>
+            <a:schemeClr val="bg1"/>
+          </a:solidFill>
+          <a:ln>
+            <a:solidFill>
+              <a:schemeClr val="tx1"/>
+            </a:solidFill>
+          </a:ln>
+        </p:spPr>
+        <p:style>
+          <a:lnRef idx="2">
+            <a:schemeClr val="accent1">
+              <a:shade val="50000"/>
+            </a:schemeClr>
+          </a:lnRef>
+          <a:fillRef idx="1">
+            <a:schemeClr val="accent1"/>
+          </a:fillRef>
+          <a:effectRef idx="0">
+            <a:schemeClr val="accent1"/>
+          </a:effectRef>
+          <a:fontRef idx="minor">
+            <a:schemeClr val="lt1"/>
+          </a:fontRef>
+        </p:style>
         <p:txBody>
-          <a:bodyPr wrap="square" rtlCol="0">
-            <a:spAutoFit/>
+          <a:bodyPr rot="0" spcFirstLastPara="0" vertOverflow="overflow" horzOverflow="overflow" vert="horz" wrap="square" lIns="91440" tIns="45720" rIns="91440" bIns="45720" numCol="1" spcCol="0" rtlCol="0" fromWordArt="0" anchor="ctr" anchorCtr="0" forceAA="0" compatLnSpc="1">
+            <a:prstTxWarp prst="textNoShape">
+              <a:avLst/>
+            </a:prstTxWarp>
+            <a:noAutofit/>
           </a:bodyPr>
           <a:lstStyle/>
           <a:p>
             <a:pPr algn="ctr"/>
-            <a:r>
-              <a:rPr lang="ko-KR" altLang="en-US" dirty="0" smtClean="0"/>
-              <a:t>아이디 </a:t>
-            </a:r>
-            <a:r>
-              <a:rPr lang="en-US" altLang="ko-KR" dirty="0" smtClean="0"/>
-              <a:t>| </a:t>
-            </a:r>
-            <a:r>
-              <a:rPr lang="ko-KR" altLang="en-US" dirty="0" smtClean="0"/>
-              <a:t>이름 </a:t>
-            </a:r>
-            <a:r>
-              <a:rPr lang="en-US" altLang="ko-KR" dirty="0" smtClean="0"/>
-              <a:t>| </a:t>
-            </a:r>
-            <a:r>
-              <a:rPr lang="ko-KR" altLang="en-US" dirty="0" err="1" smtClean="0"/>
-              <a:t>신청유형</a:t>
-            </a:r>
-            <a:endParaRPr lang="ko-KR" altLang="en-US" dirty="0"/>
+            <a:endParaRPr lang="ko-KR" altLang="en-US" dirty="0">
+              <a:solidFill>
+                <a:schemeClr val="tx1"/>
+              </a:solidFill>
+            </a:endParaRPr>
           </a:p>
         </p:txBody>
       </p:sp>
       <p:sp>
         <p:nvSpPr>
-          <p:cNvPr id="30" name="직사각형 29"/>
+          <p:cNvPr id="82" name="덧셈 기호 81"/>
           <p:cNvSpPr/>
           <p:nvPr/>
         </p:nvSpPr>
         <p:spPr>
           <a:xfrm>
-            <a:off x="5428343" y="3037309"/>
-            <a:ext cx="983619" cy="426032"/>
-          </a:xfrm>
-          <a:prstGeom prst="rect">
-            <a:avLst/>
-          </a:prstGeom>
+            <a:off x="1755194" y="2160203"/>
+            <a:ext cx="276276" cy="276276"/>
+          </a:xfrm>
+          <a:prstGeom prst="mathPlus">
+            <a:avLst>
+              <a:gd name="adj1" fmla="val 22785"/>
+            </a:avLst>
+          </a:prstGeom>
+          <a:solidFill>
+            <a:schemeClr val="tx1"/>
+          </a:solidFill>
+          <a:ln>
+            <a:noFill/>
+          </a:ln>
         </p:spPr>
         <p:style>
           <a:lnRef idx="2">
@@ -12146,92 +12502,13 @@
           <a:lstStyle/>
           <a:p>
             <a:pPr algn="ctr"/>
-            <a:r>
-              <a:rPr lang="ko-KR" altLang="en-US" dirty="0" smtClean="0"/>
-              <a:t>삭제</a:t>
-            </a:r>
-            <a:endParaRPr lang="ko-KR" altLang="en-US" dirty="0"/>
-          </a:p>
-        </p:txBody>
-      </p:sp>
-      <p:sp>
-        <p:nvSpPr>
-          <p:cNvPr id="31" name="직사각형 30"/>
-          <p:cNvSpPr/>
-          <p:nvPr/>
-        </p:nvSpPr>
-        <p:spPr>
-          <a:xfrm>
-            <a:off x="4063999" y="3065659"/>
-            <a:ext cx="1085219" cy="397681"/>
-          </a:xfrm>
-          <a:prstGeom prst="rect">
-            <a:avLst/>
-          </a:prstGeom>
-        </p:spPr>
-        <p:style>
-          <a:lnRef idx="2">
-            <a:schemeClr val="accent1">
-              <a:shade val="50000"/>
-            </a:schemeClr>
-          </a:lnRef>
-          <a:fillRef idx="1">
-            <a:schemeClr val="accent1"/>
-          </a:fillRef>
-          <a:effectRef idx="0">
-            <a:schemeClr val="accent1"/>
-          </a:effectRef>
-          <a:fontRef idx="minor">
-            <a:schemeClr val="lt1"/>
-          </a:fontRef>
-        </p:style>
-        <p:txBody>
-          <a:bodyPr rtlCol="0" anchor="ctr"/>
-          <a:lstStyle/>
-          <a:p>
-            <a:pPr algn="ctr"/>
-            <a:r>
-              <a:rPr lang="ko-KR" altLang="en-US" dirty="0" smtClean="0"/>
-              <a:t>승인</a:t>
-            </a:r>
-            <a:endParaRPr lang="ko-KR" altLang="en-US" dirty="0"/>
-          </a:p>
-        </p:txBody>
-      </p:sp>
-      <p:sp>
-        <p:nvSpPr>
-          <p:cNvPr id="32" name="TextBox 31"/>
-          <p:cNvSpPr txBox="1"/>
-          <p:nvPr/>
-        </p:nvSpPr>
-        <p:spPr>
-          <a:xfrm>
-            <a:off x="499374" y="3729237"/>
-            <a:ext cx="5912588" cy="369332"/>
-          </a:xfrm>
-          <a:prstGeom prst="rect">
-            <a:avLst/>
-          </a:prstGeom>
-          <a:noFill/>
-        </p:spPr>
-        <p:txBody>
-          <a:bodyPr wrap="square" rtlCol="0">
-            <a:spAutoFit/>
-          </a:bodyPr>
-          <a:lstStyle/>
-          <a:p>
-            <a:pPr algn="ctr"/>
-            <a:r>
-              <a:rPr lang="ko-KR" altLang="en-US" dirty="0" smtClean="0"/>
-              <a:t>상세정보</a:t>
-            </a:r>
-            <a:endParaRPr lang="ko-KR" altLang="en-US" dirty="0"/>
+            <a:endParaRPr lang="ko-KR" altLang="en-US"/>
           </a:p>
         </p:txBody>
       </p:sp>
       <p:pic>
         <p:nvPicPr>
-          <p:cNvPr id="15" name="그림 14"/>
+          <p:cNvPr id="28" name="그림 27"/>
           <p:cNvPicPr>
             <a:picLocks noChangeAspect="1"/>
           </p:cNvPicPr>
@@ -12255,7 +12532,7 @@
       </p:pic>
       <p:pic>
         <p:nvPicPr>
-          <p:cNvPr id="16" name="그림 15"/>
+          <p:cNvPr id="29" name="그림 28"/>
           <p:cNvPicPr>
             <a:picLocks noChangeAspect="1"/>
           </p:cNvPicPr>
@@ -12280,7 +12557,7 @@
     </p:spTree>
     <p:extLst>
       <p:ext uri="{BB962C8B-B14F-4D97-AF65-F5344CB8AC3E}">
-        <p14:creationId xmlns:p14="http://schemas.microsoft.com/office/powerpoint/2010/main" val="1970957671"/>
+        <p14:creationId xmlns:p14="http://schemas.microsoft.com/office/powerpoint/2010/main" val="3103330439"/>
       </p:ext>
     </p:extLst>
   </p:cSld>
@@ -16258,6 +16535,529 @@
 </file>
 
 <file path=ppt/slides/slide20.xml><?xml version="1.0" encoding="utf-8"?>
+<p:sld xmlns:a="http://schemas.openxmlformats.org/drawingml/2006/main" xmlns:r="http://schemas.openxmlformats.org/officeDocument/2006/relationships" xmlns:p="http://schemas.openxmlformats.org/presentationml/2006/main">
+  <p:cSld>
+    <p:spTree>
+      <p:nvGrpSpPr>
+        <p:cNvPr id="1" name=""/>
+        <p:cNvGrpSpPr/>
+        <p:nvPr/>
+      </p:nvGrpSpPr>
+      <p:grpSpPr>
+        <a:xfrm>
+          <a:off x="0" y="0"/>
+          <a:ext cx="0" cy="0"/>
+          <a:chOff x="0" y="0"/>
+          <a:chExt cx="0" cy="0"/>
+        </a:xfrm>
+      </p:grpSpPr>
+      <p:sp>
+        <p:nvSpPr>
+          <p:cNvPr id="4" name="직사각형 3"/>
+          <p:cNvSpPr/>
+          <p:nvPr/>
+        </p:nvSpPr>
+        <p:spPr>
+          <a:xfrm>
+            <a:off x="0" y="1498605"/>
+            <a:ext cx="6858000" cy="481262"/>
+          </a:xfrm>
+          <a:prstGeom prst="rect">
+            <a:avLst/>
+          </a:prstGeom>
+          <a:solidFill>
+            <a:schemeClr val="tx1"/>
+          </a:solidFill>
+          <a:ln>
+            <a:noFill/>
+          </a:ln>
+        </p:spPr>
+        <p:style>
+          <a:lnRef idx="2">
+            <a:schemeClr val="accent1">
+              <a:shade val="50000"/>
+            </a:schemeClr>
+          </a:lnRef>
+          <a:fillRef idx="1">
+            <a:schemeClr val="accent1"/>
+          </a:fillRef>
+          <a:effectRef idx="0">
+            <a:schemeClr val="accent1"/>
+          </a:effectRef>
+          <a:fontRef idx="minor">
+            <a:schemeClr val="lt1"/>
+          </a:fontRef>
+        </p:style>
+        <p:txBody>
+          <a:bodyPr rot="0" spcFirstLastPara="0" vertOverflow="overflow" horzOverflow="overflow" vert="horz" wrap="square" lIns="91440" tIns="45720" rIns="91440" bIns="45720" numCol="1" spcCol="0" rtlCol="0" fromWordArt="0" anchor="ctr" anchorCtr="0" forceAA="0" compatLnSpc="1">
+            <a:prstTxWarp prst="textNoShape">
+              <a:avLst/>
+            </a:prstTxWarp>
+            <a:noAutofit/>
+          </a:bodyPr>
+          <a:lstStyle/>
+          <a:p>
+            <a:pPr algn="ctr"/>
+            <a:r>
+              <a:rPr lang="ko-KR" altLang="en-US" sz="1500" dirty="0" err="1" smtClean="0"/>
+              <a:t>버스타스램</a:t>
+            </a:r>
+            <a:r>
+              <a:rPr lang="en-US" altLang="ko-KR" sz="1500" dirty="0" smtClean="0"/>
+              <a:t>               </a:t>
+            </a:r>
+            <a:r>
+              <a:rPr lang="ko-KR" altLang="en-US" sz="1500" dirty="0"/>
+              <a:t>공연 장소 및 일정</a:t>
+            </a:r>
+            <a:r>
+              <a:rPr lang="en-US" altLang="ko-KR" sz="1500" dirty="0"/>
+              <a:t>               </a:t>
+            </a:r>
+            <a:r>
+              <a:rPr lang="ko-KR" altLang="en-US" sz="1500" dirty="0"/>
+              <a:t>커뮤니티</a:t>
+            </a:r>
+            <a:r>
+              <a:rPr lang="en-US" altLang="ko-KR" sz="1500" dirty="0"/>
+              <a:t>               </a:t>
+            </a:r>
+            <a:r>
+              <a:rPr lang="ko-KR" altLang="en-US" sz="1500" dirty="0" err="1"/>
+              <a:t>마이페이지</a:t>
+            </a:r>
+            <a:endParaRPr lang="ko-KR" altLang="en-US" sz="1500" dirty="0"/>
+          </a:p>
+        </p:txBody>
+      </p:sp>
+      <p:sp>
+        <p:nvSpPr>
+          <p:cNvPr id="23" name="직사각형 22"/>
+          <p:cNvSpPr/>
+          <p:nvPr/>
+        </p:nvSpPr>
+        <p:spPr>
+          <a:xfrm>
+            <a:off x="0" y="11191609"/>
+            <a:ext cx="6858000" cy="1000391"/>
+          </a:xfrm>
+          <a:prstGeom prst="rect">
+            <a:avLst/>
+          </a:prstGeom>
+          <a:solidFill>
+            <a:schemeClr val="tx1"/>
+          </a:solidFill>
+          <a:ln>
+            <a:noFill/>
+          </a:ln>
+        </p:spPr>
+        <p:style>
+          <a:lnRef idx="2">
+            <a:schemeClr val="accent1">
+              <a:shade val="50000"/>
+            </a:schemeClr>
+          </a:lnRef>
+          <a:fillRef idx="1">
+            <a:schemeClr val="accent1"/>
+          </a:fillRef>
+          <a:effectRef idx="0">
+            <a:schemeClr val="accent1"/>
+          </a:effectRef>
+          <a:fontRef idx="minor">
+            <a:schemeClr val="lt1"/>
+          </a:fontRef>
+        </p:style>
+        <p:txBody>
+          <a:bodyPr rot="0" spcFirstLastPara="0" vertOverflow="overflow" horzOverflow="overflow" vert="horz" wrap="square" lIns="91440" tIns="45720" rIns="91440" bIns="45720" numCol="1" spcCol="0" rtlCol="0" fromWordArt="0" anchor="ctr" anchorCtr="0" forceAA="0" compatLnSpc="1">
+            <a:prstTxWarp prst="textNoShape">
+              <a:avLst/>
+            </a:prstTxWarp>
+            <a:noAutofit/>
+          </a:bodyPr>
+          <a:lstStyle/>
+          <a:p>
+            <a:pPr algn="ctr"/>
+            <a:r>
+              <a:rPr lang="en-US" altLang="ko-KR" dirty="0"/>
+              <a:t>footer</a:t>
+            </a:r>
+            <a:endParaRPr lang="ko-KR" altLang="en-US" dirty="0"/>
+          </a:p>
+        </p:txBody>
+      </p:sp>
+      <p:sp>
+        <p:nvSpPr>
+          <p:cNvPr id="65" name="TextBox 64"/>
+          <p:cNvSpPr txBox="1"/>
+          <p:nvPr/>
+        </p:nvSpPr>
+        <p:spPr>
+          <a:xfrm>
+            <a:off x="-3303872" y="847987"/>
+            <a:ext cx="2728452" cy="400110"/>
+          </a:xfrm>
+          <a:prstGeom prst="rect">
+            <a:avLst/>
+          </a:prstGeom>
+          <a:noFill/>
+        </p:spPr>
+        <p:txBody>
+          <a:bodyPr wrap="square" rtlCol="0">
+            <a:spAutoFit/>
+          </a:bodyPr>
+          <a:lstStyle/>
+          <a:p>
+            <a:pPr algn="ctr"/>
+            <a:r>
+              <a:rPr lang="ko-KR" altLang="en-US" sz="2000" b="1" dirty="0" smtClean="0"/>
+              <a:t>승인요청 페이지</a:t>
+            </a:r>
+            <a:endParaRPr lang="ko-KR" altLang="en-US" sz="2000" b="1" dirty="0"/>
+          </a:p>
+        </p:txBody>
+      </p:sp>
+      <p:cxnSp>
+        <p:nvCxnSpPr>
+          <p:cNvPr id="77" name="직선 화살표 연결선 76"/>
+          <p:cNvCxnSpPr/>
+          <p:nvPr/>
+        </p:nvCxnSpPr>
+        <p:spPr>
+          <a:xfrm flipH="1">
+            <a:off x="-841829" y="3340989"/>
+            <a:ext cx="1605537" cy="388247"/>
+          </a:xfrm>
+          <a:prstGeom prst="straightConnector1">
+            <a:avLst/>
+          </a:prstGeom>
+          <a:ln>
+            <a:tailEnd type="triangle"/>
+          </a:ln>
+        </p:spPr>
+        <p:style>
+          <a:lnRef idx="1">
+            <a:schemeClr val="accent1"/>
+          </a:lnRef>
+          <a:fillRef idx="0">
+            <a:schemeClr val="accent1"/>
+          </a:fillRef>
+          <a:effectRef idx="0">
+            <a:schemeClr val="accent1"/>
+          </a:effectRef>
+          <a:fontRef idx="minor">
+            <a:schemeClr val="tx1"/>
+          </a:fontRef>
+        </p:style>
+      </p:cxnSp>
+      <p:sp>
+        <p:nvSpPr>
+          <p:cNvPr id="78" name="TextBox 77"/>
+          <p:cNvSpPr txBox="1"/>
+          <p:nvPr/>
+        </p:nvSpPr>
+        <p:spPr>
+          <a:xfrm>
+            <a:off x="-2450602" y="3544571"/>
+            <a:ext cx="1245916" cy="923330"/>
+          </a:xfrm>
+          <a:prstGeom prst="rect">
+            <a:avLst/>
+          </a:prstGeom>
+          <a:noFill/>
+        </p:spPr>
+        <p:txBody>
+          <a:bodyPr wrap="square" rtlCol="0">
+            <a:spAutoFit/>
+          </a:bodyPr>
+          <a:lstStyle/>
+          <a:p>
+            <a:pPr algn="ctr"/>
+            <a:r>
+              <a:rPr lang="en-US" altLang="ko-KR" dirty="0" smtClean="0"/>
+              <a:t> </a:t>
+            </a:r>
+            <a:r>
+              <a:rPr lang="ko-KR" altLang="en-US" dirty="0" err="1" smtClean="0"/>
+              <a:t>클릭시</a:t>
+            </a:r>
+            <a:endParaRPr lang="en-US" altLang="ko-KR" dirty="0" smtClean="0"/>
+          </a:p>
+          <a:p>
+            <a:pPr algn="ctr"/>
+            <a:r>
+              <a:rPr lang="ko-KR" altLang="en-US" dirty="0" smtClean="0"/>
+              <a:t>상세정보 펼치기</a:t>
+            </a:r>
+            <a:endParaRPr lang="en-US" altLang="ko-KR" dirty="0" smtClean="0"/>
+          </a:p>
+        </p:txBody>
+      </p:sp>
+      <p:sp>
+        <p:nvSpPr>
+          <p:cNvPr id="28" name="TextBox 27"/>
+          <p:cNvSpPr txBox="1"/>
+          <p:nvPr/>
+        </p:nvSpPr>
+        <p:spPr>
+          <a:xfrm>
+            <a:off x="325204" y="2430430"/>
+            <a:ext cx="1738300" cy="369332"/>
+          </a:xfrm>
+          <a:prstGeom prst="rect">
+            <a:avLst/>
+          </a:prstGeom>
+          <a:noFill/>
+        </p:spPr>
+        <p:txBody>
+          <a:bodyPr wrap="square" rtlCol="0">
+            <a:spAutoFit/>
+          </a:bodyPr>
+          <a:lstStyle/>
+          <a:p>
+            <a:pPr algn="ctr"/>
+            <a:r>
+              <a:rPr lang="ko-KR" altLang="en-US" dirty="0" smtClean="0"/>
+              <a:t>승인요청</a:t>
+            </a:r>
+            <a:endParaRPr lang="ko-KR" altLang="en-US" dirty="0"/>
+          </a:p>
+        </p:txBody>
+      </p:sp>
+      <p:sp>
+        <p:nvSpPr>
+          <p:cNvPr id="29" name="TextBox 28"/>
+          <p:cNvSpPr txBox="1"/>
+          <p:nvPr/>
+        </p:nvSpPr>
+        <p:spPr>
+          <a:xfrm>
+            <a:off x="499374" y="3094008"/>
+            <a:ext cx="3285499" cy="369332"/>
+          </a:xfrm>
+          <a:prstGeom prst="rect">
+            <a:avLst/>
+          </a:prstGeom>
+          <a:noFill/>
+        </p:spPr>
+        <p:txBody>
+          <a:bodyPr wrap="square" rtlCol="0">
+            <a:spAutoFit/>
+          </a:bodyPr>
+          <a:lstStyle/>
+          <a:p>
+            <a:pPr algn="ctr"/>
+            <a:r>
+              <a:rPr lang="ko-KR" altLang="en-US" dirty="0" smtClean="0"/>
+              <a:t>아이디 </a:t>
+            </a:r>
+            <a:r>
+              <a:rPr lang="en-US" altLang="ko-KR" dirty="0" smtClean="0"/>
+              <a:t>| </a:t>
+            </a:r>
+            <a:r>
+              <a:rPr lang="ko-KR" altLang="en-US" dirty="0" smtClean="0"/>
+              <a:t>이름 </a:t>
+            </a:r>
+            <a:r>
+              <a:rPr lang="en-US" altLang="ko-KR" dirty="0" smtClean="0"/>
+              <a:t>| </a:t>
+            </a:r>
+            <a:r>
+              <a:rPr lang="ko-KR" altLang="en-US" dirty="0" err="1" smtClean="0"/>
+              <a:t>신청유형</a:t>
+            </a:r>
+            <a:endParaRPr lang="ko-KR" altLang="en-US" dirty="0"/>
+          </a:p>
+        </p:txBody>
+      </p:sp>
+      <p:sp>
+        <p:nvSpPr>
+          <p:cNvPr id="30" name="직사각형 29"/>
+          <p:cNvSpPr/>
+          <p:nvPr/>
+        </p:nvSpPr>
+        <p:spPr>
+          <a:xfrm>
+            <a:off x="5428343" y="3037309"/>
+            <a:ext cx="983619" cy="426032"/>
+          </a:xfrm>
+          <a:prstGeom prst="rect">
+            <a:avLst/>
+          </a:prstGeom>
+        </p:spPr>
+        <p:style>
+          <a:lnRef idx="2">
+            <a:schemeClr val="accent1">
+              <a:shade val="50000"/>
+            </a:schemeClr>
+          </a:lnRef>
+          <a:fillRef idx="1">
+            <a:schemeClr val="accent1"/>
+          </a:fillRef>
+          <a:effectRef idx="0">
+            <a:schemeClr val="accent1"/>
+          </a:effectRef>
+          <a:fontRef idx="minor">
+            <a:schemeClr val="lt1"/>
+          </a:fontRef>
+        </p:style>
+        <p:txBody>
+          <a:bodyPr rtlCol="0" anchor="ctr"/>
+          <a:lstStyle/>
+          <a:p>
+            <a:pPr algn="ctr"/>
+            <a:r>
+              <a:rPr lang="ko-KR" altLang="en-US" dirty="0" smtClean="0"/>
+              <a:t>삭제</a:t>
+            </a:r>
+            <a:endParaRPr lang="ko-KR" altLang="en-US" dirty="0"/>
+          </a:p>
+        </p:txBody>
+      </p:sp>
+      <p:sp>
+        <p:nvSpPr>
+          <p:cNvPr id="31" name="직사각형 30"/>
+          <p:cNvSpPr/>
+          <p:nvPr/>
+        </p:nvSpPr>
+        <p:spPr>
+          <a:xfrm>
+            <a:off x="4063999" y="3065659"/>
+            <a:ext cx="1085219" cy="397681"/>
+          </a:xfrm>
+          <a:prstGeom prst="rect">
+            <a:avLst/>
+          </a:prstGeom>
+        </p:spPr>
+        <p:style>
+          <a:lnRef idx="2">
+            <a:schemeClr val="accent1">
+              <a:shade val="50000"/>
+            </a:schemeClr>
+          </a:lnRef>
+          <a:fillRef idx="1">
+            <a:schemeClr val="accent1"/>
+          </a:fillRef>
+          <a:effectRef idx="0">
+            <a:schemeClr val="accent1"/>
+          </a:effectRef>
+          <a:fontRef idx="minor">
+            <a:schemeClr val="lt1"/>
+          </a:fontRef>
+        </p:style>
+        <p:txBody>
+          <a:bodyPr rtlCol="0" anchor="ctr"/>
+          <a:lstStyle/>
+          <a:p>
+            <a:pPr algn="ctr"/>
+            <a:r>
+              <a:rPr lang="ko-KR" altLang="en-US" dirty="0" smtClean="0"/>
+              <a:t>승인</a:t>
+            </a:r>
+            <a:endParaRPr lang="ko-KR" altLang="en-US" dirty="0"/>
+          </a:p>
+        </p:txBody>
+      </p:sp>
+      <p:sp>
+        <p:nvSpPr>
+          <p:cNvPr id="32" name="TextBox 31"/>
+          <p:cNvSpPr txBox="1"/>
+          <p:nvPr/>
+        </p:nvSpPr>
+        <p:spPr>
+          <a:xfrm>
+            <a:off x="499374" y="3729237"/>
+            <a:ext cx="5912588" cy="369332"/>
+          </a:xfrm>
+          <a:prstGeom prst="rect">
+            <a:avLst/>
+          </a:prstGeom>
+          <a:noFill/>
+        </p:spPr>
+        <p:txBody>
+          <a:bodyPr wrap="square" rtlCol="0">
+            <a:spAutoFit/>
+          </a:bodyPr>
+          <a:lstStyle/>
+          <a:p>
+            <a:pPr algn="ctr"/>
+            <a:r>
+              <a:rPr lang="ko-KR" altLang="en-US" dirty="0" smtClean="0"/>
+              <a:t>상세정보</a:t>
+            </a:r>
+            <a:endParaRPr lang="ko-KR" altLang="en-US" dirty="0"/>
+          </a:p>
+        </p:txBody>
+      </p:sp>
+      <p:pic>
+        <p:nvPicPr>
+          <p:cNvPr id="15" name="그림 14"/>
+          <p:cNvPicPr>
+            <a:picLocks noChangeAspect="1"/>
+          </p:cNvPicPr>
+          <p:nvPr/>
+        </p:nvPicPr>
+        <p:blipFill>
+          <a:blip r:embed="rId2"/>
+          <a:stretch>
+            <a:fillRect/>
+          </a:stretch>
+        </p:blipFill>
+        <p:spPr>
+          <a:xfrm>
+            <a:off x="4660255" y="757421"/>
+            <a:ext cx="2009775" cy="695325"/>
+          </a:xfrm>
+          <a:prstGeom prst="rect">
+            <a:avLst/>
+          </a:prstGeom>
+        </p:spPr>
+      </p:pic>
+      <p:pic>
+        <p:nvPicPr>
+          <p:cNvPr id="16" name="그림 15"/>
+          <p:cNvPicPr>
+            <a:picLocks noChangeAspect="1"/>
+          </p:cNvPicPr>
+          <p:nvPr/>
+        </p:nvPicPr>
+        <p:blipFill>
+          <a:blip r:embed="rId3"/>
+          <a:stretch>
+            <a:fillRect/>
+          </a:stretch>
+        </p:blipFill>
+        <p:spPr>
+          <a:xfrm>
+            <a:off x="210404" y="386217"/>
+            <a:ext cx="2589586" cy="742348"/>
+          </a:xfrm>
+          <a:prstGeom prst="rect">
+            <a:avLst/>
+          </a:prstGeom>
+        </p:spPr>
+      </p:pic>
+    </p:spTree>
+    <p:extLst>
+      <p:ext uri="{BB962C8B-B14F-4D97-AF65-F5344CB8AC3E}">
+        <p14:creationId xmlns:p14="http://schemas.microsoft.com/office/powerpoint/2010/main" val="1970957671"/>
+      </p:ext>
+    </p:extLst>
+  </p:cSld>
+  <p:clrMapOvr>
+    <a:masterClrMapping/>
+  </p:clrMapOvr>
+  <p:timing>
+    <p:tnLst>
+      <p:par>
+        <p:cTn id="1" dur="indefinite" restart="never" nodeType="tmRoot"/>
+      </p:par>
+    </p:tnLst>
+  </p:timing>
+</p:sld>
+</file>
+
+<file path=ppt/slides/slide21.xml><?xml version="1.0" encoding="utf-8"?>
 <p:sld xmlns:a="http://schemas.openxmlformats.org/drawingml/2006/main" xmlns:r="http://schemas.openxmlformats.org/officeDocument/2006/relationships" xmlns:p="http://schemas.openxmlformats.org/presentationml/2006/main">
   <p:cSld>
     <p:spTree>
@@ -17025,7 +17825,7 @@
 </p:sld>
 </file>
 
-<file path=ppt/slides/slide21.xml><?xml version="1.0" encoding="utf-8"?>
+<file path=ppt/slides/slide22.xml><?xml version="1.0" encoding="utf-8"?>
 <p:sld xmlns:a="http://schemas.openxmlformats.org/drawingml/2006/main" xmlns:r="http://schemas.openxmlformats.org/officeDocument/2006/relationships" xmlns:p="http://schemas.openxmlformats.org/presentationml/2006/main">
   <p:cSld>
     <p:spTree>
@@ -17905,806 +18705,6 @@
 </p:sld>
 </file>
 
-<file path=ppt/slides/slide22.xml><?xml version="1.0" encoding="utf-8"?>
-<p:sld xmlns:a="http://schemas.openxmlformats.org/drawingml/2006/main" xmlns:r="http://schemas.openxmlformats.org/officeDocument/2006/relationships" xmlns:p="http://schemas.openxmlformats.org/presentationml/2006/main">
-  <p:cSld>
-    <p:spTree>
-      <p:nvGrpSpPr>
-        <p:cNvPr id="1" name=""/>
-        <p:cNvGrpSpPr/>
-        <p:nvPr/>
-      </p:nvGrpSpPr>
-      <p:grpSpPr>
-        <a:xfrm>
-          <a:off x="0" y="0"/>
-          <a:ext cx="0" cy="0"/>
-          <a:chOff x="0" y="0"/>
-          <a:chExt cx="0" cy="0"/>
-        </a:xfrm>
-      </p:grpSpPr>
-      <p:sp>
-        <p:nvSpPr>
-          <p:cNvPr id="5" name="직사각형 4"/>
-          <p:cNvSpPr/>
-          <p:nvPr/>
-        </p:nvSpPr>
-        <p:spPr>
-          <a:xfrm>
-            <a:off x="0" y="11191609"/>
-            <a:ext cx="6858000" cy="1000391"/>
-          </a:xfrm>
-          <a:prstGeom prst="rect">
-            <a:avLst/>
-          </a:prstGeom>
-          <a:solidFill>
-            <a:schemeClr val="tx1"/>
-          </a:solidFill>
-          <a:ln>
-            <a:noFill/>
-          </a:ln>
-        </p:spPr>
-        <p:style>
-          <a:lnRef idx="2">
-            <a:schemeClr val="accent1">
-              <a:shade val="50000"/>
-            </a:schemeClr>
-          </a:lnRef>
-          <a:fillRef idx="1">
-            <a:schemeClr val="accent1"/>
-          </a:fillRef>
-          <a:effectRef idx="0">
-            <a:schemeClr val="accent1"/>
-          </a:effectRef>
-          <a:fontRef idx="minor">
-            <a:schemeClr val="lt1"/>
-          </a:fontRef>
-        </p:style>
-        <p:txBody>
-          <a:bodyPr rot="0" spcFirstLastPara="0" vertOverflow="overflow" horzOverflow="overflow" vert="horz" wrap="square" lIns="91440" tIns="45720" rIns="91440" bIns="45720" numCol="1" spcCol="0" rtlCol="0" fromWordArt="0" anchor="ctr" anchorCtr="0" forceAA="0" compatLnSpc="1">
-            <a:prstTxWarp prst="textNoShape">
-              <a:avLst/>
-            </a:prstTxWarp>
-            <a:noAutofit/>
-          </a:bodyPr>
-          <a:lstStyle/>
-          <a:p>
-            <a:pPr algn="ctr"/>
-            <a:r>
-              <a:rPr lang="en-US" altLang="ko-KR" dirty="0"/>
-              <a:t>footer</a:t>
-            </a:r>
-            <a:endParaRPr lang="ko-KR" altLang="en-US" dirty="0"/>
-          </a:p>
-        </p:txBody>
-      </p:sp>
-      <p:sp>
-        <p:nvSpPr>
-          <p:cNvPr id="6" name="직사각형 5"/>
-          <p:cNvSpPr/>
-          <p:nvPr/>
-        </p:nvSpPr>
-        <p:spPr>
-          <a:xfrm>
-            <a:off x="0" y="1498605"/>
-            <a:ext cx="6858000" cy="481262"/>
-          </a:xfrm>
-          <a:prstGeom prst="rect">
-            <a:avLst/>
-          </a:prstGeom>
-          <a:solidFill>
-            <a:schemeClr val="tx1"/>
-          </a:solidFill>
-          <a:ln>
-            <a:noFill/>
-          </a:ln>
-        </p:spPr>
-        <p:style>
-          <a:lnRef idx="2">
-            <a:schemeClr val="accent1">
-              <a:shade val="50000"/>
-            </a:schemeClr>
-          </a:lnRef>
-          <a:fillRef idx="1">
-            <a:schemeClr val="accent1"/>
-          </a:fillRef>
-          <a:effectRef idx="0">
-            <a:schemeClr val="accent1"/>
-          </a:effectRef>
-          <a:fontRef idx="minor">
-            <a:schemeClr val="lt1"/>
-          </a:fontRef>
-        </p:style>
-        <p:txBody>
-          <a:bodyPr rot="0" spcFirstLastPara="0" vertOverflow="overflow" horzOverflow="overflow" vert="horz" wrap="square" lIns="91440" tIns="45720" rIns="91440" bIns="45720" numCol="1" spcCol="0" rtlCol="0" fromWordArt="0" anchor="ctr" anchorCtr="0" forceAA="0" compatLnSpc="1">
-            <a:prstTxWarp prst="textNoShape">
-              <a:avLst/>
-            </a:prstTxWarp>
-            <a:noAutofit/>
-          </a:bodyPr>
-          <a:lstStyle/>
-          <a:p>
-            <a:pPr algn="ctr"/>
-            <a:endParaRPr lang="ko-KR" altLang="en-US" sz="1500" dirty="0"/>
-          </a:p>
-        </p:txBody>
-      </p:sp>
-      <p:sp>
-        <p:nvSpPr>
-          <p:cNvPr id="8" name="TextBox 7"/>
-          <p:cNvSpPr txBox="1"/>
-          <p:nvPr/>
-        </p:nvSpPr>
-        <p:spPr>
-          <a:xfrm>
-            <a:off x="1255622" y="6615067"/>
-            <a:ext cx="2351314" cy="369332"/>
-          </a:xfrm>
-          <a:prstGeom prst="rect">
-            <a:avLst/>
-          </a:prstGeom>
-          <a:noFill/>
-        </p:spPr>
-        <p:txBody>
-          <a:bodyPr wrap="square" rtlCol="0">
-            <a:spAutoFit/>
-          </a:bodyPr>
-          <a:lstStyle/>
-          <a:p>
-            <a:r>
-              <a:rPr lang="ko-KR" altLang="en-US" dirty="0" smtClean="0"/>
-              <a:t>이메일</a:t>
-            </a:r>
-            <a:endParaRPr lang="en-US" altLang="ko-KR" dirty="0" smtClean="0"/>
-          </a:p>
-        </p:txBody>
-      </p:sp>
-      <p:sp>
-        <p:nvSpPr>
-          <p:cNvPr id="10" name="직사각형 9"/>
-          <p:cNvSpPr/>
-          <p:nvPr/>
-        </p:nvSpPr>
-        <p:spPr>
-          <a:xfrm>
-            <a:off x="3773715" y="9703982"/>
-            <a:ext cx="2394858" cy="482731"/>
-          </a:xfrm>
-          <a:prstGeom prst="rect">
-            <a:avLst/>
-          </a:prstGeom>
-        </p:spPr>
-        <p:style>
-          <a:lnRef idx="2">
-            <a:schemeClr val="accent1">
-              <a:shade val="50000"/>
-            </a:schemeClr>
-          </a:lnRef>
-          <a:fillRef idx="1">
-            <a:schemeClr val="accent1"/>
-          </a:fillRef>
-          <a:effectRef idx="0">
-            <a:schemeClr val="accent1"/>
-          </a:effectRef>
-          <a:fontRef idx="minor">
-            <a:schemeClr val="lt1"/>
-          </a:fontRef>
-        </p:style>
-        <p:txBody>
-          <a:bodyPr rtlCol="0" anchor="ctr"/>
-          <a:lstStyle/>
-          <a:p>
-            <a:pPr algn="ctr"/>
-            <a:r>
-              <a:rPr lang="ko-KR" altLang="en-US" dirty="0" smtClean="0"/>
-              <a:t>취소</a:t>
-            </a:r>
-            <a:endParaRPr lang="ko-KR" altLang="en-US" dirty="0"/>
-          </a:p>
-        </p:txBody>
-      </p:sp>
-      <p:cxnSp>
-        <p:nvCxnSpPr>
-          <p:cNvPr id="13" name="직선 화살표 연결선 12"/>
-          <p:cNvCxnSpPr/>
-          <p:nvPr/>
-        </p:nvCxnSpPr>
-        <p:spPr>
-          <a:xfrm flipH="1">
-            <a:off x="-108857" y="4813745"/>
-            <a:ext cx="1233715" cy="150134"/>
-          </a:xfrm>
-          <a:prstGeom prst="straightConnector1">
-            <a:avLst/>
-          </a:prstGeom>
-          <a:ln>
-            <a:tailEnd type="triangle"/>
-          </a:ln>
-        </p:spPr>
-        <p:style>
-          <a:lnRef idx="1">
-            <a:schemeClr val="accent1"/>
-          </a:lnRef>
-          <a:fillRef idx="0">
-            <a:schemeClr val="accent1"/>
-          </a:fillRef>
-          <a:effectRef idx="0">
-            <a:schemeClr val="accent1"/>
-          </a:effectRef>
-          <a:fontRef idx="minor">
-            <a:schemeClr val="tx1"/>
-          </a:fontRef>
-        </p:style>
-      </p:cxnSp>
-      <p:sp>
-        <p:nvSpPr>
-          <p:cNvPr id="15" name="TextBox 14"/>
-          <p:cNvSpPr txBox="1"/>
-          <p:nvPr/>
-        </p:nvSpPr>
-        <p:spPr>
-          <a:xfrm>
-            <a:off x="-2169885" y="4594547"/>
-            <a:ext cx="2590799" cy="923330"/>
-          </a:xfrm>
-          <a:prstGeom prst="rect">
-            <a:avLst/>
-          </a:prstGeom>
-          <a:noFill/>
-        </p:spPr>
-        <p:txBody>
-          <a:bodyPr wrap="square" rtlCol="0">
-            <a:spAutoFit/>
-          </a:bodyPr>
-          <a:lstStyle/>
-          <a:p>
-            <a:r>
-              <a:rPr lang="en-US" altLang="ko-KR" dirty="0" smtClean="0"/>
-              <a:t>Select box </a:t>
-            </a:r>
-          </a:p>
-          <a:p>
-            <a:r>
-              <a:rPr lang="ko-KR" altLang="en-US" dirty="0" err="1" smtClean="0"/>
-              <a:t>버스커</a:t>
-            </a:r>
-            <a:r>
-              <a:rPr lang="ko-KR" altLang="en-US" dirty="0" smtClean="0"/>
-              <a:t> </a:t>
-            </a:r>
-            <a:r>
-              <a:rPr lang="en-US" altLang="ko-KR" dirty="0" smtClean="0"/>
-              <a:t>or </a:t>
-            </a:r>
-            <a:r>
-              <a:rPr lang="ko-KR" altLang="en-US" dirty="0" smtClean="0"/>
-              <a:t>가게 </a:t>
-            </a:r>
-            <a:r>
-              <a:rPr lang="ko-KR" altLang="en-US" dirty="0" err="1" smtClean="0"/>
-              <a:t>선택시</a:t>
-            </a:r>
-            <a:endParaRPr lang="en-US" altLang="ko-KR" dirty="0" smtClean="0"/>
-          </a:p>
-          <a:p>
-            <a:r>
-              <a:rPr lang="ko-KR" altLang="en-US" dirty="0" smtClean="0"/>
-              <a:t>필수입력항목 나타내기</a:t>
-            </a:r>
-            <a:endParaRPr lang="ko-KR" altLang="en-US" dirty="0"/>
-          </a:p>
-        </p:txBody>
-      </p:sp>
-      <p:sp>
-        <p:nvSpPr>
-          <p:cNvPr id="21" name="TextBox 20"/>
-          <p:cNvSpPr txBox="1"/>
-          <p:nvPr/>
-        </p:nvSpPr>
-        <p:spPr>
-          <a:xfrm>
-            <a:off x="-2278742" y="1979867"/>
-            <a:ext cx="2169885" cy="400110"/>
-          </a:xfrm>
-          <a:prstGeom prst="rect">
-            <a:avLst/>
-          </a:prstGeom>
-          <a:noFill/>
-        </p:spPr>
-        <p:txBody>
-          <a:bodyPr wrap="square" rtlCol="0">
-            <a:spAutoFit/>
-          </a:bodyPr>
-          <a:lstStyle/>
-          <a:p>
-            <a:r>
-              <a:rPr lang="ko-KR" altLang="en-US" sz="2000" b="1" dirty="0" smtClean="0"/>
-              <a:t>마이 페이지</a:t>
-            </a:r>
-            <a:endParaRPr lang="ko-KR" altLang="en-US" sz="2000" b="1" dirty="0"/>
-          </a:p>
-        </p:txBody>
-      </p:sp>
-      <p:sp>
-        <p:nvSpPr>
-          <p:cNvPr id="16" name="직사각형 15"/>
-          <p:cNvSpPr/>
-          <p:nvPr/>
-        </p:nvSpPr>
-        <p:spPr>
-          <a:xfrm>
-            <a:off x="1034142" y="9687428"/>
-            <a:ext cx="2394858" cy="482731"/>
-          </a:xfrm>
-          <a:prstGeom prst="rect">
-            <a:avLst/>
-          </a:prstGeom>
-        </p:spPr>
-        <p:style>
-          <a:lnRef idx="2">
-            <a:schemeClr val="accent1">
-              <a:shade val="50000"/>
-            </a:schemeClr>
-          </a:lnRef>
-          <a:fillRef idx="1">
-            <a:schemeClr val="accent1"/>
-          </a:fillRef>
-          <a:effectRef idx="0">
-            <a:schemeClr val="accent1"/>
-          </a:effectRef>
-          <a:fontRef idx="minor">
-            <a:schemeClr val="lt1"/>
-          </a:fontRef>
-        </p:style>
-        <p:txBody>
-          <a:bodyPr rtlCol="0" anchor="ctr"/>
-          <a:lstStyle/>
-          <a:p>
-            <a:pPr algn="ctr"/>
-            <a:r>
-              <a:rPr lang="ko-KR" altLang="en-US" dirty="0" smtClean="0"/>
-              <a:t>수정</a:t>
-            </a:r>
-            <a:endParaRPr lang="ko-KR" altLang="en-US" dirty="0"/>
-          </a:p>
-        </p:txBody>
-      </p:sp>
-      <p:sp>
-        <p:nvSpPr>
-          <p:cNvPr id="19" name="TextBox 18"/>
-          <p:cNvSpPr txBox="1"/>
-          <p:nvPr/>
-        </p:nvSpPr>
-        <p:spPr>
-          <a:xfrm>
-            <a:off x="1124858" y="3102541"/>
-            <a:ext cx="2351314" cy="369332"/>
-          </a:xfrm>
-          <a:prstGeom prst="rect">
-            <a:avLst/>
-          </a:prstGeom>
-          <a:noFill/>
-        </p:spPr>
-        <p:txBody>
-          <a:bodyPr wrap="square" rtlCol="0">
-            <a:spAutoFit/>
-          </a:bodyPr>
-          <a:lstStyle/>
-          <a:p>
-            <a:r>
-              <a:rPr lang="ko-KR" altLang="en-US" dirty="0" smtClean="0"/>
-              <a:t>프로필사진</a:t>
-            </a:r>
-            <a:endParaRPr lang="en-US" altLang="ko-KR" dirty="0" smtClean="0"/>
-          </a:p>
-        </p:txBody>
-      </p:sp>
-      <p:sp>
-        <p:nvSpPr>
-          <p:cNvPr id="23" name="TextBox 22"/>
-          <p:cNvSpPr txBox="1"/>
-          <p:nvPr/>
-        </p:nvSpPr>
-        <p:spPr>
-          <a:xfrm>
-            <a:off x="1230085" y="4385938"/>
-            <a:ext cx="3919133" cy="646331"/>
-          </a:xfrm>
-          <a:prstGeom prst="rect">
-            <a:avLst/>
-          </a:prstGeom>
-          <a:noFill/>
-        </p:spPr>
-        <p:txBody>
-          <a:bodyPr wrap="square" rtlCol="0">
-            <a:spAutoFit/>
-          </a:bodyPr>
-          <a:lstStyle/>
-          <a:p>
-            <a:r>
-              <a:rPr lang="ko-KR" altLang="en-US" dirty="0" smtClean="0"/>
-              <a:t>분류 </a:t>
-            </a:r>
-            <a:r>
-              <a:rPr lang="en-US" altLang="ko-KR" dirty="0" smtClean="0"/>
-              <a:t>:</a:t>
-            </a:r>
-          </a:p>
-          <a:p>
-            <a:r>
-              <a:rPr lang="en-US" altLang="ko-KR" dirty="0" smtClean="0"/>
-              <a:t>(</a:t>
-            </a:r>
-            <a:r>
-              <a:rPr lang="ko-KR" altLang="en-US" dirty="0" smtClean="0"/>
-              <a:t>일반회원  </a:t>
-            </a:r>
-            <a:r>
-              <a:rPr lang="en-US" altLang="ko-KR" dirty="0" smtClean="0"/>
-              <a:t>,</a:t>
-            </a:r>
-            <a:r>
-              <a:rPr lang="ko-KR" altLang="en-US" dirty="0" err="1" smtClean="0"/>
-              <a:t>버스커</a:t>
-            </a:r>
-            <a:r>
-              <a:rPr lang="ko-KR" altLang="en-US" dirty="0" smtClean="0"/>
-              <a:t> </a:t>
-            </a:r>
-            <a:r>
-              <a:rPr lang="en-US" altLang="ko-KR" dirty="0" smtClean="0"/>
-              <a:t>, </a:t>
-            </a:r>
-            <a:r>
-              <a:rPr lang="ko-KR" altLang="en-US" dirty="0" smtClean="0"/>
-              <a:t>가게</a:t>
-            </a:r>
-            <a:r>
-              <a:rPr lang="en-US" altLang="ko-KR" dirty="0" smtClean="0"/>
-              <a:t>)</a:t>
-            </a:r>
-          </a:p>
-        </p:txBody>
-      </p:sp>
-      <p:sp>
-        <p:nvSpPr>
-          <p:cNvPr id="24" name="TextBox 23"/>
-          <p:cNvSpPr txBox="1"/>
-          <p:nvPr/>
-        </p:nvSpPr>
-        <p:spPr>
-          <a:xfrm>
-            <a:off x="1230085" y="7365966"/>
-            <a:ext cx="2351314" cy="369332"/>
-          </a:xfrm>
-          <a:prstGeom prst="rect">
-            <a:avLst/>
-          </a:prstGeom>
-          <a:noFill/>
-        </p:spPr>
-        <p:txBody>
-          <a:bodyPr wrap="square" rtlCol="0">
-            <a:spAutoFit/>
-          </a:bodyPr>
-          <a:lstStyle/>
-          <a:p>
-            <a:r>
-              <a:rPr lang="ko-KR" altLang="en-US" dirty="0" smtClean="0"/>
-              <a:t>연락처</a:t>
-            </a:r>
-            <a:endParaRPr lang="en-US" altLang="ko-KR" dirty="0" smtClean="0"/>
-          </a:p>
-        </p:txBody>
-      </p:sp>
-      <p:sp>
-        <p:nvSpPr>
-          <p:cNvPr id="25" name="TextBox 24"/>
-          <p:cNvSpPr txBox="1"/>
-          <p:nvPr/>
-        </p:nvSpPr>
-        <p:spPr>
-          <a:xfrm>
-            <a:off x="1230085" y="8103089"/>
-            <a:ext cx="2351314" cy="369332"/>
-          </a:xfrm>
-          <a:prstGeom prst="rect">
-            <a:avLst/>
-          </a:prstGeom>
-          <a:noFill/>
-        </p:spPr>
-        <p:txBody>
-          <a:bodyPr wrap="square" rtlCol="0">
-            <a:spAutoFit/>
-          </a:bodyPr>
-          <a:lstStyle/>
-          <a:p>
-            <a:r>
-              <a:rPr lang="ko-KR" altLang="en-US" dirty="0" smtClean="0"/>
-              <a:t>주소</a:t>
-            </a:r>
-            <a:endParaRPr lang="en-US" altLang="ko-KR" dirty="0" smtClean="0"/>
-          </a:p>
-        </p:txBody>
-      </p:sp>
-      <p:sp>
-        <p:nvSpPr>
-          <p:cNvPr id="26" name="TextBox 25"/>
-          <p:cNvSpPr txBox="1"/>
-          <p:nvPr/>
-        </p:nvSpPr>
-        <p:spPr>
-          <a:xfrm>
-            <a:off x="1255622" y="5131930"/>
-            <a:ext cx="1719807" cy="1200329"/>
-          </a:xfrm>
-          <a:prstGeom prst="rect">
-            <a:avLst/>
-          </a:prstGeom>
-          <a:noFill/>
-        </p:spPr>
-        <p:txBody>
-          <a:bodyPr wrap="square" rtlCol="0">
-            <a:spAutoFit/>
-          </a:bodyPr>
-          <a:lstStyle/>
-          <a:p>
-            <a:r>
-              <a:rPr lang="en-US" altLang="ko-KR" smtClean="0"/>
-              <a:t>(</a:t>
-            </a:r>
-            <a:r>
-              <a:rPr lang="ko-KR" altLang="en-US" dirty="0" err="1" smtClean="0"/>
-              <a:t>버스커</a:t>
-            </a:r>
-            <a:r>
-              <a:rPr lang="en-US" altLang="ko-KR" dirty="0" smtClean="0"/>
-              <a:t>)</a:t>
-            </a:r>
-          </a:p>
-          <a:p>
-            <a:r>
-              <a:rPr lang="ko-KR" altLang="en-US" dirty="0" err="1" smtClean="0"/>
-              <a:t>팀명</a:t>
-            </a:r>
-            <a:endParaRPr lang="en-US" altLang="ko-KR" dirty="0" smtClean="0"/>
-          </a:p>
-          <a:p>
-            <a:r>
-              <a:rPr lang="ko-KR" altLang="en-US" dirty="0" err="1" smtClean="0"/>
-              <a:t>구성인원</a:t>
-            </a:r>
-            <a:endParaRPr lang="en-US" altLang="ko-KR" dirty="0" smtClean="0"/>
-          </a:p>
-          <a:p>
-            <a:r>
-              <a:rPr lang="ko-KR" altLang="en-US" dirty="0" smtClean="0"/>
-              <a:t>장르</a:t>
-            </a:r>
-            <a:endParaRPr lang="en-US" altLang="ko-KR" dirty="0" smtClean="0"/>
-          </a:p>
-        </p:txBody>
-      </p:sp>
-      <p:sp>
-        <p:nvSpPr>
-          <p:cNvPr id="28" name="TextBox 27"/>
-          <p:cNvSpPr txBox="1"/>
-          <p:nvPr/>
-        </p:nvSpPr>
-        <p:spPr>
-          <a:xfrm>
-            <a:off x="3476172" y="5140816"/>
-            <a:ext cx="1719807" cy="1200329"/>
-          </a:xfrm>
-          <a:prstGeom prst="rect">
-            <a:avLst/>
-          </a:prstGeom>
-          <a:noFill/>
-        </p:spPr>
-        <p:txBody>
-          <a:bodyPr wrap="square" rtlCol="0">
-            <a:spAutoFit/>
-          </a:bodyPr>
-          <a:lstStyle/>
-          <a:p>
-            <a:r>
-              <a:rPr lang="en-US" altLang="ko-KR" dirty="0" smtClean="0"/>
-              <a:t>(</a:t>
-            </a:r>
-            <a:r>
-              <a:rPr lang="ko-KR" altLang="en-US" dirty="0" smtClean="0"/>
-              <a:t>가게</a:t>
-            </a:r>
-            <a:r>
-              <a:rPr lang="en-US" altLang="ko-KR" dirty="0" smtClean="0"/>
-              <a:t>)</a:t>
-            </a:r>
-          </a:p>
-          <a:p>
-            <a:r>
-              <a:rPr lang="ko-KR" altLang="en-US" dirty="0" smtClean="0"/>
-              <a:t>상호명</a:t>
-            </a:r>
-            <a:endParaRPr lang="en-US" altLang="ko-KR" dirty="0" smtClean="0"/>
-          </a:p>
-          <a:p>
-            <a:r>
-              <a:rPr lang="ko-KR" altLang="en-US" dirty="0" err="1" smtClean="0"/>
-              <a:t>사업자번호</a:t>
-            </a:r>
-            <a:endParaRPr lang="en-US" altLang="ko-KR" dirty="0" smtClean="0"/>
-          </a:p>
-          <a:p>
-            <a:r>
-              <a:rPr lang="ko-KR" altLang="en-US" dirty="0" err="1" smtClean="0"/>
-              <a:t>가게주소</a:t>
-            </a:r>
-            <a:endParaRPr lang="en-US" altLang="ko-KR" dirty="0" smtClean="0"/>
-          </a:p>
-        </p:txBody>
-      </p:sp>
-      <p:sp>
-        <p:nvSpPr>
-          <p:cNvPr id="29" name="직사각형 28"/>
-          <p:cNvSpPr/>
-          <p:nvPr/>
-        </p:nvSpPr>
-        <p:spPr>
-          <a:xfrm>
-            <a:off x="1237343" y="3828160"/>
-            <a:ext cx="1193936" cy="435111"/>
-          </a:xfrm>
-          <a:prstGeom prst="rect">
-            <a:avLst/>
-          </a:prstGeom>
-        </p:spPr>
-        <p:style>
-          <a:lnRef idx="2">
-            <a:schemeClr val="accent1">
-              <a:shade val="50000"/>
-            </a:schemeClr>
-          </a:lnRef>
-          <a:fillRef idx="1">
-            <a:schemeClr val="accent1"/>
-          </a:fillRef>
-          <a:effectRef idx="0">
-            <a:schemeClr val="accent1"/>
-          </a:effectRef>
-          <a:fontRef idx="minor">
-            <a:schemeClr val="lt1"/>
-          </a:fontRef>
-        </p:style>
-        <p:txBody>
-          <a:bodyPr rtlCol="0" anchor="ctr"/>
-          <a:lstStyle/>
-          <a:p>
-            <a:pPr algn="ctr"/>
-            <a:endParaRPr lang="en-US" altLang="ko-KR" dirty="0" smtClean="0"/>
-          </a:p>
-          <a:p>
-            <a:pPr algn="ctr"/>
-            <a:r>
-              <a:rPr lang="ko-KR" altLang="en-US" dirty="0" err="1" smtClean="0"/>
-              <a:t>사진변경</a:t>
-            </a:r>
-            <a:endParaRPr lang="en-US" altLang="ko-KR" dirty="0" smtClean="0"/>
-          </a:p>
-          <a:p>
-            <a:pPr algn="ctr"/>
-            <a:endParaRPr lang="ko-KR" altLang="en-US" dirty="0"/>
-          </a:p>
-        </p:txBody>
-      </p:sp>
-      <p:sp>
-        <p:nvSpPr>
-          <p:cNvPr id="31" name="직사각형 30"/>
-          <p:cNvSpPr/>
-          <p:nvPr/>
-        </p:nvSpPr>
-        <p:spPr>
-          <a:xfrm>
-            <a:off x="2558143" y="3804479"/>
-            <a:ext cx="870857" cy="435111"/>
-          </a:xfrm>
-          <a:prstGeom prst="rect">
-            <a:avLst/>
-          </a:prstGeom>
-        </p:spPr>
-        <p:style>
-          <a:lnRef idx="2">
-            <a:schemeClr val="accent1">
-              <a:shade val="50000"/>
-            </a:schemeClr>
-          </a:lnRef>
-          <a:fillRef idx="1">
-            <a:schemeClr val="accent1"/>
-          </a:fillRef>
-          <a:effectRef idx="0">
-            <a:schemeClr val="accent1"/>
-          </a:effectRef>
-          <a:fontRef idx="minor">
-            <a:schemeClr val="lt1"/>
-          </a:fontRef>
-        </p:style>
-        <p:txBody>
-          <a:bodyPr rtlCol="0" anchor="ctr"/>
-          <a:lstStyle/>
-          <a:p>
-            <a:pPr algn="ctr"/>
-            <a:r>
-              <a:rPr lang="ko-KR" altLang="en-US" dirty="0" smtClean="0"/>
-              <a:t>삭제</a:t>
-            </a:r>
-            <a:endParaRPr lang="ko-KR" altLang="en-US" dirty="0"/>
-          </a:p>
-        </p:txBody>
-      </p:sp>
-      <p:pic>
-        <p:nvPicPr>
-          <p:cNvPr id="20" name="그림 19"/>
-          <p:cNvPicPr>
-            <a:picLocks noChangeAspect="1"/>
-          </p:cNvPicPr>
-          <p:nvPr/>
-        </p:nvPicPr>
-        <p:blipFill>
-          <a:blip r:embed="rId2"/>
-          <a:stretch>
-            <a:fillRect/>
-          </a:stretch>
-        </p:blipFill>
-        <p:spPr>
-          <a:xfrm>
-            <a:off x="4660255" y="757421"/>
-            <a:ext cx="2009775" cy="695325"/>
-          </a:xfrm>
-          <a:prstGeom prst="rect">
-            <a:avLst/>
-          </a:prstGeom>
-        </p:spPr>
-      </p:pic>
-      <p:pic>
-        <p:nvPicPr>
-          <p:cNvPr id="22" name="그림 21"/>
-          <p:cNvPicPr>
-            <a:picLocks noChangeAspect="1"/>
-          </p:cNvPicPr>
-          <p:nvPr/>
-        </p:nvPicPr>
-        <p:blipFill>
-          <a:blip r:embed="rId3"/>
-          <a:stretch>
-            <a:fillRect/>
-          </a:stretch>
-        </p:blipFill>
-        <p:spPr>
-          <a:xfrm>
-            <a:off x="210404" y="386217"/>
-            <a:ext cx="2589586" cy="742348"/>
-          </a:xfrm>
-          <a:prstGeom prst="rect">
-            <a:avLst/>
-          </a:prstGeom>
-        </p:spPr>
-      </p:pic>
-    </p:spTree>
-    <p:extLst>
-      <p:ext uri="{BB962C8B-B14F-4D97-AF65-F5344CB8AC3E}">
-        <p14:creationId xmlns:p14="http://schemas.microsoft.com/office/powerpoint/2010/main" val="477282505"/>
-      </p:ext>
-    </p:extLst>
-  </p:cSld>
-  <p:clrMapOvr>
-    <a:masterClrMapping/>
-  </p:clrMapOvr>
-  <p:timing>
-    <p:tnLst>
-      <p:par>
-        <p:cTn id="1" dur="indefinite" restart="never" nodeType="tmRoot"/>
-      </p:par>
-    </p:tnLst>
-  </p:timing>
-</p:sld>
-</file>
-
 <file path=ppt/slides/slide23.xml><?xml version="1.0" encoding="utf-8"?>
 <p:sld xmlns:a="http://schemas.openxmlformats.org/drawingml/2006/main" xmlns:r="http://schemas.openxmlformats.org/officeDocument/2006/relationships" xmlns:p="http://schemas.openxmlformats.org/presentationml/2006/main">
   <p:cSld>
